--- a/initial_tutorial.pptx
+++ b/initial_tutorial.pptx
@@ -3,24 +3,22 @@
 <p:presentation xmlns:a="http://schemas.openxmlformats.org/drawingml/2006/main" xmlns:p="http://schemas.openxmlformats.org/presentationml/2006/main" xmlns:r="http://schemas.openxmlformats.org/officeDocument/2006/relationships" xmlns:p14="http://schemas.microsoft.com/office/powerpoint/2010/main" xmlns:p15="http://schemas.microsoft.com/office/powerpoint/2012/main" xmlns:mc="http://schemas.openxmlformats.org/markup-compatibility/2006">
   <p:sldMasterIdLst>
     <p:sldMasterId id="2147483648" r:id="rId2"/>
+    <p:sldMasterId id="2147483661" r:id="rId3"/>
   </p:sldMasterIdLst>
   <p:sldIdLst>
-    <p:sldId id="256" r:id="rId3"/>
-    <p:sldId id="257" r:id="rId4"/>
-    <p:sldId id="258" r:id="rId5"/>
-    <p:sldId id="259" r:id="rId6"/>
-    <p:sldId id="260" r:id="rId7"/>
-    <p:sldId id="261" r:id="rId8"/>
-    <p:sldId id="262" r:id="rId9"/>
-    <p:sldId id="263" r:id="rId10"/>
-    <p:sldId id="264" r:id="rId11"/>
-    <p:sldId id="265" r:id="rId12"/>
-    <p:sldId id="266" r:id="rId13"/>
-    <p:sldId id="267" r:id="rId14"/>
-    <p:sldId id="268" r:id="rId15"/>
-    <p:sldId id="269" r:id="rId16"/>
-    <p:sldId id="270" r:id="rId17"/>
-    <p:sldId id="271" r:id="rId18"/>
+    <p:sldId id="256" r:id="rId4"/>
+    <p:sldId id="257" r:id="rId5"/>
+    <p:sldId id="258" r:id="rId6"/>
+    <p:sldId id="259" r:id="rId7"/>
+    <p:sldId id="260" r:id="rId8"/>
+    <p:sldId id="261" r:id="rId9"/>
+    <p:sldId id="262" r:id="rId10"/>
+    <p:sldId id="263" r:id="rId11"/>
+    <p:sldId id="264" r:id="rId12"/>
+    <p:sldId id="265" r:id="rId13"/>
+    <p:sldId id="266" r:id="rId14"/>
+    <p:sldId id="267" r:id="rId15"/>
+    <p:sldId id="268" r:id="rId16"/>
   </p:sldIdLst>
   <p:sldSz cx="10080625" cy="7559675"/>
   <p:notesSz cx="7772400" cy="10058400"/>
@@ -68,7 +66,7 @@
       </p:grpSpPr>
       <p:sp>
         <p:nvSpPr>
-          <p:cNvPr id="26" name="PlaceHolder 1"/>
+          <p:cNvPr id="23" name="PlaceHolder 1"/>
           <p:cNvSpPr>
             <a:spLocks noGrp="1"/>
           </p:cNvSpPr>
@@ -79,7 +77,7 @@
         <p:spPr>
           <a:xfrm>
             <a:off x="504000" y="301320"/>
-            <a:ext cx="9071640" cy="1262160"/>
+            <a:ext cx="9071280" cy="1261800"/>
           </a:xfrm>
           <a:prstGeom prst="rect">
             <a:avLst/>
@@ -105,7 +103,7 @@
       </p:sp>
       <p:sp>
         <p:nvSpPr>
-          <p:cNvPr id="27" name="PlaceHolder 2"/>
+          <p:cNvPr id="24" name="PlaceHolder 2"/>
           <p:cNvSpPr>
             <a:spLocks noGrp="1"/>
           </p:cNvSpPr>
@@ -116,7 +114,7 @@
         <p:spPr>
           <a:xfrm>
             <a:off x="504000" y="1769040"/>
-            <a:ext cx="9071640" cy="2091240"/>
+            <a:ext cx="9071280" cy="2090880"/>
           </a:xfrm>
           <a:prstGeom prst="rect">
             <a:avLst/>
@@ -141,7 +139,7 @@
       </p:sp>
       <p:sp>
         <p:nvSpPr>
-          <p:cNvPr id="28" name="PlaceHolder 3"/>
+          <p:cNvPr id="25" name="PlaceHolder 3"/>
           <p:cNvSpPr>
             <a:spLocks noGrp="1"/>
           </p:cNvSpPr>
@@ -151,8 +149,8 @@
         </p:nvSpPr>
         <p:spPr>
           <a:xfrm>
-            <a:off x="504000" y="4059360"/>
-            <a:ext cx="9071640" cy="2091240"/>
+            <a:off x="504000" y="4059000"/>
+            <a:ext cx="9071280" cy="2090880"/>
           </a:xfrm>
           <a:prstGeom prst="rect">
             <a:avLst/>
@@ -199,7 +197,7 @@
       </p:grpSpPr>
       <p:sp>
         <p:nvSpPr>
-          <p:cNvPr id="29" name="PlaceHolder 1"/>
+          <p:cNvPr id="26" name="PlaceHolder 1"/>
           <p:cNvSpPr>
             <a:spLocks noGrp="1"/>
           </p:cNvSpPr>
@@ -210,7 +208,7 @@
         <p:spPr>
           <a:xfrm>
             <a:off x="504000" y="301320"/>
-            <a:ext cx="9071640" cy="1262160"/>
+            <a:ext cx="9071280" cy="1261800"/>
           </a:xfrm>
           <a:prstGeom prst="rect">
             <a:avLst/>
@@ -236,7 +234,7 @@
       </p:sp>
       <p:sp>
         <p:nvSpPr>
-          <p:cNvPr id="30" name="PlaceHolder 2"/>
+          <p:cNvPr id="27" name="PlaceHolder 2"/>
           <p:cNvSpPr>
             <a:spLocks noGrp="1"/>
           </p:cNvSpPr>
@@ -247,7 +245,7 @@
         <p:spPr>
           <a:xfrm>
             <a:off x="504000" y="1769040"/>
-            <a:ext cx="4426920" cy="2091240"/>
+            <a:ext cx="4426560" cy="2090880"/>
           </a:xfrm>
           <a:prstGeom prst="rect">
             <a:avLst/>
@@ -272,7 +270,7 @@
       </p:sp>
       <p:sp>
         <p:nvSpPr>
-          <p:cNvPr id="31" name="PlaceHolder 3"/>
+          <p:cNvPr id="28" name="PlaceHolder 3"/>
           <p:cNvSpPr>
             <a:spLocks noGrp="1"/>
           </p:cNvSpPr>
@@ -282,8 +280,8 @@
         </p:nvSpPr>
         <p:spPr>
           <a:xfrm>
-            <a:off x="5152680" y="1769040"/>
-            <a:ext cx="4426920" cy="2091240"/>
+            <a:off x="5152320" y="1769040"/>
+            <a:ext cx="4426560" cy="2090880"/>
           </a:xfrm>
           <a:prstGeom prst="rect">
             <a:avLst/>
@@ -308,7 +306,7 @@
       </p:sp>
       <p:sp>
         <p:nvSpPr>
-          <p:cNvPr id="32" name="PlaceHolder 4"/>
+          <p:cNvPr id="29" name="PlaceHolder 4"/>
           <p:cNvSpPr>
             <a:spLocks noGrp="1"/>
           </p:cNvSpPr>
@@ -318,8 +316,8 @@
         </p:nvSpPr>
         <p:spPr>
           <a:xfrm>
-            <a:off x="5152680" y="4059360"/>
-            <a:ext cx="4426920" cy="2091240"/>
+            <a:off x="5152320" y="4059000"/>
+            <a:ext cx="4426560" cy="2090880"/>
           </a:xfrm>
           <a:prstGeom prst="rect">
             <a:avLst/>
@@ -344,7 +342,7 @@
       </p:sp>
       <p:sp>
         <p:nvSpPr>
-          <p:cNvPr id="33" name="PlaceHolder 5"/>
+          <p:cNvPr id="30" name="PlaceHolder 5"/>
           <p:cNvSpPr>
             <a:spLocks noGrp="1"/>
           </p:cNvSpPr>
@@ -354,8 +352,8 @@
         </p:nvSpPr>
         <p:spPr>
           <a:xfrm>
-            <a:off x="504000" y="4059360"/>
-            <a:ext cx="4426920" cy="2091240"/>
+            <a:off x="504000" y="4059000"/>
+            <a:ext cx="4426560" cy="2090880"/>
           </a:xfrm>
           <a:prstGeom prst="rect">
             <a:avLst/>
@@ -402,7 +400,7 @@
       </p:grpSpPr>
       <p:sp>
         <p:nvSpPr>
-          <p:cNvPr id="34" name="PlaceHolder 1"/>
+          <p:cNvPr id="31" name="PlaceHolder 1"/>
           <p:cNvSpPr>
             <a:spLocks noGrp="1"/>
           </p:cNvSpPr>
@@ -413,7 +411,7 @@
         <p:spPr>
           <a:xfrm>
             <a:off x="504000" y="301320"/>
-            <a:ext cx="9071640" cy="1262160"/>
+            <a:ext cx="9071280" cy="1261800"/>
           </a:xfrm>
           <a:prstGeom prst="rect">
             <a:avLst/>
@@ -439,7 +437,7 @@
       </p:sp>
       <p:sp>
         <p:nvSpPr>
-          <p:cNvPr id="35" name="PlaceHolder 2"/>
+          <p:cNvPr id="32" name="PlaceHolder 2"/>
           <p:cNvSpPr>
             <a:spLocks noGrp="1"/>
           </p:cNvSpPr>
@@ -450,7 +448,7 @@
         <p:spPr>
           <a:xfrm>
             <a:off x="504000" y="1769040"/>
-            <a:ext cx="9071640" cy="4384440"/>
+            <a:ext cx="9071280" cy="4384080"/>
           </a:xfrm>
           <a:prstGeom prst="rect">
             <a:avLst/>
@@ -475,7 +473,7 @@
       </p:sp>
       <p:sp>
         <p:nvSpPr>
-          <p:cNvPr id="36" name="PlaceHolder 3"/>
+          <p:cNvPr id="33" name="PlaceHolder 3"/>
           <p:cNvSpPr>
             <a:spLocks noGrp="1"/>
           </p:cNvSpPr>
@@ -486,7 +484,7 @@
         <p:spPr>
           <a:xfrm>
             <a:off x="504000" y="1769040"/>
-            <a:ext cx="9071640" cy="4384440"/>
+            <a:ext cx="9071280" cy="4384080"/>
           </a:xfrm>
           <a:prstGeom prst="rect">
             <a:avLst/>
@@ -511,7 +509,7 @@
       </p:sp>
       <p:pic>
         <p:nvPicPr>
-          <p:cNvPr id="37" name="" descr=""/>
+          <p:cNvPr id="34" name="" descr=""/>
           <p:cNvPicPr/>
           <p:nvPr/>
         </p:nvPicPr>
@@ -521,8 +519,8 @@
         </p:blipFill>
         <p:spPr>
           <a:xfrm>
-            <a:off x="2292120" y="1768680"/>
-            <a:ext cx="5495040" cy="4384440"/>
+            <a:off x="2292120" y="1769040"/>
+            <a:ext cx="5494680" cy="4384080"/>
           </a:xfrm>
           <a:prstGeom prst="rect">
             <a:avLst/>
@@ -534,7 +532,7 @@
       </p:pic>
       <p:pic>
         <p:nvPicPr>
-          <p:cNvPr id="38" name="" descr=""/>
+          <p:cNvPr id="35" name="" descr=""/>
           <p:cNvPicPr/>
           <p:nvPr/>
         </p:nvPicPr>
@@ -544,8 +542,8 @@
         </p:blipFill>
         <p:spPr>
           <a:xfrm>
-            <a:off x="2292120" y="1768680"/>
-            <a:ext cx="5495040" cy="4384440"/>
+            <a:off x="2292120" y="1769040"/>
+            <a:ext cx="5494680" cy="4384080"/>
           </a:xfrm>
           <a:prstGeom prst="rect">
             <a:avLst/>
@@ -555,6 +553,635 @@
           </a:ln>
         </p:spPr>
       </p:pic>
+    </p:spTree>
+  </p:cSld>
+</p:sldLayout>
+</file>
+
+<file path=ppt/slideLayouts/slideLayout13.xml><?xml version="1.0" encoding="utf-8"?>
+<p:sldLayout xmlns:a="http://schemas.openxmlformats.org/drawingml/2006/main" xmlns:p="http://schemas.openxmlformats.org/presentationml/2006/main" xmlns:r="http://schemas.openxmlformats.org/officeDocument/2006/relationships" xmlns:p14="http://schemas.microsoft.com/office/powerpoint/2010/main" xmlns:p15="http://schemas.microsoft.com/office/powerpoint/2012/main" xmlns:mc="http://schemas.openxmlformats.org/markup-compatibility/2006" type="blank" preserve="1">
+  <p:cSld name="Blank Slide">
+    <p:spTree>
+      <p:nvGrpSpPr>
+        <p:cNvPr id="1" name=""/>
+        <p:cNvGrpSpPr/>
+        <p:nvPr/>
+      </p:nvGrpSpPr>
+      <p:grpSpPr>
+        <a:xfrm>
+          <a:off x="0" y="0"/>
+          <a:ext cx="0" cy="0"/>
+          <a:chOff x="0" y="0"/>
+          <a:chExt cx="0" cy="0"/>
+        </a:xfrm>
+      </p:grpSpPr>
+    </p:spTree>
+  </p:cSld>
+</p:sldLayout>
+</file>
+
+<file path=ppt/slideLayouts/slideLayout14.xml><?xml version="1.0" encoding="utf-8"?>
+<p:sldLayout xmlns:a="http://schemas.openxmlformats.org/drawingml/2006/main" xmlns:p="http://schemas.openxmlformats.org/presentationml/2006/main" xmlns:r="http://schemas.openxmlformats.org/officeDocument/2006/relationships" xmlns:p14="http://schemas.microsoft.com/office/powerpoint/2010/main" xmlns:p15="http://schemas.microsoft.com/office/powerpoint/2012/main" xmlns:mc="http://schemas.openxmlformats.org/markup-compatibility/2006" type="tx" preserve="1">
+  <p:cSld name="Title Slide">
+    <p:spTree>
+      <p:nvGrpSpPr>
+        <p:cNvPr id="1" name=""/>
+        <p:cNvGrpSpPr/>
+        <p:nvPr/>
+      </p:nvGrpSpPr>
+      <p:grpSpPr>
+        <a:xfrm>
+          <a:off x="0" y="0"/>
+          <a:ext cx="0" cy="0"/>
+          <a:chOff x="0" y="0"/>
+          <a:chExt cx="0" cy="0"/>
+        </a:xfrm>
+      </p:grpSpPr>
+      <p:sp>
+        <p:nvSpPr>
+          <p:cNvPr id="38" name="PlaceHolder 1"/>
+          <p:cNvSpPr>
+            <a:spLocks noGrp="1"/>
+          </p:cNvSpPr>
+          <p:nvPr>
+            <p:ph type="title"/>
+          </p:nvPr>
+        </p:nvSpPr>
+        <p:spPr>
+          <a:xfrm>
+            <a:off x="504000" y="301320"/>
+            <a:ext cx="9071280" cy="1261800"/>
+          </a:xfrm>
+          <a:prstGeom prst="rect">
+            <a:avLst/>
+          </a:prstGeom>
+        </p:spPr>
+        <p:txBody>
+          <a:bodyPr lIns="0" rIns="0" tIns="0" bIns="0" anchor="ctr"/>
+          <a:p>
+            <a:pPr algn="ctr"/>
+            <a:endParaRPr b="0" lang="en-US" sz="4400" spc="-1" strike="noStrike">
+              <a:solidFill>
+                <a:srgbClr val="000000"/>
+              </a:solidFill>
+              <a:uFill>
+                <a:solidFill>
+                  <a:srgbClr val="ffffff"/>
+                </a:solidFill>
+              </a:uFill>
+              <a:latin typeface="Arial"/>
+            </a:endParaRPr>
+          </a:p>
+        </p:txBody>
+      </p:sp>
+      <p:sp>
+        <p:nvSpPr>
+          <p:cNvPr id="39" name="PlaceHolder 2"/>
+          <p:cNvSpPr>
+            <a:spLocks noGrp="1"/>
+          </p:cNvSpPr>
+          <p:nvPr>
+            <p:ph type="subTitle"/>
+          </p:nvPr>
+        </p:nvSpPr>
+        <p:spPr>
+          <a:xfrm>
+            <a:off x="504000" y="1769040"/>
+            <a:ext cx="9071280" cy="4384080"/>
+          </a:xfrm>
+          <a:prstGeom prst="rect">
+            <a:avLst/>
+          </a:prstGeom>
+        </p:spPr>
+        <p:txBody>
+          <a:bodyPr lIns="0" rIns="0" tIns="0" bIns="0" anchor="ctr"/>
+          <a:p>
+            <a:pPr algn="ctr"/>
+            <a:endParaRPr b="0" lang="en-US" sz="3200" spc="-1" strike="noStrike">
+              <a:solidFill>
+                <a:srgbClr val="000000"/>
+              </a:solidFill>
+              <a:uFill>
+                <a:solidFill>
+                  <a:srgbClr val="ffffff"/>
+                </a:solidFill>
+              </a:uFill>
+              <a:latin typeface="Arial"/>
+            </a:endParaRPr>
+          </a:p>
+        </p:txBody>
+      </p:sp>
+    </p:spTree>
+  </p:cSld>
+</p:sldLayout>
+</file>
+
+<file path=ppt/slideLayouts/slideLayout15.xml><?xml version="1.0" encoding="utf-8"?>
+<p:sldLayout xmlns:a="http://schemas.openxmlformats.org/drawingml/2006/main" xmlns:p="http://schemas.openxmlformats.org/presentationml/2006/main" xmlns:r="http://schemas.openxmlformats.org/officeDocument/2006/relationships" xmlns:p14="http://schemas.microsoft.com/office/powerpoint/2010/main" xmlns:p15="http://schemas.microsoft.com/office/powerpoint/2012/main" xmlns:mc="http://schemas.openxmlformats.org/markup-compatibility/2006" type="obj" preserve="1">
+  <p:cSld name="Title, Content">
+    <p:spTree>
+      <p:nvGrpSpPr>
+        <p:cNvPr id="1" name=""/>
+        <p:cNvGrpSpPr/>
+        <p:nvPr/>
+      </p:nvGrpSpPr>
+      <p:grpSpPr>
+        <a:xfrm>
+          <a:off x="0" y="0"/>
+          <a:ext cx="0" cy="0"/>
+          <a:chOff x="0" y="0"/>
+          <a:chExt cx="0" cy="0"/>
+        </a:xfrm>
+      </p:grpSpPr>
+      <p:sp>
+        <p:nvSpPr>
+          <p:cNvPr id="40" name="PlaceHolder 1"/>
+          <p:cNvSpPr>
+            <a:spLocks noGrp="1"/>
+          </p:cNvSpPr>
+          <p:nvPr>
+            <p:ph type="title"/>
+          </p:nvPr>
+        </p:nvSpPr>
+        <p:spPr>
+          <a:xfrm>
+            <a:off x="504000" y="301320"/>
+            <a:ext cx="9071280" cy="1261800"/>
+          </a:xfrm>
+          <a:prstGeom prst="rect">
+            <a:avLst/>
+          </a:prstGeom>
+        </p:spPr>
+        <p:txBody>
+          <a:bodyPr lIns="0" rIns="0" tIns="0" bIns="0" anchor="ctr"/>
+          <a:p>
+            <a:pPr algn="ctr"/>
+            <a:endParaRPr b="0" lang="en-US" sz="4400" spc="-1" strike="noStrike">
+              <a:solidFill>
+                <a:srgbClr val="000000"/>
+              </a:solidFill>
+              <a:uFill>
+                <a:solidFill>
+                  <a:srgbClr val="ffffff"/>
+                </a:solidFill>
+              </a:uFill>
+              <a:latin typeface="Arial"/>
+            </a:endParaRPr>
+          </a:p>
+        </p:txBody>
+      </p:sp>
+      <p:sp>
+        <p:nvSpPr>
+          <p:cNvPr id="41" name="PlaceHolder 2"/>
+          <p:cNvSpPr>
+            <a:spLocks noGrp="1"/>
+          </p:cNvSpPr>
+          <p:nvPr>
+            <p:ph type="body"/>
+          </p:nvPr>
+        </p:nvSpPr>
+        <p:spPr>
+          <a:xfrm>
+            <a:off x="504000" y="1769040"/>
+            <a:ext cx="9071280" cy="4384080"/>
+          </a:xfrm>
+          <a:prstGeom prst="rect">
+            <a:avLst/>
+          </a:prstGeom>
+        </p:spPr>
+        <p:txBody>
+          <a:bodyPr lIns="0" rIns="0" tIns="0" bIns="0"/>
+          <a:p>
+            <a:endParaRPr b="0" lang="en-US" sz="3200" spc="-1" strike="noStrike">
+              <a:solidFill>
+                <a:srgbClr val="000000"/>
+              </a:solidFill>
+              <a:uFill>
+                <a:solidFill>
+                  <a:srgbClr val="ffffff"/>
+                </a:solidFill>
+              </a:uFill>
+              <a:latin typeface="Arial"/>
+            </a:endParaRPr>
+          </a:p>
+        </p:txBody>
+      </p:sp>
+    </p:spTree>
+  </p:cSld>
+</p:sldLayout>
+</file>
+
+<file path=ppt/slideLayouts/slideLayout16.xml><?xml version="1.0" encoding="utf-8"?>
+<p:sldLayout xmlns:a="http://schemas.openxmlformats.org/drawingml/2006/main" xmlns:p="http://schemas.openxmlformats.org/presentationml/2006/main" xmlns:r="http://schemas.openxmlformats.org/officeDocument/2006/relationships" xmlns:p14="http://schemas.microsoft.com/office/powerpoint/2010/main" xmlns:p15="http://schemas.microsoft.com/office/powerpoint/2012/main" xmlns:mc="http://schemas.openxmlformats.org/markup-compatibility/2006" type="twoObj" preserve="1">
+  <p:cSld name="Title, 2 Content">
+    <p:spTree>
+      <p:nvGrpSpPr>
+        <p:cNvPr id="1" name=""/>
+        <p:cNvGrpSpPr/>
+        <p:nvPr/>
+      </p:nvGrpSpPr>
+      <p:grpSpPr>
+        <a:xfrm>
+          <a:off x="0" y="0"/>
+          <a:ext cx="0" cy="0"/>
+          <a:chOff x="0" y="0"/>
+          <a:chExt cx="0" cy="0"/>
+        </a:xfrm>
+      </p:grpSpPr>
+      <p:sp>
+        <p:nvSpPr>
+          <p:cNvPr id="42" name="PlaceHolder 1"/>
+          <p:cNvSpPr>
+            <a:spLocks noGrp="1"/>
+          </p:cNvSpPr>
+          <p:nvPr>
+            <p:ph type="title"/>
+          </p:nvPr>
+        </p:nvSpPr>
+        <p:spPr>
+          <a:xfrm>
+            <a:off x="504000" y="301320"/>
+            <a:ext cx="9071280" cy="1261800"/>
+          </a:xfrm>
+          <a:prstGeom prst="rect">
+            <a:avLst/>
+          </a:prstGeom>
+        </p:spPr>
+        <p:txBody>
+          <a:bodyPr lIns="0" rIns="0" tIns="0" bIns="0" anchor="ctr"/>
+          <a:p>
+            <a:pPr algn="ctr"/>
+            <a:endParaRPr b="0" lang="en-US" sz="4400" spc="-1" strike="noStrike">
+              <a:solidFill>
+                <a:srgbClr val="000000"/>
+              </a:solidFill>
+              <a:uFill>
+                <a:solidFill>
+                  <a:srgbClr val="ffffff"/>
+                </a:solidFill>
+              </a:uFill>
+              <a:latin typeface="Arial"/>
+            </a:endParaRPr>
+          </a:p>
+        </p:txBody>
+      </p:sp>
+      <p:sp>
+        <p:nvSpPr>
+          <p:cNvPr id="43" name="PlaceHolder 2"/>
+          <p:cNvSpPr>
+            <a:spLocks noGrp="1"/>
+          </p:cNvSpPr>
+          <p:nvPr>
+            <p:ph type="body"/>
+          </p:nvPr>
+        </p:nvSpPr>
+        <p:spPr>
+          <a:xfrm>
+            <a:off x="504000" y="1769040"/>
+            <a:ext cx="4426560" cy="4384080"/>
+          </a:xfrm>
+          <a:prstGeom prst="rect">
+            <a:avLst/>
+          </a:prstGeom>
+        </p:spPr>
+        <p:txBody>
+          <a:bodyPr lIns="0" rIns="0" tIns="0" bIns="0"/>
+          <a:p>
+            <a:endParaRPr b="0" lang="en-US" sz="3200" spc="-1" strike="noStrike">
+              <a:solidFill>
+                <a:srgbClr val="000000"/>
+              </a:solidFill>
+              <a:uFill>
+                <a:solidFill>
+                  <a:srgbClr val="ffffff"/>
+                </a:solidFill>
+              </a:uFill>
+              <a:latin typeface="Arial"/>
+            </a:endParaRPr>
+          </a:p>
+        </p:txBody>
+      </p:sp>
+      <p:sp>
+        <p:nvSpPr>
+          <p:cNvPr id="44" name="PlaceHolder 3"/>
+          <p:cNvSpPr>
+            <a:spLocks noGrp="1"/>
+          </p:cNvSpPr>
+          <p:nvPr>
+            <p:ph type="body"/>
+          </p:nvPr>
+        </p:nvSpPr>
+        <p:spPr>
+          <a:xfrm>
+            <a:off x="5152320" y="1769040"/>
+            <a:ext cx="4426560" cy="4384080"/>
+          </a:xfrm>
+          <a:prstGeom prst="rect">
+            <a:avLst/>
+          </a:prstGeom>
+        </p:spPr>
+        <p:txBody>
+          <a:bodyPr lIns="0" rIns="0" tIns="0" bIns="0"/>
+          <a:p>
+            <a:endParaRPr b="0" lang="en-US" sz="3200" spc="-1" strike="noStrike">
+              <a:solidFill>
+                <a:srgbClr val="000000"/>
+              </a:solidFill>
+              <a:uFill>
+                <a:solidFill>
+                  <a:srgbClr val="ffffff"/>
+                </a:solidFill>
+              </a:uFill>
+              <a:latin typeface="Arial"/>
+            </a:endParaRPr>
+          </a:p>
+        </p:txBody>
+      </p:sp>
+    </p:spTree>
+  </p:cSld>
+</p:sldLayout>
+</file>
+
+<file path=ppt/slideLayouts/slideLayout17.xml><?xml version="1.0" encoding="utf-8"?>
+<p:sldLayout xmlns:a="http://schemas.openxmlformats.org/drawingml/2006/main" xmlns:p="http://schemas.openxmlformats.org/presentationml/2006/main" xmlns:r="http://schemas.openxmlformats.org/officeDocument/2006/relationships" xmlns:p14="http://schemas.microsoft.com/office/powerpoint/2010/main" xmlns:p15="http://schemas.microsoft.com/office/powerpoint/2012/main" xmlns:mc="http://schemas.openxmlformats.org/markup-compatibility/2006" type="titleOnly" preserve="1">
+  <p:cSld name="Title Only">
+    <p:spTree>
+      <p:nvGrpSpPr>
+        <p:cNvPr id="1" name=""/>
+        <p:cNvGrpSpPr/>
+        <p:nvPr/>
+      </p:nvGrpSpPr>
+      <p:grpSpPr>
+        <a:xfrm>
+          <a:off x="0" y="0"/>
+          <a:ext cx="0" cy="0"/>
+          <a:chOff x="0" y="0"/>
+          <a:chExt cx="0" cy="0"/>
+        </a:xfrm>
+      </p:grpSpPr>
+      <p:sp>
+        <p:nvSpPr>
+          <p:cNvPr id="45" name="PlaceHolder 1"/>
+          <p:cNvSpPr>
+            <a:spLocks noGrp="1"/>
+          </p:cNvSpPr>
+          <p:nvPr>
+            <p:ph type="title"/>
+          </p:nvPr>
+        </p:nvSpPr>
+        <p:spPr>
+          <a:xfrm>
+            <a:off x="504000" y="301320"/>
+            <a:ext cx="9071280" cy="1261800"/>
+          </a:xfrm>
+          <a:prstGeom prst="rect">
+            <a:avLst/>
+          </a:prstGeom>
+        </p:spPr>
+        <p:txBody>
+          <a:bodyPr lIns="0" rIns="0" tIns="0" bIns="0" anchor="ctr"/>
+          <a:p>
+            <a:pPr algn="ctr"/>
+            <a:endParaRPr b="0" lang="en-US" sz="4400" spc="-1" strike="noStrike">
+              <a:solidFill>
+                <a:srgbClr val="000000"/>
+              </a:solidFill>
+              <a:uFill>
+                <a:solidFill>
+                  <a:srgbClr val="ffffff"/>
+                </a:solidFill>
+              </a:uFill>
+              <a:latin typeface="Arial"/>
+            </a:endParaRPr>
+          </a:p>
+        </p:txBody>
+      </p:sp>
+    </p:spTree>
+  </p:cSld>
+</p:sldLayout>
+</file>
+
+<file path=ppt/slideLayouts/slideLayout18.xml><?xml version="1.0" encoding="utf-8"?>
+<p:sldLayout xmlns:a="http://schemas.openxmlformats.org/drawingml/2006/main" xmlns:p="http://schemas.openxmlformats.org/presentationml/2006/main" xmlns:r="http://schemas.openxmlformats.org/officeDocument/2006/relationships" xmlns:p14="http://schemas.microsoft.com/office/powerpoint/2010/main" xmlns:p15="http://schemas.microsoft.com/office/powerpoint/2012/main" xmlns:mc="http://schemas.openxmlformats.org/markup-compatibility/2006" type="objOnly" preserve="1">
+  <p:cSld name="Centered Text">
+    <p:spTree>
+      <p:nvGrpSpPr>
+        <p:cNvPr id="1" name=""/>
+        <p:cNvGrpSpPr/>
+        <p:nvPr/>
+      </p:nvGrpSpPr>
+      <p:grpSpPr>
+        <a:xfrm>
+          <a:off x="0" y="0"/>
+          <a:ext cx="0" cy="0"/>
+          <a:chOff x="0" y="0"/>
+          <a:chExt cx="0" cy="0"/>
+        </a:xfrm>
+      </p:grpSpPr>
+      <p:sp>
+        <p:nvSpPr>
+          <p:cNvPr id="46" name="PlaceHolder 1"/>
+          <p:cNvSpPr>
+            <a:spLocks noGrp="1"/>
+          </p:cNvSpPr>
+          <p:nvPr>
+            <p:ph type="subTitle"/>
+          </p:nvPr>
+        </p:nvSpPr>
+        <p:spPr>
+          <a:xfrm>
+            <a:off x="504000" y="301320"/>
+            <a:ext cx="9071280" cy="5850360"/>
+          </a:xfrm>
+          <a:prstGeom prst="rect">
+            <a:avLst/>
+          </a:prstGeom>
+        </p:spPr>
+        <p:txBody>
+          <a:bodyPr lIns="0" rIns="0" tIns="0" bIns="0" anchor="ctr"/>
+          <a:p>
+            <a:pPr algn="ctr"/>
+            <a:endParaRPr b="0" lang="en-US" sz="3200" spc="-1" strike="noStrike">
+              <a:solidFill>
+                <a:srgbClr val="000000"/>
+              </a:solidFill>
+              <a:uFill>
+                <a:solidFill>
+                  <a:srgbClr val="ffffff"/>
+                </a:solidFill>
+              </a:uFill>
+              <a:latin typeface="Arial"/>
+            </a:endParaRPr>
+          </a:p>
+        </p:txBody>
+      </p:sp>
+    </p:spTree>
+  </p:cSld>
+</p:sldLayout>
+</file>
+
+<file path=ppt/slideLayouts/slideLayout19.xml><?xml version="1.0" encoding="utf-8"?>
+<p:sldLayout xmlns:a="http://schemas.openxmlformats.org/drawingml/2006/main" xmlns:p="http://schemas.openxmlformats.org/presentationml/2006/main" xmlns:r="http://schemas.openxmlformats.org/officeDocument/2006/relationships" xmlns:p14="http://schemas.microsoft.com/office/powerpoint/2010/main" xmlns:p15="http://schemas.microsoft.com/office/powerpoint/2012/main" xmlns:mc="http://schemas.openxmlformats.org/markup-compatibility/2006" type="twoObjAndObj" preserve="1">
+  <p:cSld name="Title, 2 Content and Content">
+    <p:spTree>
+      <p:nvGrpSpPr>
+        <p:cNvPr id="1" name=""/>
+        <p:cNvGrpSpPr/>
+        <p:nvPr/>
+      </p:nvGrpSpPr>
+      <p:grpSpPr>
+        <a:xfrm>
+          <a:off x="0" y="0"/>
+          <a:ext cx="0" cy="0"/>
+          <a:chOff x="0" y="0"/>
+          <a:chExt cx="0" cy="0"/>
+        </a:xfrm>
+      </p:grpSpPr>
+      <p:sp>
+        <p:nvSpPr>
+          <p:cNvPr id="47" name="PlaceHolder 1"/>
+          <p:cNvSpPr>
+            <a:spLocks noGrp="1"/>
+          </p:cNvSpPr>
+          <p:nvPr>
+            <p:ph type="title"/>
+          </p:nvPr>
+        </p:nvSpPr>
+        <p:spPr>
+          <a:xfrm>
+            <a:off x="504000" y="301320"/>
+            <a:ext cx="9071280" cy="1261800"/>
+          </a:xfrm>
+          <a:prstGeom prst="rect">
+            <a:avLst/>
+          </a:prstGeom>
+        </p:spPr>
+        <p:txBody>
+          <a:bodyPr lIns="0" rIns="0" tIns="0" bIns="0" anchor="ctr"/>
+          <a:p>
+            <a:pPr algn="ctr"/>
+            <a:endParaRPr b="0" lang="en-US" sz="4400" spc="-1" strike="noStrike">
+              <a:solidFill>
+                <a:srgbClr val="000000"/>
+              </a:solidFill>
+              <a:uFill>
+                <a:solidFill>
+                  <a:srgbClr val="ffffff"/>
+                </a:solidFill>
+              </a:uFill>
+              <a:latin typeface="Arial"/>
+            </a:endParaRPr>
+          </a:p>
+        </p:txBody>
+      </p:sp>
+      <p:sp>
+        <p:nvSpPr>
+          <p:cNvPr id="48" name="PlaceHolder 2"/>
+          <p:cNvSpPr>
+            <a:spLocks noGrp="1"/>
+          </p:cNvSpPr>
+          <p:nvPr>
+            <p:ph type="body"/>
+          </p:nvPr>
+        </p:nvSpPr>
+        <p:spPr>
+          <a:xfrm>
+            <a:off x="504000" y="1769040"/>
+            <a:ext cx="4426560" cy="2090880"/>
+          </a:xfrm>
+          <a:prstGeom prst="rect">
+            <a:avLst/>
+          </a:prstGeom>
+        </p:spPr>
+        <p:txBody>
+          <a:bodyPr lIns="0" rIns="0" tIns="0" bIns="0"/>
+          <a:p>
+            <a:endParaRPr b="0" lang="en-US" sz="3200" spc="-1" strike="noStrike">
+              <a:solidFill>
+                <a:srgbClr val="000000"/>
+              </a:solidFill>
+              <a:uFill>
+                <a:solidFill>
+                  <a:srgbClr val="ffffff"/>
+                </a:solidFill>
+              </a:uFill>
+              <a:latin typeface="Arial"/>
+            </a:endParaRPr>
+          </a:p>
+        </p:txBody>
+      </p:sp>
+      <p:sp>
+        <p:nvSpPr>
+          <p:cNvPr id="49" name="PlaceHolder 3"/>
+          <p:cNvSpPr>
+            <a:spLocks noGrp="1"/>
+          </p:cNvSpPr>
+          <p:nvPr>
+            <p:ph type="body"/>
+          </p:nvPr>
+        </p:nvSpPr>
+        <p:spPr>
+          <a:xfrm>
+            <a:off x="504000" y="4059000"/>
+            <a:ext cx="4426560" cy="2090880"/>
+          </a:xfrm>
+          <a:prstGeom prst="rect">
+            <a:avLst/>
+          </a:prstGeom>
+        </p:spPr>
+        <p:txBody>
+          <a:bodyPr lIns="0" rIns="0" tIns="0" bIns="0"/>
+          <a:p>
+            <a:endParaRPr b="0" lang="en-US" sz="3200" spc="-1" strike="noStrike">
+              <a:solidFill>
+                <a:srgbClr val="000000"/>
+              </a:solidFill>
+              <a:uFill>
+                <a:solidFill>
+                  <a:srgbClr val="ffffff"/>
+                </a:solidFill>
+              </a:uFill>
+              <a:latin typeface="Arial"/>
+            </a:endParaRPr>
+          </a:p>
+        </p:txBody>
+      </p:sp>
+      <p:sp>
+        <p:nvSpPr>
+          <p:cNvPr id="50" name="PlaceHolder 4"/>
+          <p:cNvSpPr>
+            <a:spLocks noGrp="1"/>
+          </p:cNvSpPr>
+          <p:nvPr>
+            <p:ph type="body"/>
+          </p:nvPr>
+        </p:nvSpPr>
+        <p:spPr>
+          <a:xfrm>
+            <a:off x="5152320" y="1769040"/>
+            <a:ext cx="4426560" cy="4384080"/>
+          </a:xfrm>
+          <a:prstGeom prst="rect">
+            <a:avLst/>
+          </a:prstGeom>
+        </p:spPr>
+        <p:txBody>
+          <a:bodyPr lIns="0" rIns="0" tIns="0" bIns="0"/>
+          <a:p>
+            <a:endParaRPr b="0" lang="en-US" sz="3200" spc="-1" strike="noStrike">
+              <a:solidFill>
+                <a:srgbClr val="000000"/>
+              </a:solidFill>
+              <a:uFill>
+                <a:solidFill>
+                  <a:srgbClr val="ffffff"/>
+                </a:solidFill>
+              </a:uFill>
+              <a:latin typeface="Arial"/>
+            </a:endParaRPr>
+          </a:p>
+        </p:txBody>
+      </p:sp>
     </p:spTree>
   </p:cSld>
 </p:sldLayout>
@@ -579,7 +1206,7 @@
       </p:grpSpPr>
       <p:sp>
         <p:nvSpPr>
-          <p:cNvPr id="5" name="PlaceHolder 1"/>
+          <p:cNvPr id="2" name="PlaceHolder 1"/>
           <p:cNvSpPr>
             <a:spLocks noGrp="1"/>
           </p:cNvSpPr>
@@ -590,7 +1217,7 @@
         <p:spPr>
           <a:xfrm>
             <a:off x="504000" y="301320"/>
-            <a:ext cx="9071640" cy="1262160"/>
+            <a:ext cx="9071280" cy="1261800"/>
           </a:xfrm>
           <a:prstGeom prst="rect">
             <a:avLst/>
@@ -616,7 +1243,7 @@
       </p:sp>
       <p:sp>
         <p:nvSpPr>
-          <p:cNvPr id="6" name="PlaceHolder 2"/>
+          <p:cNvPr id="3" name="PlaceHolder 2"/>
           <p:cNvSpPr>
             <a:spLocks noGrp="1"/>
           </p:cNvSpPr>
@@ -627,7 +1254,7 @@
         <p:spPr>
           <a:xfrm>
             <a:off x="504000" y="1769040"/>
-            <a:ext cx="9071640" cy="4384440"/>
+            <a:ext cx="9071280" cy="4384080"/>
           </a:xfrm>
           <a:prstGeom prst="rect">
             <a:avLst/>
@@ -651,6 +1278,851 @@
           </a:p>
         </p:txBody>
       </p:sp>
+    </p:spTree>
+  </p:cSld>
+</p:sldLayout>
+</file>
+
+<file path=ppt/slideLayouts/slideLayout20.xml><?xml version="1.0" encoding="utf-8"?>
+<p:sldLayout xmlns:a="http://schemas.openxmlformats.org/drawingml/2006/main" xmlns:p="http://schemas.openxmlformats.org/presentationml/2006/main" xmlns:r="http://schemas.openxmlformats.org/officeDocument/2006/relationships" xmlns:p14="http://schemas.microsoft.com/office/powerpoint/2010/main" xmlns:p15="http://schemas.microsoft.com/office/powerpoint/2012/main" xmlns:mc="http://schemas.openxmlformats.org/markup-compatibility/2006" type="objAndTwoObj" preserve="1">
+  <p:cSld name="Title Content and 2 Content">
+    <p:spTree>
+      <p:nvGrpSpPr>
+        <p:cNvPr id="1" name=""/>
+        <p:cNvGrpSpPr/>
+        <p:nvPr/>
+      </p:nvGrpSpPr>
+      <p:grpSpPr>
+        <a:xfrm>
+          <a:off x="0" y="0"/>
+          <a:ext cx="0" cy="0"/>
+          <a:chOff x="0" y="0"/>
+          <a:chExt cx="0" cy="0"/>
+        </a:xfrm>
+      </p:grpSpPr>
+      <p:sp>
+        <p:nvSpPr>
+          <p:cNvPr id="51" name="PlaceHolder 1"/>
+          <p:cNvSpPr>
+            <a:spLocks noGrp="1"/>
+          </p:cNvSpPr>
+          <p:nvPr>
+            <p:ph type="title"/>
+          </p:nvPr>
+        </p:nvSpPr>
+        <p:spPr>
+          <a:xfrm>
+            <a:off x="504000" y="301320"/>
+            <a:ext cx="9071280" cy="1261800"/>
+          </a:xfrm>
+          <a:prstGeom prst="rect">
+            <a:avLst/>
+          </a:prstGeom>
+        </p:spPr>
+        <p:txBody>
+          <a:bodyPr lIns="0" rIns="0" tIns="0" bIns="0" anchor="ctr"/>
+          <a:p>
+            <a:pPr algn="ctr"/>
+            <a:endParaRPr b="0" lang="en-US" sz="4400" spc="-1" strike="noStrike">
+              <a:solidFill>
+                <a:srgbClr val="000000"/>
+              </a:solidFill>
+              <a:uFill>
+                <a:solidFill>
+                  <a:srgbClr val="ffffff"/>
+                </a:solidFill>
+              </a:uFill>
+              <a:latin typeface="Arial"/>
+            </a:endParaRPr>
+          </a:p>
+        </p:txBody>
+      </p:sp>
+      <p:sp>
+        <p:nvSpPr>
+          <p:cNvPr id="52" name="PlaceHolder 2"/>
+          <p:cNvSpPr>
+            <a:spLocks noGrp="1"/>
+          </p:cNvSpPr>
+          <p:nvPr>
+            <p:ph type="body"/>
+          </p:nvPr>
+        </p:nvSpPr>
+        <p:spPr>
+          <a:xfrm>
+            <a:off x="504000" y="1769040"/>
+            <a:ext cx="4426560" cy="4384080"/>
+          </a:xfrm>
+          <a:prstGeom prst="rect">
+            <a:avLst/>
+          </a:prstGeom>
+        </p:spPr>
+        <p:txBody>
+          <a:bodyPr lIns="0" rIns="0" tIns="0" bIns="0"/>
+          <a:p>
+            <a:endParaRPr b="0" lang="en-US" sz="3200" spc="-1" strike="noStrike">
+              <a:solidFill>
+                <a:srgbClr val="000000"/>
+              </a:solidFill>
+              <a:uFill>
+                <a:solidFill>
+                  <a:srgbClr val="ffffff"/>
+                </a:solidFill>
+              </a:uFill>
+              <a:latin typeface="Arial"/>
+            </a:endParaRPr>
+          </a:p>
+        </p:txBody>
+      </p:sp>
+      <p:sp>
+        <p:nvSpPr>
+          <p:cNvPr id="53" name="PlaceHolder 3"/>
+          <p:cNvSpPr>
+            <a:spLocks noGrp="1"/>
+          </p:cNvSpPr>
+          <p:nvPr>
+            <p:ph type="body"/>
+          </p:nvPr>
+        </p:nvSpPr>
+        <p:spPr>
+          <a:xfrm>
+            <a:off x="5152320" y="1769040"/>
+            <a:ext cx="4426560" cy="2090880"/>
+          </a:xfrm>
+          <a:prstGeom prst="rect">
+            <a:avLst/>
+          </a:prstGeom>
+        </p:spPr>
+        <p:txBody>
+          <a:bodyPr lIns="0" rIns="0" tIns="0" bIns="0"/>
+          <a:p>
+            <a:endParaRPr b="0" lang="en-US" sz="3200" spc="-1" strike="noStrike">
+              <a:solidFill>
+                <a:srgbClr val="000000"/>
+              </a:solidFill>
+              <a:uFill>
+                <a:solidFill>
+                  <a:srgbClr val="ffffff"/>
+                </a:solidFill>
+              </a:uFill>
+              <a:latin typeface="Arial"/>
+            </a:endParaRPr>
+          </a:p>
+        </p:txBody>
+      </p:sp>
+      <p:sp>
+        <p:nvSpPr>
+          <p:cNvPr id="54" name="PlaceHolder 4"/>
+          <p:cNvSpPr>
+            <a:spLocks noGrp="1"/>
+          </p:cNvSpPr>
+          <p:nvPr>
+            <p:ph type="body"/>
+          </p:nvPr>
+        </p:nvSpPr>
+        <p:spPr>
+          <a:xfrm>
+            <a:off x="5152320" y="4059000"/>
+            <a:ext cx="4426560" cy="2090880"/>
+          </a:xfrm>
+          <a:prstGeom prst="rect">
+            <a:avLst/>
+          </a:prstGeom>
+        </p:spPr>
+        <p:txBody>
+          <a:bodyPr lIns="0" rIns="0" tIns="0" bIns="0"/>
+          <a:p>
+            <a:endParaRPr b="0" lang="en-US" sz="3200" spc="-1" strike="noStrike">
+              <a:solidFill>
+                <a:srgbClr val="000000"/>
+              </a:solidFill>
+              <a:uFill>
+                <a:solidFill>
+                  <a:srgbClr val="ffffff"/>
+                </a:solidFill>
+              </a:uFill>
+              <a:latin typeface="Arial"/>
+            </a:endParaRPr>
+          </a:p>
+        </p:txBody>
+      </p:sp>
+    </p:spTree>
+  </p:cSld>
+</p:sldLayout>
+</file>
+
+<file path=ppt/slideLayouts/slideLayout21.xml><?xml version="1.0" encoding="utf-8"?>
+<p:sldLayout xmlns:a="http://schemas.openxmlformats.org/drawingml/2006/main" xmlns:p="http://schemas.openxmlformats.org/presentationml/2006/main" xmlns:r="http://schemas.openxmlformats.org/officeDocument/2006/relationships" xmlns:p14="http://schemas.microsoft.com/office/powerpoint/2010/main" xmlns:p15="http://schemas.microsoft.com/office/powerpoint/2012/main" xmlns:mc="http://schemas.openxmlformats.org/markup-compatibility/2006" type="twoObjOverTx" preserve="1">
+  <p:cSld name="Title, 2 Content over Content">
+    <p:spTree>
+      <p:nvGrpSpPr>
+        <p:cNvPr id="1" name=""/>
+        <p:cNvGrpSpPr/>
+        <p:nvPr/>
+      </p:nvGrpSpPr>
+      <p:grpSpPr>
+        <a:xfrm>
+          <a:off x="0" y="0"/>
+          <a:ext cx="0" cy="0"/>
+          <a:chOff x="0" y="0"/>
+          <a:chExt cx="0" cy="0"/>
+        </a:xfrm>
+      </p:grpSpPr>
+      <p:sp>
+        <p:nvSpPr>
+          <p:cNvPr id="55" name="PlaceHolder 1"/>
+          <p:cNvSpPr>
+            <a:spLocks noGrp="1"/>
+          </p:cNvSpPr>
+          <p:nvPr>
+            <p:ph type="title"/>
+          </p:nvPr>
+        </p:nvSpPr>
+        <p:spPr>
+          <a:xfrm>
+            <a:off x="504000" y="301320"/>
+            <a:ext cx="9071280" cy="1261800"/>
+          </a:xfrm>
+          <a:prstGeom prst="rect">
+            <a:avLst/>
+          </a:prstGeom>
+        </p:spPr>
+        <p:txBody>
+          <a:bodyPr lIns="0" rIns="0" tIns="0" bIns="0" anchor="ctr"/>
+          <a:p>
+            <a:pPr algn="ctr"/>
+            <a:endParaRPr b="0" lang="en-US" sz="4400" spc="-1" strike="noStrike">
+              <a:solidFill>
+                <a:srgbClr val="000000"/>
+              </a:solidFill>
+              <a:uFill>
+                <a:solidFill>
+                  <a:srgbClr val="ffffff"/>
+                </a:solidFill>
+              </a:uFill>
+              <a:latin typeface="Arial"/>
+            </a:endParaRPr>
+          </a:p>
+        </p:txBody>
+      </p:sp>
+      <p:sp>
+        <p:nvSpPr>
+          <p:cNvPr id="56" name="PlaceHolder 2"/>
+          <p:cNvSpPr>
+            <a:spLocks noGrp="1"/>
+          </p:cNvSpPr>
+          <p:nvPr>
+            <p:ph type="body"/>
+          </p:nvPr>
+        </p:nvSpPr>
+        <p:spPr>
+          <a:xfrm>
+            <a:off x="504000" y="1769040"/>
+            <a:ext cx="4426560" cy="2090880"/>
+          </a:xfrm>
+          <a:prstGeom prst="rect">
+            <a:avLst/>
+          </a:prstGeom>
+        </p:spPr>
+        <p:txBody>
+          <a:bodyPr lIns="0" rIns="0" tIns="0" bIns="0"/>
+          <a:p>
+            <a:endParaRPr b="0" lang="en-US" sz="3200" spc="-1" strike="noStrike">
+              <a:solidFill>
+                <a:srgbClr val="000000"/>
+              </a:solidFill>
+              <a:uFill>
+                <a:solidFill>
+                  <a:srgbClr val="ffffff"/>
+                </a:solidFill>
+              </a:uFill>
+              <a:latin typeface="Arial"/>
+            </a:endParaRPr>
+          </a:p>
+        </p:txBody>
+      </p:sp>
+      <p:sp>
+        <p:nvSpPr>
+          <p:cNvPr id="57" name="PlaceHolder 3"/>
+          <p:cNvSpPr>
+            <a:spLocks noGrp="1"/>
+          </p:cNvSpPr>
+          <p:nvPr>
+            <p:ph type="body"/>
+          </p:nvPr>
+        </p:nvSpPr>
+        <p:spPr>
+          <a:xfrm>
+            <a:off x="5152320" y="1769040"/>
+            <a:ext cx="4426560" cy="2090880"/>
+          </a:xfrm>
+          <a:prstGeom prst="rect">
+            <a:avLst/>
+          </a:prstGeom>
+        </p:spPr>
+        <p:txBody>
+          <a:bodyPr lIns="0" rIns="0" tIns="0" bIns="0"/>
+          <a:p>
+            <a:endParaRPr b="0" lang="en-US" sz="3200" spc="-1" strike="noStrike">
+              <a:solidFill>
+                <a:srgbClr val="000000"/>
+              </a:solidFill>
+              <a:uFill>
+                <a:solidFill>
+                  <a:srgbClr val="ffffff"/>
+                </a:solidFill>
+              </a:uFill>
+              <a:latin typeface="Arial"/>
+            </a:endParaRPr>
+          </a:p>
+        </p:txBody>
+      </p:sp>
+      <p:sp>
+        <p:nvSpPr>
+          <p:cNvPr id="58" name="PlaceHolder 4"/>
+          <p:cNvSpPr>
+            <a:spLocks noGrp="1"/>
+          </p:cNvSpPr>
+          <p:nvPr>
+            <p:ph type="body"/>
+          </p:nvPr>
+        </p:nvSpPr>
+        <p:spPr>
+          <a:xfrm>
+            <a:off x="504000" y="4059000"/>
+            <a:ext cx="9071280" cy="2090880"/>
+          </a:xfrm>
+          <a:prstGeom prst="rect">
+            <a:avLst/>
+          </a:prstGeom>
+        </p:spPr>
+        <p:txBody>
+          <a:bodyPr lIns="0" rIns="0" tIns="0" bIns="0"/>
+          <a:p>
+            <a:endParaRPr b="0" lang="en-US" sz="3200" spc="-1" strike="noStrike">
+              <a:solidFill>
+                <a:srgbClr val="000000"/>
+              </a:solidFill>
+              <a:uFill>
+                <a:solidFill>
+                  <a:srgbClr val="ffffff"/>
+                </a:solidFill>
+              </a:uFill>
+              <a:latin typeface="Arial"/>
+            </a:endParaRPr>
+          </a:p>
+        </p:txBody>
+      </p:sp>
+    </p:spTree>
+  </p:cSld>
+</p:sldLayout>
+</file>
+
+<file path=ppt/slideLayouts/slideLayout22.xml><?xml version="1.0" encoding="utf-8"?>
+<p:sldLayout xmlns:a="http://schemas.openxmlformats.org/drawingml/2006/main" xmlns:p="http://schemas.openxmlformats.org/presentationml/2006/main" xmlns:r="http://schemas.openxmlformats.org/officeDocument/2006/relationships" xmlns:p14="http://schemas.microsoft.com/office/powerpoint/2010/main" xmlns:p15="http://schemas.microsoft.com/office/powerpoint/2012/main" xmlns:mc="http://schemas.openxmlformats.org/markup-compatibility/2006" type="objOverTx" preserve="1">
+  <p:cSld name="Title, Content over Content">
+    <p:spTree>
+      <p:nvGrpSpPr>
+        <p:cNvPr id="1" name=""/>
+        <p:cNvGrpSpPr/>
+        <p:nvPr/>
+      </p:nvGrpSpPr>
+      <p:grpSpPr>
+        <a:xfrm>
+          <a:off x="0" y="0"/>
+          <a:ext cx="0" cy="0"/>
+          <a:chOff x="0" y="0"/>
+          <a:chExt cx="0" cy="0"/>
+        </a:xfrm>
+      </p:grpSpPr>
+      <p:sp>
+        <p:nvSpPr>
+          <p:cNvPr id="59" name="PlaceHolder 1"/>
+          <p:cNvSpPr>
+            <a:spLocks noGrp="1"/>
+          </p:cNvSpPr>
+          <p:nvPr>
+            <p:ph type="title"/>
+          </p:nvPr>
+        </p:nvSpPr>
+        <p:spPr>
+          <a:xfrm>
+            <a:off x="504000" y="301320"/>
+            <a:ext cx="9071280" cy="1261800"/>
+          </a:xfrm>
+          <a:prstGeom prst="rect">
+            <a:avLst/>
+          </a:prstGeom>
+        </p:spPr>
+        <p:txBody>
+          <a:bodyPr lIns="0" rIns="0" tIns="0" bIns="0" anchor="ctr"/>
+          <a:p>
+            <a:pPr algn="ctr"/>
+            <a:endParaRPr b="0" lang="en-US" sz="4400" spc="-1" strike="noStrike">
+              <a:solidFill>
+                <a:srgbClr val="000000"/>
+              </a:solidFill>
+              <a:uFill>
+                <a:solidFill>
+                  <a:srgbClr val="ffffff"/>
+                </a:solidFill>
+              </a:uFill>
+              <a:latin typeface="Arial"/>
+            </a:endParaRPr>
+          </a:p>
+        </p:txBody>
+      </p:sp>
+      <p:sp>
+        <p:nvSpPr>
+          <p:cNvPr id="60" name="PlaceHolder 2"/>
+          <p:cNvSpPr>
+            <a:spLocks noGrp="1"/>
+          </p:cNvSpPr>
+          <p:nvPr>
+            <p:ph type="body"/>
+          </p:nvPr>
+        </p:nvSpPr>
+        <p:spPr>
+          <a:xfrm>
+            <a:off x="504000" y="1769040"/>
+            <a:ext cx="9071280" cy="2090880"/>
+          </a:xfrm>
+          <a:prstGeom prst="rect">
+            <a:avLst/>
+          </a:prstGeom>
+        </p:spPr>
+        <p:txBody>
+          <a:bodyPr lIns="0" rIns="0" tIns="0" bIns="0"/>
+          <a:p>
+            <a:endParaRPr b="0" lang="en-US" sz="3200" spc="-1" strike="noStrike">
+              <a:solidFill>
+                <a:srgbClr val="000000"/>
+              </a:solidFill>
+              <a:uFill>
+                <a:solidFill>
+                  <a:srgbClr val="ffffff"/>
+                </a:solidFill>
+              </a:uFill>
+              <a:latin typeface="Arial"/>
+            </a:endParaRPr>
+          </a:p>
+        </p:txBody>
+      </p:sp>
+      <p:sp>
+        <p:nvSpPr>
+          <p:cNvPr id="61" name="PlaceHolder 3"/>
+          <p:cNvSpPr>
+            <a:spLocks noGrp="1"/>
+          </p:cNvSpPr>
+          <p:nvPr>
+            <p:ph type="body"/>
+          </p:nvPr>
+        </p:nvSpPr>
+        <p:spPr>
+          <a:xfrm>
+            <a:off x="504000" y="4059000"/>
+            <a:ext cx="9071280" cy="2090880"/>
+          </a:xfrm>
+          <a:prstGeom prst="rect">
+            <a:avLst/>
+          </a:prstGeom>
+        </p:spPr>
+        <p:txBody>
+          <a:bodyPr lIns="0" rIns="0" tIns="0" bIns="0"/>
+          <a:p>
+            <a:endParaRPr b="0" lang="en-US" sz="3200" spc="-1" strike="noStrike">
+              <a:solidFill>
+                <a:srgbClr val="000000"/>
+              </a:solidFill>
+              <a:uFill>
+                <a:solidFill>
+                  <a:srgbClr val="ffffff"/>
+                </a:solidFill>
+              </a:uFill>
+              <a:latin typeface="Arial"/>
+            </a:endParaRPr>
+          </a:p>
+        </p:txBody>
+      </p:sp>
+    </p:spTree>
+  </p:cSld>
+</p:sldLayout>
+</file>
+
+<file path=ppt/slideLayouts/slideLayout23.xml><?xml version="1.0" encoding="utf-8"?>
+<p:sldLayout xmlns:a="http://schemas.openxmlformats.org/drawingml/2006/main" xmlns:p="http://schemas.openxmlformats.org/presentationml/2006/main" xmlns:r="http://schemas.openxmlformats.org/officeDocument/2006/relationships" xmlns:p14="http://schemas.microsoft.com/office/powerpoint/2010/main" xmlns:p15="http://schemas.microsoft.com/office/powerpoint/2012/main" xmlns:mc="http://schemas.openxmlformats.org/markup-compatibility/2006" type="fourObj" preserve="1">
+  <p:cSld name="Title, 4 Content">
+    <p:spTree>
+      <p:nvGrpSpPr>
+        <p:cNvPr id="1" name=""/>
+        <p:cNvGrpSpPr/>
+        <p:nvPr/>
+      </p:nvGrpSpPr>
+      <p:grpSpPr>
+        <a:xfrm>
+          <a:off x="0" y="0"/>
+          <a:ext cx="0" cy="0"/>
+          <a:chOff x="0" y="0"/>
+          <a:chExt cx="0" cy="0"/>
+        </a:xfrm>
+      </p:grpSpPr>
+      <p:sp>
+        <p:nvSpPr>
+          <p:cNvPr id="62" name="PlaceHolder 1"/>
+          <p:cNvSpPr>
+            <a:spLocks noGrp="1"/>
+          </p:cNvSpPr>
+          <p:nvPr>
+            <p:ph type="title"/>
+          </p:nvPr>
+        </p:nvSpPr>
+        <p:spPr>
+          <a:xfrm>
+            <a:off x="504000" y="301320"/>
+            <a:ext cx="9071280" cy="1261800"/>
+          </a:xfrm>
+          <a:prstGeom prst="rect">
+            <a:avLst/>
+          </a:prstGeom>
+        </p:spPr>
+        <p:txBody>
+          <a:bodyPr lIns="0" rIns="0" tIns="0" bIns="0" anchor="ctr"/>
+          <a:p>
+            <a:pPr algn="ctr"/>
+            <a:endParaRPr b="0" lang="en-US" sz="4400" spc="-1" strike="noStrike">
+              <a:solidFill>
+                <a:srgbClr val="000000"/>
+              </a:solidFill>
+              <a:uFill>
+                <a:solidFill>
+                  <a:srgbClr val="ffffff"/>
+                </a:solidFill>
+              </a:uFill>
+              <a:latin typeface="Arial"/>
+            </a:endParaRPr>
+          </a:p>
+        </p:txBody>
+      </p:sp>
+      <p:sp>
+        <p:nvSpPr>
+          <p:cNvPr id="63" name="PlaceHolder 2"/>
+          <p:cNvSpPr>
+            <a:spLocks noGrp="1"/>
+          </p:cNvSpPr>
+          <p:nvPr>
+            <p:ph type="body"/>
+          </p:nvPr>
+        </p:nvSpPr>
+        <p:spPr>
+          <a:xfrm>
+            <a:off x="504000" y="1769040"/>
+            <a:ext cx="4426560" cy="2090880"/>
+          </a:xfrm>
+          <a:prstGeom prst="rect">
+            <a:avLst/>
+          </a:prstGeom>
+        </p:spPr>
+        <p:txBody>
+          <a:bodyPr lIns="0" rIns="0" tIns="0" bIns="0"/>
+          <a:p>
+            <a:endParaRPr b="0" lang="en-US" sz="3200" spc="-1" strike="noStrike">
+              <a:solidFill>
+                <a:srgbClr val="000000"/>
+              </a:solidFill>
+              <a:uFill>
+                <a:solidFill>
+                  <a:srgbClr val="ffffff"/>
+                </a:solidFill>
+              </a:uFill>
+              <a:latin typeface="Arial"/>
+            </a:endParaRPr>
+          </a:p>
+        </p:txBody>
+      </p:sp>
+      <p:sp>
+        <p:nvSpPr>
+          <p:cNvPr id="64" name="PlaceHolder 3"/>
+          <p:cNvSpPr>
+            <a:spLocks noGrp="1"/>
+          </p:cNvSpPr>
+          <p:nvPr>
+            <p:ph type="body"/>
+          </p:nvPr>
+        </p:nvSpPr>
+        <p:spPr>
+          <a:xfrm>
+            <a:off x="5152320" y="1769040"/>
+            <a:ext cx="4426560" cy="2090880"/>
+          </a:xfrm>
+          <a:prstGeom prst="rect">
+            <a:avLst/>
+          </a:prstGeom>
+        </p:spPr>
+        <p:txBody>
+          <a:bodyPr lIns="0" rIns="0" tIns="0" bIns="0"/>
+          <a:p>
+            <a:endParaRPr b="0" lang="en-US" sz="3200" spc="-1" strike="noStrike">
+              <a:solidFill>
+                <a:srgbClr val="000000"/>
+              </a:solidFill>
+              <a:uFill>
+                <a:solidFill>
+                  <a:srgbClr val="ffffff"/>
+                </a:solidFill>
+              </a:uFill>
+              <a:latin typeface="Arial"/>
+            </a:endParaRPr>
+          </a:p>
+        </p:txBody>
+      </p:sp>
+      <p:sp>
+        <p:nvSpPr>
+          <p:cNvPr id="65" name="PlaceHolder 4"/>
+          <p:cNvSpPr>
+            <a:spLocks noGrp="1"/>
+          </p:cNvSpPr>
+          <p:nvPr>
+            <p:ph type="body"/>
+          </p:nvPr>
+        </p:nvSpPr>
+        <p:spPr>
+          <a:xfrm>
+            <a:off x="5152320" y="4059000"/>
+            <a:ext cx="4426560" cy="2090880"/>
+          </a:xfrm>
+          <a:prstGeom prst="rect">
+            <a:avLst/>
+          </a:prstGeom>
+        </p:spPr>
+        <p:txBody>
+          <a:bodyPr lIns="0" rIns="0" tIns="0" bIns="0"/>
+          <a:p>
+            <a:endParaRPr b="0" lang="en-US" sz="3200" spc="-1" strike="noStrike">
+              <a:solidFill>
+                <a:srgbClr val="000000"/>
+              </a:solidFill>
+              <a:uFill>
+                <a:solidFill>
+                  <a:srgbClr val="ffffff"/>
+                </a:solidFill>
+              </a:uFill>
+              <a:latin typeface="Arial"/>
+            </a:endParaRPr>
+          </a:p>
+        </p:txBody>
+      </p:sp>
+      <p:sp>
+        <p:nvSpPr>
+          <p:cNvPr id="66" name="PlaceHolder 5"/>
+          <p:cNvSpPr>
+            <a:spLocks noGrp="1"/>
+          </p:cNvSpPr>
+          <p:nvPr>
+            <p:ph type="body"/>
+          </p:nvPr>
+        </p:nvSpPr>
+        <p:spPr>
+          <a:xfrm>
+            <a:off x="504000" y="4059000"/>
+            <a:ext cx="4426560" cy="2090880"/>
+          </a:xfrm>
+          <a:prstGeom prst="rect">
+            <a:avLst/>
+          </a:prstGeom>
+        </p:spPr>
+        <p:txBody>
+          <a:bodyPr lIns="0" rIns="0" tIns="0" bIns="0"/>
+          <a:p>
+            <a:endParaRPr b="0" lang="en-US" sz="3200" spc="-1" strike="noStrike">
+              <a:solidFill>
+                <a:srgbClr val="000000"/>
+              </a:solidFill>
+              <a:uFill>
+                <a:solidFill>
+                  <a:srgbClr val="ffffff"/>
+                </a:solidFill>
+              </a:uFill>
+              <a:latin typeface="Arial"/>
+            </a:endParaRPr>
+          </a:p>
+        </p:txBody>
+      </p:sp>
+    </p:spTree>
+  </p:cSld>
+</p:sldLayout>
+</file>
+
+<file path=ppt/slideLayouts/slideLayout24.xml><?xml version="1.0" encoding="utf-8"?>
+<p:sldLayout xmlns:a="http://schemas.openxmlformats.org/drawingml/2006/main" xmlns:p="http://schemas.openxmlformats.org/presentationml/2006/main" xmlns:r="http://schemas.openxmlformats.org/officeDocument/2006/relationships" xmlns:p14="http://schemas.microsoft.com/office/powerpoint/2010/main" xmlns:p15="http://schemas.microsoft.com/office/powerpoint/2012/main" xmlns:mc="http://schemas.openxmlformats.org/markup-compatibility/2006" type="blank" preserve="1">
+  <p:cSld name="Title, 6 Content">
+    <p:spTree>
+      <p:nvGrpSpPr>
+        <p:cNvPr id="1" name=""/>
+        <p:cNvGrpSpPr/>
+        <p:nvPr/>
+      </p:nvGrpSpPr>
+      <p:grpSpPr>
+        <a:xfrm>
+          <a:off x="0" y="0"/>
+          <a:ext cx="0" cy="0"/>
+          <a:chOff x="0" y="0"/>
+          <a:chExt cx="0" cy="0"/>
+        </a:xfrm>
+      </p:grpSpPr>
+      <p:sp>
+        <p:nvSpPr>
+          <p:cNvPr id="67" name="PlaceHolder 1"/>
+          <p:cNvSpPr>
+            <a:spLocks noGrp="1"/>
+          </p:cNvSpPr>
+          <p:nvPr>
+            <p:ph type="title"/>
+          </p:nvPr>
+        </p:nvSpPr>
+        <p:spPr>
+          <a:xfrm>
+            <a:off x="504000" y="301320"/>
+            <a:ext cx="9071280" cy="1261800"/>
+          </a:xfrm>
+          <a:prstGeom prst="rect">
+            <a:avLst/>
+          </a:prstGeom>
+        </p:spPr>
+        <p:txBody>
+          <a:bodyPr lIns="0" rIns="0" tIns="0" bIns="0" anchor="ctr"/>
+          <a:p>
+            <a:pPr algn="ctr"/>
+            <a:endParaRPr b="0" lang="en-US" sz="4400" spc="-1" strike="noStrike">
+              <a:solidFill>
+                <a:srgbClr val="000000"/>
+              </a:solidFill>
+              <a:uFill>
+                <a:solidFill>
+                  <a:srgbClr val="ffffff"/>
+                </a:solidFill>
+              </a:uFill>
+              <a:latin typeface="Arial"/>
+            </a:endParaRPr>
+          </a:p>
+        </p:txBody>
+      </p:sp>
+      <p:sp>
+        <p:nvSpPr>
+          <p:cNvPr id="68" name="PlaceHolder 2"/>
+          <p:cNvSpPr>
+            <a:spLocks noGrp="1"/>
+          </p:cNvSpPr>
+          <p:nvPr>
+            <p:ph type="body"/>
+          </p:nvPr>
+        </p:nvSpPr>
+        <p:spPr>
+          <a:xfrm>
+            <a:off x="504000" y="1769040"/>
+            <a:ext cx="9071280" cy="4384080"/>
+          </a:xfrm>
+          <a:prstGeom prst="rect">
+            <a:avLst/>
+          </a:prstGeom>
+        </p:spPr>
+        <p:txBody>
+          <a:bodyPr lIns="0" rIns="0" tIns="0" bIns="0"/>
+          <a:p>
+            <a:endParaRPr b="0" lang="en-US" sz="3200" spc="-1" strike="noStrike">
+              <a:solidFill>
+                <a:srgbClr val="000000"/>
+              </a:solidFill>
+              <a:uFill>
+                <a:solidFill>
+                  <a:srgbClr val="ffffff"/>
+                </a:solidFill>
+              </a:uFill>
+              <a:latin typeface="Arial"/>
+            </a:endParaRPr>
+          </a:p>
+        </p:txBody>
+      </p:sp>
+      <p:sp>
+        <p:nvSpPr>
+          <p:cNvPr id="69" name="PlaceHolder 3"/>
+          <p:cNvSpPr>
+            <a:spLocks noGrp="1"/>
+          </p:cNvSpPr>
+          <p:nvPr>
+            <p:ph type="body"/>
+          </p:nvPr>
+        </p:nvSpPr>
+        <p:spPr>
+          <a:xfrm>
+            <a:off x="504000" y="1769040"/>
+            <a:ext cx="9071280" cy="4384080"/>
+          </a:xfrm>
+          <a:prstGeom prst="rect">
+            <a:avLst/>
+          </a:prstGeom>
+        </p:spPr>
+        <p:txBody>
+          <a:bodyPr lIns="0" rIns="0" tIns="0" bIns="0"/>
+          <a:p>
+            <a:endParaRPr b="0" lang="en-US" sz="3200" spc="-1" strike="noStrike">
+              <a:solidFill>
+                <a:srgbClr val="000000"/>
+              </a:solidFill>
+              <a:uFill>
+                <a:solidFill>
+                  <a:srgbClr val="ffffff"/>
+                </a:solidFill>
+              </a:uFill>
+              <a:latin typeface="Arial"/>
+            </a:endParaRPr>
+          </a:p>
+        </p:txBody>
+      </p:sp>
+      <p:pic>
+        <p:nvPicPr>
+          <p:cNvPr id="70" name="" descr=""/>
+          <p:cNvPicPr/>
+          <p:nvPr/>
+        </p:nvPicPr>
+        <p:blipFill>
+          <a:blip r:embed="rId2"/>
+          <a:stretch/>
+        </p:blipFill>
+        <p:spPr>
+          <a:xfrm>
+            <a:off x="2292120" y="1769040"/>
+            <a:ext cx="5494680" cy="4384080"/>
+          </a:xfrm>
+          <a:prstGeom prst="rect">
+            <a:avLst/>
+          </a:prstGeom>
+          <a:ln>
+            <a:noFill/>
+          </a:ln>
+        </p:spPr>
+      </p:pic>
+      <p:pic>
+        <p:nvPicPr>
+          <p:cNvPr id="71" name="" descr=""/>
+          <p:cNvPicPr/>
+          <p:nvPr/>
+        </p:nvPicPr>
+        <p:blipFill>
+          <a:blip r:embed="rId3"/>
+          <a:stretch/>
+        </p:blipFill>
+        <p:spPr>
+          <a:xfrm>
+            <a:off x="2292120" y="1769040"/>
+            <a:ext cx="5494680" cy="4384080"/>
+          </a:xfrm>
+          <a:prstGeom prst="rect">
+            <a:avLst/>
+          </a:prstGeom>
+          <a:ln>
+            <a:noFill/>
+          </a:ln>
+        </p:spPr>
+      </p:pic>
     </p:spTree>
   </p:cSld>
 </p:sldLayout>
@@ -675,7 +2147,7 @@
       </p:grpSpPr>
       <p:sp>
         <p:nvSpPr>
-          <p:cNvPr id="7" name="PlaceHolder 1"/>
+          <p:cNvPr id="4" name="PlaceHolder 1"/>
           <p:cNvSpPr>
             <a:spLocks noGrp="1"/>
           </p:cNvSpPr>
@@ -686,7 +2158,7 @@
         <p:spPr>
           <a:xfrm>
             <a:off x="504000" y="301320"/>
-            <a:ext cx="9071640" cy="1262160"/>
+            <a:ext cx="9071280" cy="1261800"/>
           </a:xfrm>
           <a:prstGeom prst="rect">
             <a:avLst/>
@@ -712,7 +2184,7 @@
       </p:sp>
       <p:sp>
         <p:nvSpPr>
-          <p:cNvPr id="8" name="PlaceHolder 2"/>
+          <p:cNvPr id="5" name="PlaceHolder 2"/>
           <p:cNvSpPr>
             <a:spLocks noGrp="1"/>
           </p:cNvSpPr>
@@ -723,7 +2195,7 @@
         <p:spPr>
           <a:xfrm>
             <a:off x="504000" y="1769040"/>
-            <a:ext cx="9071640" cy="4384440"/>
+            <a:ext cx="9071280" cy="4384080"/>
           </a:xfrm>
           <a:prstGeom prst="rect">
             <a:avLst/>
@@ -770,7 +2242,7 @@
       </p:grpSpPr>
       <p:sp>
         <p:nvSpPr>
-          <p:cNvPr id="9" name="PlaceHolder 1"/>
+          <p:cNvPr id="6" name="PlaceHolder 1"/>
           <p:cNvSpPr>
             <a:spLocks noGrp="1"/>
           </p:cNvSpPr>
@@ -781,7 +2253,7 @@
         <p:spPr>
           <a:xfrm>
             <a:off x="504000" y="301320"/>
-            <a:ext cx="9071640" cy="1262160"/>
+            <a:ext cx="9071280" cy="1261800"/>
           </a:xfrm>
           <a:prstGeom prst="rect">
             <a:avLst/>
@@ -807,7 +2279,7 @@
       </p:sp>
       <p:sp>
         <p:nvSpPr>
-          <p:cNvPr id="10" name="PlaceHolder 2"/>
+          <p:cNvPr id="7" name="PlaceHolder 2"/>
           <p:cNvSpPr>
             <a:spLocks noGrp="1"/>
           </p:cNvSpPr>
@@ -818,7 +2290,7 @@
         <p:spPr>
           <a:xfrm>
             <a:off x="504000" y="1769040"/>
-            <a:ext cx="4426920" cy="4384440"/>
+            <a:ext cx="4426560" cy="4384080"/>
           </a:xfrm>
           <a:prstGeom prst="rect">
             <a:avLst/>
@@ -843,7 +2315,7 @@
       </p:sp>
       <p:sp>
         <p:nvSpPr>
-          <p:cNvPr id="11" name="PlaceHolder 3"/>
+          <p:cNvPr id="8" name="PlaceHolder 3"/>
           <p:cNvSpPr>
             <a:spLocks noGrp="1"/>
           </p:cNvSpPr>
@@ -853,8 +2325,8 @@
         </p:nvSpPr>
         <p:spPr>
           <a:xfrm>
-            <a:off x="5152680" y="1769040"/>
-            <a:ext cx="4426920" cy="4384440"/>
+            <a:off x="5152320" y="1769040"/>
+            <a:ext cx="4426560" cy="4384080"/>
           </a:xfrm>
           <a:prstGeom prst="rect">
             <a:avLst/>
@@ -901,7 +2373,7 @@
       </p:grpSpPr>
       <p:sp>
         <p:nvSpPr>
-          <p:cNvPr id="12" name="PlaceHolder 1"/>
+          <p:cNvPr id="9" name="PlaceHolder 1"/>
           <p:cNvSpPr>
             <a:spLocks noGrp="1"/>
           </p:cNvSpPr>
@@ -912,7 +2384,7 @@
         <p:spPr>
           <a:xfrm>
             <a:off x="504000" y="301320"/>
-            <a:ext cx="9071640" cy="1262160"/>
+            <a:ext cx="9071280" cy="1261800"/>
           </a:xfrm>
           <a:prstGeom prst="rect">
             <a:avLst/>
@@ -960,7 +2432,7 @@
       </p:grpSpPr>
       <p:sp>
         <p:nvSpPr>
-          <p:cNvPr id="13" name="PlaceHolder 1"/>
+          <p:cNvPr id="10" name="PlaceHolder 1"/>
           <p:cNvSpPr>
             <a:spLocks noGrp="1"/>
           </p:cNvSpPr>
@@ -971,7 +2443,7 @@
         <p:spPr>
           <a:xfrm>
             <a:off x="504000" y="301320"/>
-            <a:ext cx="9071640" cy="5851800"/>
+            <a:ext cx="9071280" cy="5850360"/>
           </a:xfrm>
           <a:prstGeom prst="rect">
             <a:avLst/>
@@ -1019,7 +2491,7 @@
       </p:grpSpPr>
       <p:sp>
         <p:nvSpPr>
-          <p:cNvPr id="14" name="PlaceHolder 1"/>
+          <p:cNvPr id="11" name="PlaceHolder 1"/>
           <p:cNvSpPr>
             <a:spLocks noGrp="1"/>
           </p:cNvSpPr>
@@ -1030,7 +2502,7 @@
         <p:spPr>
           <a:xfrm>
             <a:off x="504000" y="301320"/>
-            <a:ext cx="9071640" cy="1262160"/>
+            <a:ext cx="9071280" cy="1261800"/>
           </a:xfrm>
           <a:prstGeom prst="rect">
             <a:avLst/>
@@ -1056,7 +2528,7 @@
       </p:sp>
       <p:sp>
         <p:nvSpPr>
-          <p:cNvPr id="15" name="PlaceHolder 2"/>
+          <p:cNvPr id="12" name="PlaceHolder 2"/>
           <p:cNvSpPr>
             <a:spLocks noGrp="1"/>
           </p:cNvSpPr>
@@ -1067,7 +2539,7 @@
         <p:spPr>
           <a:xfrm>
             <a:off x="504000" y="1769040"/>
-            <a:ext cx="4426920" cy="2091240"/>
+            <a:ext cx="4426560" cy="2090880"/>
           </a:xfrm>
           <a:prstGeom prst="rect">
             <a:avLst/>
@@ -1092,7 +2564,7 @@
       </p:sp>
       <p:sp>
         <p:nvSpPr>
-          <p:cNvPr id="16" name="PlaceHolder 3"/>
+          <p:cNvPr id="13" name="PlaceHolder 3"/>
           <p:cNvSpPr>
             <a:spLocks noGrp="1"/>
           </p:cNvSpPr>
@@ -1102,8 +2574,8 @@
         </p:nvSpPr>
         <p:spPr>
           <a:xfrm>
-            <a:off x="504000" y="4059360"/>
-            <a:ext cx="4426920" cy="2091240"/>
+            <a:off x="504000" y="4059000"/>
+            <a:ext cx="4426560" cy="2090880"/>
           </a:xfrm>
           <a:prstGeom prst="rect">
             <a:avLst/>
@@ -1128,7 +2600,7 @@
       </p:sp>
       <p:sp>
         <p:nvSpPr>
-          <p:cNvPr id="17" name="PlaceHolder 4"/>
+          <p:cNvPr id="14" name="PlaceHolder 4"/>
           <p:cNvSpPr>
             <a:spLocks noGrp="1"/>
           </p:cNvSpPr>
@@ -1138,8 +2610,8 @@
         </p:nvSpPr>
         <p:spPr>
           <a:xfrm>
-            <a:off x="5152680" y="1769040"/>
-            <a:ext cx="4426920" cy="4384440"/>
+            <a:off x="5152320" y="1769040"/>
+            <a:ext cx="4426560" cy="4384080"/>
           </a:xfrm>
           <a:prstGeom prst="rect">
             <a:avLst/>
@@ -1186,7 +2658,7 @@
       </p:grpSpPr>
       <p:sp>
         <p:nvSpPr>
-          <p:cNvPr id="18" name="PlaceHolder 1"/>
+          <p:cNvPr id="15" name="PlaceHolder 1"/>
           <p:cNvSpPr>
             <a:spLocks noGrp="1"/>
           </p:cNvSpPr>
@@ -1197,7 +2669,7 @@
         <p:spPr>
           <a:xfrm>
             <a:off x="504000" y="301320"/>
-            <a:ext cx="9071640" cy="1262160"/>
+            <a:ext cx="9071280" cy="1261800"/>
           </a:xfrm>
           <a:prstGeom prst="rect">
             <a:avLst/>
@@ -1223,7 +2695,7 @@
       </p:sp>
       <p:sp>
         <p:nvSpPr>
-          <p:cNvPr id="19" name="PlaceHolder 2"/>
+          <p:cNvPr id="16" name="PlaceHolder 2"/>
           <p:cNvSpPr>
             <a:spLocks noGrp="1"/>
           </p:cNvSpPr>
@@ -1234,7 +2706,7 @@
         <p:spPr>
           <a:xfrm>
             <a:off x="504000" y="1769040"/>
-            <a:ext cx="4426920" cy="4384440"/>
+            <a:ext cx="4426560" cy="4384080"/>
           </a:xfrm>
           <a:prstGeom prst="rect">
             <a:avLst/>
@@ -1259,7 +2731,7 @@
       </p:sp>
       <p:sp>
         <p:nvSpPr>
-          <p:cNvPr id="20" name="PlaceHolder 3"/>
+          <p:cNvPr id="17" name="PlaceHolder 3"/>
           <p:cNvSpPr>
             <a:spLocks noGrp="1"/>
           </p:cNvSpPr>
@@ -1269,8 +2741,8 @@
         </p:nvSpPr>
         <p:spPr>
           <a:xfrm>
-            <a:off x="5152680" y="1769040"/>
-            <a:ext cx="4426920" cy="2091240"/>
+            <a:off x="5152320" y="1769040"/>
+            <a:ext cx="4426560" cy="2090880"/>
           </a:xfrm>
           <a:prstGeom prst="rect">
             <a:avLst/>
@@ -1295,7 +2767,7 @@
       </p:sp>
       <p:sp>
         <p:nvSpPr>
-          <p:cNvPr id="21" name="PlaceHolder 4"/>
+          <p:cNvPr id="18" name="PlaceHolder 4"/>
           <p:cNvSpPr>
             <a:spLocks noGrp="1"/>
           </p:cNvSpPr>
@@ -1305,8 +2777,8 @@
         </p:nvSpPr>
         <p:spPr>
           <a:xfrm>
-            <a:off x="5152680" y="4059360"/>
-            <a:ext cx="4426920" cy="2091240"/>
+            <a:off x="5152320" y="4059000"/>
+            <a:ext cx="4426560" cy="2090880"/>
           </a:xfrm>
           <a:prstGeom prst="rect">
             <a:avLst/>
@@ -1353,7 +2825,7 @@
       </p:grpSpPr>
       <p:sp>
         <p:nvSpPr>
-          <p:cNvPr id="22" name="PlaceHolder 1"/>
+          <p:cNvPr id="19" name="PlaceHolder 1"/>
           <p:cNvSpPr>
             <a:spLocks noGrp="1"/>
           </p:cNvSpPr>
@@ -1364,7 +2836,7 @@
         <p:spPr>
           <a:xfrm>
             <a:off x="504000" y="301320"/>
-            <a:ext cx="9071640" cy="1262160"/>
+            <a:ext cx="9071280" cy="1261800"/>
           </a:xfrm>
           <a:prstGeom prst="rect">
             <a:avLst/>
@@ -1390,7 +2862,7 @@
       </p:sp>
       <p:sp>
         <p:nvSpPr>
-          <p:cNvPr id="23" name="PlaceHolder 2"/>
+          <p:cNvPr id="20" name="PlaceHolder 2"/>
           <p:cNvSpPr>
             <a:spLocks noGrp="1"/>
           </p:cNvSpPr>
@@ -1401,7 +2873,7 @@
         <p:spPr>
           <a:xfrm>
             <a:off x="504000" y="1769040"/>
-            <a:ext cx="4426920" cy="2091240"/>
+            <a:ext cx="4426560" cy="2090880"/>
           </a:xfrm>
           <a:prstGeom prst="rect">
             <a:avLst/>
@@ -1426,7 +2898,7 @@
       </p:sp>
       <p:sp>
         <p:nvSpPr>
-          <p:cNvPr id="24" name="PlaceHolder 3"/>
+          <p:cNvPr id="21" name="PlaceHolder 3"/>
           <p:cNvSpPr>
             <a:spLocks noGrp="1"/>
           </p:cNvSpPr>
@@ -1436,8 +2908,8 @@
         </p:nvSpPr>
         <p:spPr>
           <a:xfrm>
-            <a:off x="5152680" y="1769040"/>
-            <a:ext cx="4426920" cy="2091240"/>
+            <a:off x="5152320" y="1769040"/>
+            <a:ext cx="4426560" cy="2090880"/>
           </a:xfrm>
           <a:prstGeom prst="rect">
             <a:avLst/>
@@ -1462,7 +2934,7 @@
       </p:sp>
       <p:sp>
         <p:nvSpPr>
-          <p:cNvPr id="25" name="PlaceHolder 4"/>
+          <p:cNvPr id="22" name="PlaceHolder 4"/>
           <p:cNvSpPr>
             <a:spLocks noGrp="1"/>
           </p:cNvSpPr>
@@ -1472,8 +2944,8 @@
         </p:nvSpPr>
         <p:spPr>
           <a:xfrm>
-            <a:off x="504000" y="4059360"/>
-            <a:ext cx="9071640" cy="2091240"/>
+            <a:off x="504000" y="4059000"/>
+            <a:ext cx="9071280" cy="2090880"/>
           </a:xfrm>
           <a:prstGeom prst="rect">
             <a:avLst/>
@@ -1531,7 +3003,7 @@
         <p:spPr>
           <a:xfrm>
             <a:off x="504000" y="301320"/>
-            <a:ext cx="9071640" cy="1262160"/>
+            <a:ext cx="9071280" cy="1261800"/>
           </a:xfrm>
           <a:prstGeom prst="rect">
             <a:avLst/>
@@ -1541,20 +3013,6 @@
           <a:bodyPr lIns="0" rIns="0" tIns="0" bIns="0" anchor="ctr"/>
           <a:p>
             <a:pPr algn="ctr"/>
-            <a:r>
-              <a:rPr b="0" lang="en-US" sz="4400" spc="-1" strike="noStrike">
-                <a:solidFill>
-                  <a:srgbClr val="000000"/>
-                </a:solidFill>
-                <a:uFill>
-                  <a:solidFill>
-                    <a:srgbClr val="ffffff"/>
-                  </a:solidFill>
-                </a:uFill>
-                <a:latin typeface="Arial"/>
-              </a:rPr>
-              <a:t>Click to edit the title text format</a:t>
-            </a:r>
             <a:endParaRPr b="0" lang="en-US" sz="4400" spc="-1" strike="noStrike">
               <a:solidFill>
                 <a:srgbClr val="000000"/>
@@ -1581,8 +3039,8 @@
         </p:nvSpPr>
         <p:spPr>
           <a:xfrm>
-            <a:off x="504000" y="1769040"/>
-            <a:ext cx="9071640" cy="4384440"/>
+            <a:off x="504000" y="1768680"/>
+            <a:ext cx="9072000" cy="4384080"/>
           </a:xfrm>
           <a:prstGeom prst="rect">
             <a:avLst/>
@@ -1833,158 +3291,6 @@
                 </a:solidFill>
               </a:uFill>
               <a:latin typeface="Arial"/>
-            </a:endParaRPr>
-          </a:p>
-        </p:txBody>
-      </p:sp>
-      <p:sp>
-        <p:nvSpPr>
-          <p:cNvPr id="2" name="PlaceHolder 3"/>
-          <p:cNvSpPr>
-            <a:spLocks noGrp="1"/>
-          </p:cNvSpPr>
-          <p:nvPr>
-            <p:ph type="dt"/>
-          </p:nvPr>
-        </p:nvSpPr>
-        <p:spPr>
-          <a:xfrm>
-            <a:off x="504000" y="6887160"/>
-            <a:ext cx="2348280" cy="521280"/>
-          </a:xfrm>
-          <a:prstGeom prst="rect">
-            <a:avLst/>
-          </a:prstGeom>
-        </p:spPr>
-        <p:txBody>
-          <a:bodyPr lIns="0" rIns="0" tIns="0" bIns="0"/>
-          <a:p>
-            <a:r>
-              <a:rPr b="0" lang="en-US" sz="1400" spc="-1" strike="noStrike">
-                <a:solidFill>
-                  <a:srgbClr val="000000"/>
-                </a:solidFill>
-                <a:uFill>
-                  <a:solidFill>
-                    <a:srgbClr val="ffffff"/>
-                  </a:solidFill>
-                </a:uFill>
-                <a:latin typeface="Times New Roman"/>
-              </a:rPr>
-              <a:t>&lt;date/time&gt;</a:t>
-            </a:r>
-            <a:endParaRPr b="0" lang="en-US" sz="1400" spc="-1" strike="noStrike">
-              <a:solidFill>
-                <a:srgbClr val="000000"/>
-              </a:solidFill>
-              <a:uFill>
-                <a:solidFill>
-                  <a:srgbClr val="ffffff"/>
-                </a:solidFill>
-              </a:uFill>
-              <a:latin typeface="Times New Roman"/>
-            </a:endParaRPr>
-          </a:p>
-        </p:txBody>
-      </p:sp>
-      <p:sp>
-        <p:nvSpPr>
-          <p:cNvPr id="3" name="PlaceHolder 4"/>
-          <p:cNvSpPr>
-            <a:spLocks noGrp="1"/>
-          </p:cNvSpPr>
-          <p:nvPr>
-            <p:ph type="ftr"/>
-          </p:nvPr>
-        </p:nvSpPr>
-        <p:spPr>
-          <a:xfrm>
-            <a:off x="3447360" y="6887160"/>
-            <a:ext cx="3195000" cy="521280"/>
-          </a:xfrm>
-          <a:prstGeom prst="rect">
-            <a:avLst/>
-          </a:prstGeom>
-        </p:spPr>
-        <p:txBody>
-          <a:bodyPr lIns="0" rIns="0" tIns="0" bIns="0"/>
-          <a:p>
-            <a:pPr algn="ctr"/>
-            <a:r>
-              <a:rPr b="0" lang="en-US" sz="1400" spc="-1" strike="noStrike">
-                <a:solidFill>
-                  <a:srgbClr val="000000"/>
-                </a:solidFill>
-                <a:uFill>
-                  <a:solidFill>
-                    <a:srgbClr val="ffffff"/>
-                  </a:solidFill>
-                </a:uFill>
-                <a:latin typeface="Times New Roman"/>
-              </a:rPr>
-              <a:t>&lt;footer&gt;</a:t>
-            </a:r>
-            <a:endParaRPr b="0" lang="en-US" sz="1400" spc="-1" strike="noStrike">
-              <a:solidFill>
-                <a:srgbClr val="000000"/>
-              </a:solidFill>
-              <a:uFill>
-                <a:solidFill>
-                  <a:srgbClr val="ffffff"/>
-                </a:solidFill>
-              </a:uFill>
-              <a:latin typeface="Times New Roman"/>
-            </a:endParaRPr>
-          </a:p>
-        </p:txBody>
-      </p:sp>
-      <p:sp>
-        <p:nvSpPr>
-          <p:cNvPr id="4" name="PlaceHolder 5"/>
-          <p:cNvSpPr>
-            <a:spLocks noGrp="1"/>
-          </p:cNvSpPr>
-          <p:nvPr>
-            <p:ph type="sldNum"/>
-          </p:nvPr>
-        </p:nvSpPr>
-        <p:spPr>
-          <a:xfrm>
-            <a:off x="7227360" y="6887160"/>
-            <a:ext cx="2348280" cy="521280"/>
-          </a:xfrm>
-          <a:prstGeom prst="rect">
-            <a:avLst/>
-          </a:prstGeom>
-        </p:spPr>
-        <p:txBody>
-          <a:bodyPr lIns="0" rIns="0" tIns="0" bIns="0"/>
-          <a:p>
-            <a:pPr algn="r"/>
-            <a:fld id="{5D296A5D-B43C-4EB9-9F43-B2C77B07E69A}" type="slidenum">
-              <a:rPr b="0" lang="en-US" sz="1400" spc="-1" strike="noStrike">
-                <a:solidFill>
-                  <a:srgbClr val="000000"/>
-                </a:solidFill>
-                <a:uFill>
-                  <a:solidFill>
-                    <a:srgbClr val="ffffff"/>
-                  </a:solidFill>
-                </a:uFill>
-                <a:latin typeface="Times New Roman"/>
-              </a:rPr>
-              <a:t>&lt;number&gt;</a:t>
-            </a:fld>
-            <a:endParaRPr b="0" lang="en-US" sz="1400" spc="-1" strike="noStrike">
-              <a:solidFill>
-                <a:srgbClr val="000000"/>
-              </a:solidFill>
-              <a:uFill>
-                <a:solidFill>
-                  <a:srgbClr val="ffffff"/>
-                </a:solidFill>
-              </a:uFill>
-              <a:latin typeface="Times New Roman"/>
             </a:endParaRPr>
           </a:p>
         </p:txBody>
@@ -2005,6 +3311,348 @@
     <p:sldLayoutId id="2147483658" r:id="rId11"/>
     <p:sldLayoutId id="2147483659" r:id="rId12"/>
     <p:sldLayoutId id="2147483660" r:id="rId13"/>
+  </p:sldLayoutIdLst>
+</p:sldMaster>
+</file>
+
+<file path=ppt/slideMasters/slideMaster2.xml><?xml version="1.0" encoding="utf-8"?>
+<p:sldMaster xmlns:a="http://schemas.openxmlformats.org/drawingml/2006/main" xmlns:p="http://schemas.openxmlformats.org/presentationml/2006/main" xmlns:r="http://schemas.openxmlformats.org/officeDocument/2006/relationships" xmlns:p14="http://schemas.microsoft.com/office/powerpoint/2010/main" xmlns:p15="http://schemas.microsoft.com/office/powerpoint/2012/main" xmlns:mc="http://schemas.openxmlformats.org/markup-compatibility/2006">
+  <p:cSld>
+    <p:spTree>
+      <p:nvGrpSpPr>
+        <p:cNvPr id="1" name=""/>
+        <p:cNvGrpSpPr/>
+        <p:nvPr/>
+      </p:nvGrpSpPr>
+      <p:grpSpPr>
+        <a:xfrm>
+          <a:off x="0" y="0"/>
+          <a:ext cx="0" cy="0"/>
+          <a:chOff x="0" y="0"/>
+          <a:chExt cx="0" cy="0"/>
+        </a:xfrm>
+      </p:grpSpPr>
+      <p:sp>
+        <p:nvSpPr>
+          <p:cNvPr id="36" name="PlaceHolder 1"/>
+          <p:cNvSpPr>
+            <a:spLocks noGrp="1"/>
+          </p:cNvSpPr>
+          <p:nvPr>
+            <p:ph type="title"/>
+          </p:nvPr>
+        </p:nvSpPr>
+        <p:spPr>
+          <a:xfrm>
+            <a:off x="504000" y="301320"/>
+            <a:ext cx="9071280" cy="1261800"/>
+          </a:xfrm>
+          <a:prstGeom prst="rect">
+            <a:avLst/>
+          </a:prstGeom>
+        </p:spPr>
+        <p:txBody>
+          <a:bodyPr lIns="0" rIns="0" tIns="0" bIns="0" anchor="ctr"/>
+          <a:p>
+            <a:pPr algn="ctr"/>
+            <a:endParaRPr b="0" lang="en-US" sz="4400" spc="-1" strike="noStrike">
+              <a:solidFill>
+                <a:srgbClr val="000000"/>
+              </a:solidFill>
+              <a:uFill>
+                <a:solidFill>
+                  <a:srgbClr val="ffffff"/>
+                </a:solidFill>
+              </a:uFill>
+              <a:latin typeface="Arial"/>
+            </a:endParaRPr>
+          </a:p>
+        </p:txBody>
+      </p:sp>
+      <p:sp>
+        <p:nvSpPr>
+          <p:cNvPr id="37" name="PlaceHolder 2"/>
+          <p:cNvSpPr>
+            <a:spLocks noGrp="1"/>
+          </p:cNvSpPr>
+          <p:nvPr>
+            <p:ph type="body"/>
+          </p:nvPr>
+        </p:nvSpPr>
+        <p:spPr>
+          <a:xfrm>
+            <a:off x="504000" y="1769040"/>
+            <a:ext cx="9071280" cy="4384080"/>
+          </a:xfrm>
+          <a:prstGeom prst="rect">
+            <a:avLst/>
+          </a:prstGeom>
+        </p:spPr>
+        <p:txBody>
+          <a:bodyPr lIns="0" rIns="0" tIns="0" bIns="0"/>
+          <a:p>
+            <a:pPr marL="432000" indent="-324000">
+              <a:buClr>
+                <a:srgbClr val="000000"/>
+              </a:buClr>
+              <a:buSzPct val="45000"/>
+              <a:buFont typeface="Wingdings" charset="2"/>
+              <a:buChar char=""/>
+            </a:pPr>
+            <a:r>
+              <a:rPr b="0" lang="en-US" sz="1800" spc="-1" strike="noStrike">
+                <a:solidFill>
+                  <a:srgbClr val="000000"/>
+                </a:solidFill>
+                <a:uFill>
+                  <a:solidFill>
+                    <a:srgbClr val="ffffff"/>
+                  </a:solidFill>
+                </a:uFill>
+                <a:latin typeface="Arial"/>
+              </a:rPr>
+              <a:t>Click to edit the outline text format</a:t>
+            </a:r>
+            <a:endParaRPr b="0" lang="en-US" sz="1800" spc="-1" strike="noStrike">
+              <a:solidFill>
+                <a:srgbClr val="000000"/>
+              </a:solidFill>
+              <a:uFill>
+                <a:solidFill>
+                  <a:srgbClr val="ffffff"/>
+                </a:solidFill>
+              </a:uFill>
+              <a:latin typeface="Arial"/>
+            </a:endParaRPr>
+          </a:p>
+          <a:p>
+            <a:pPr lvl="1" marL="864000" indent="-324000">
+              <a:buClr>
+                <a:srgbClr val="000000"/>
+              </a:buClr>
+              <a:buSzPct val="75000"/>
+              <a:buFont typeface="Symbol" charset="2"/>
+              <a:buChar char=""/>
+            </a:pPr>
+            <a:r>
+              <a:rPr b="0" lang="en-US" sz="1800" spc="-1" strike="noStrike">
+                <a:solidFill>
+                  <a:srgbClr val="000000"/>
+                </a:solidFill>
+                <a:uFill>
+                  <a:solidFill>
+                    <a:srgbClr val="ffffff"/>
+                  </a:solidFill>
+                </a:uFill>
+                <a:latin typeface="Arial"/>
+              </a:rPr>
+              <a:t>Second Outline Level</a:t>
+            </a:r>
+            <a:endParaRPr b="0" lang="en-US" sz="1800" spc="-1" strike="noStrike">
+              <a:solidFill>
+                <a:srgbClr val="000000"/>
+              </a:solidFill>
+              <a:uFill>
+                <a:solidFill>
+                  <a:srgbClr val="ffffff"/>
+                </a:solidFill>
+              </a:uFill>
+              <a:latin typeface="Arial"/>
+            </a:endParaRPr>
+          </a:p>
+          <a:p>
+            <a:pPr lvl="2" marL="1296000" indent="-288000">
+              <a:buClr>
+                <a:srgbClr val="000000"/>
+              </a:buClr>
+              <a:buSzPct val="45000"/>
+              <a:buFont typeface="Wingdings" charset="2"/>
+              <a:buChar char=""/>
+            </a:pPr>
+            <a:r>
+              <a:rPr b="0" lang="en-US" sz="1800" spc="-1" strike="noStrike">
+                <a:solidFill>
+                  <a:srgbClr val="000000"/>
+                </a:solidFill>
+                <a:uFill>
+                  <a:solidFill>
+                    <a:srgbClr val="ffffff"/>
+                  </a:solidFill>
+                </a:uFill>
+                <a:latin typeface="Arial"/>
+              </a:rPr>
+              <a:t>Third Outline Level</a:t>
+            </a:r>
+            <a:endParaRPr b="0" lang="en-US" sz="1800" spc="-1" strike="noStrike">
+              <a:solidFill>
+                <a:srgbClr val="000000"/>
+              </a:solidFill>
+              <a:uFill>
+                <a:solidFill>
+                  <a:srgbClr val="ffffff"/>
+                </a:solidFill>
+              </a:uFill>
+              <a:latin typeface="Arial"/>
+            </a:endParaRPr>
+          </a:p>
+          <a:p>
+            <a:pPr lvl="3" marL="1728000" indent="-216000">
+              <a:buClr>
+                <a:srgbClr val="000000"/>
+              </a:buClr>
+              <a:buSzPct val="75000"/>
+              <a:buFont typeface="Symbol" charset="2"/>
+              <a:buChar char=""/>
+            </a:pPr>
+            <a:r>
+              <a:rPr b="0" lang="en-US" sz="1800" spc="-1" strike="noStrike">
+                <a:solidFill>
+                  <a:srgbClr val="000000"/>
+                </a:solidFill>
+                <a:uFill>
+                  <a:solidFill>
+                    <a:srgbClr val="ffffff"/>
+                  </a:solidFill>
+                </a:uFill>
+                <a:latin typeface="Arial"/>
+              </a:rPr>
+              <a:t>Fourth Outline Level</a:t>
+            </a:r>
+            <a:endParaRPr b="0" lang="en-US" sz="1800" spc="-1" strike="noStrike">
+              <a:solidFill>
+                <a:srgbClr val="000000"/>
+              </a:solidFill>
+              <a:uFill>
+                <a:solidFill>
+                  <a:srgbClr val="ffffff"/>
+                </a:solidFill>
+              </a:uFill>
+              <a:latin typeface="Arial"/>
+            </a:endParaRPr>
+          </a:p>
+          <a:p>
+            <a:pPr lvl="4" marL="2160000" indent="-216000">
+              <a:buClr>
+                <a:srgbClr val="000000"/>
+              </a:buClr>
+              <a:buSzPct val="45000"/>
+              <a:buFont typeface="Wingdings" charset="2"/>
+              <a:buChar char=""/>
+            </a:pPr>
+            <a:r>
+              <a:rPr b="0" lang="en-US" sz="1800" spc="-1" strike="noStrike">
+                <a:solidFill>
+                  <a:srgbClr val="000000"/>
+                </a:solidFill>
+                <a:uFill>
+                  <a:solidFill>
+                    <a:srgbClr val="ffffff"/>
+                  </a:solidFill>
+                </a:uFill>
+                <a:latin typeface="Arial"/>
+              </a:rPr>
+              <a:t>Fifth Outline Level</a:t>
+            </a:r>
+            <a:endParaRPr b="0" lang="en-US" sz="1800" spc="-1" strike="noStrike">
+              <a:solidFill>
+                <a:srgbClr val="000000"/>
+              </a:solidFill>
+              <a:uFill>
+                <a:solidFill>
+                  <a:srgbClr val="ffffff"/>
+                </a:solidFill>
+              </a:uFill>
+              <a:latin typeface="Arial"/>
+            </a:endParaRPr>
+          </a:p>
+          <a:p>
+            <a:pPr lvl="5" marL="2592000" indent="-216000">
+              <a:buClr>
+                <a:srgbClr val="000000"/>
+              </a:buClr>
+              <a:buSzPct val="45000"/>
+              <a:buFont typeface="Wingdings" charset="2"/>
+              <a:buChar char=""/>
+            </a:pPr>
+            <a:r>
+              <a:rPr b="0" lang="en-US" sz="1800" spc="-1" strike="noStrike">
+                <a:solidFill>
+                  <a:srgbClr val="000000"/>
+                </a:solidFill>
+                <a:uFill>
+                  <a:solidFill>
+                    <a:srgbClr val="ffffff"/>
+                  </a:solidFill>
+                </a:uFill>
+                <a:latin typeface="Arial"/>
+              </a:rPr>
+              <a:t>Sixth Outline Level</a:t>
+            </a:r>
+            <a:endParaRPr b="0" lang="en-US" sz="1800" spc="-1" strike="noStrike">
+              <a:solidFill>
+                <a:srgbClr val="000000"/>
+              </a:solidFill>
+              <a:uFill>
+                <a:solidFill>
+                  <a:srgbClr val="ffffff"/>
+                </a:solidFill>
+              </a:uFill>
+              <a:latin typeface="Arial"/>
+            </a:endParaRPr>
+          </a:p>
+          <a:p>
+            <a:pPr lvl="6" marL="3024000" indent="-216000">
+              <a:buClr>
+                <a:srgbClr val="000000"/>
+              </a:buClr>
+              <a:buSzPct val="45000"/>
+              <a:buFont typeface="Wingdings" charset="2"/>
+              <a:buChar char=""/>
+            </a:pPr>
+            <a:r>
+              <a:rPr b="0" lang="en-US" sz="1800" spc="-1" strike="noStrike">
+                <a:solidFill>
+                  <a:srgbClr val="000000"/>
+                </a:solidFill>
+                <a:uFill>
+                  <a:solidFill>
+                    <a:srgbClr val="ffffff"/>
+                  </a:solidFill>
+                </a:uFill>
+                <a:latin typeface="Arial"/>
+              </a:rPr>
+              <a:t>Seventh Outline Level</a:t>
+            </a:r>
+            <a:endParaRPr b="0" lang="en-US" sz="1800" spc="-1" strike="noStrike">
+              <a:solidFill>
+                <a:srgbClr val="000000"/>
+              </a:solidFill>
+              <a:uFill>
+                <a:solidFill>
+                  <a:srgbClr val="ffffff"/>
+                </a:solidFill>
+              </a:uFill>
+              <a:latin typeface="Arial"/>
+            </a:endParaRPr>
+          </a:p>
+        </p:txBody>
+      </p:sp>
+    </p:spTree>
+  </p:cSld>
+  <p:clrMap bg1="lt1" bg2="lt2" tx1="dk1" tx2="dk2" accent1="accent1" accent2="accent2" accent3="accent3" accent4="accent4" accent5="accent5" accent6="accent6" hlink="hlink" folHlink="folHlink"/>
+  <p:sldLayoutIdLst>
+    <p:sldLayoutId id="2147483662" r:id="rId2"/>
+    <p:sldLayoutId id="2147483663" r:id="rId3"/>
+    <p:sldLayoutId id="2147483664" r:id="rId4"/>
+    <p:sldLayoutId id="2147483665" r:id="rId5"/>
+    <p:sldLayoutId id="2147483666" r:id="rId6"/>
+    <p:sldLayoutId id="2147483667" r:id="rId7"/>
+    <p:sldLayoutId id="2147483668" r:id="rId8"/>
+    <p:sldLayoutId id="2147483669" r:id="rId9"/>
+    <p:sldLayoutId id="2147483670" r:id="rId10"/>
+    <p:sldLayoutId id="2147483671" r:id="rId11"/>
+    <p:sldLayoutId id="2147483672" r:id="rId12"/>
+    <p:sldLayoutId id="2147483673" r:id="rId13"/>
   </p:sldLayoutIdLst>
 </p:sldMaster>
 </file>
@@ -2028,14 +3676,14 @@
       </p:grpSpPr>
       <p:sp>
         <p:nvSpPr>
-          <p:cNvPr id="39" name="TextShape 1"/>
-          <p:cNvSpPr txBox="1"/>
+          <p:cNvPr id="72" name="CustomShape 1"/>
+          <p:cNvSpPr/>
           <p:nvPr/>
         </p:nvSpPr>
         <p:spPr>
           <a:xfrm>
             <a:off x="504000" y="301320"/>
-            <a:ext cx="9071640" cy="1262160"/>
+            <a:ext cx="9071280" cy="1261800"/>
           </a:xfrm>
           <a:prstGeom prst="rect">
             <a:avLst/>
@@ -2045,10 +3693,20 @@
             <a:noFill/>
           </a:ln>
         </p:spPr>
+        <p:style>
+          <a:lnRef idx="0"/>
+          <a:fillRef idx="0"/>
+          <a:effectRef idx="0"/>
+          <a:fontRef idx="minor"/>
+        </p:style>
         <p:txBody>
           <a:bodyPr lIns="0" rIns="0" tIns="0" bIns="0" anchor="ctr"/>
           <a:p>
-            <a:pPr algn="ctr"/>
+            <a:pPr algn="ctr">
+              <a:lnSpc>
+                <a:spcPct val="100000"/>
+              </a:lnSpc>
+            </a:pPr>
             <a:r>
               <a:rPr b="0" lang="en-US" sz="4400" spc="-1" strike="noStrike">
                 <a:solidFill>
@@ -2063,30 +3721,30 @@
               </a:rPr>
               <a:t>Kaggle</a:t>
             </a:r>
-            <a:endParaRPr b="0" lang="en-US" sz="4400" spc="-1" strike="noStrike">
-              <a:solidFill>
-                <a:srgbClr val="000000"/>
-              </a:solidFill>
-              <a:uFill>
-                <a:solidFill>
-                  <a:srgbClr val="ffffff"/>
-                </a:solidFill>
-              </a:uFill>
-              <a:latin typeface="Arial"/>
-            </a:endParaRPr>
-          </a:p>
-        </p:txBody>
-      </p:sp>
-      <p:sp>
-        <p:nvSpPr>
-          <p:cNvPr id="40" name="TextShape 2"/>
-          <p:cNvSpPr txBox="1"/>
+            <a:endParaRPr b="0" lang="en-US" sz="1800" spc="-1" strike="noStrike">
+              <a:solidFill>
+                <a:srgbClr val="000000"/>
+              </a:solidFill>
+              <a:uFill>
+                <a:solidFill>
+                  <a:srgbClr val="ffffff"/>
+                </a:solidFill>
+              </a:uFill>
+              <a:latin typeface="Arial"/>
+            </a:endParaRPr>
+          </a:p>
+        </p:txBody>
+      </p:sp>
+      <p:sp>
+        <p:nvSpPr>
+          <p:cNvPr id="73" name="CustomShape 2"/>
+          <p:cNvSpPr/>
           <p:nvPr/>
         </p:nvSpPr>
         <p:spPr>
           <a:xfrm>
             <a:off x="504000" y="1769040"/>
-            <a:ext cx="9071640" cy="4384440"/>
+            <a:ext cx="9071280" cy="4384080"/>
           </a:xfrm>
           <a:prstGeom prst="rect">
             <a:avLst/>
@@ -2096,10 +3754,20 @@
             <a:noFill/>
           </a:ln>
         </p:spPr>
+        <p:style>
+          <a:lnRef idx="0"/>
+          <a:fillRef idx="0"/>
+          <a:effectRef idx="0"/>
+          <a:fontRef idx="minor"/>
+        </p:style>
         <p:txBody>
           <a:bodyPr lIns="0" rIns="0" tIns="0" bIns="0" anchor="ctr"/>
           <a:p>
-            <a:pPr algn="ctr"/>
+            <a:pPr algn="ctr">
+              <a:lnSpc>
+                <a:spcPct val="100000"/>
+              </a:lnSpc>
+            </a:pPr>
             <a:r>
               <a:rPr b="0" lang="en-US" sz="3200" spc="-1" strike="noStrike">
                 <a:solidFill>
@@ -2114,7 +3782,7 @@
               </a:rPr>
               <a:t>Introduction to Kaggle</a:t>
             </a:r>
-            <a:endParaRPr b="0" lang="en-US" sz="3200" spc="-1" strike="noStrike">
+            <a:endParaRPr b="0" lang="en-US" sz="1800" spc="-1" strike="noStrike">
               <a:solidFill>
                 <a:srgbClr val="000000"/>
               </a:solidFill>
@@ -2179,14 +3847,14 @@
       </p:grpSpPr>
       <p:sp>
         <p:nvSpPr>
-          <p:cNvPr id="57" name="TextShape 1"/>
-          <p:cNvSpPr txBox="1"/>
+          <p:cNvPr id="90" name="CustomShape 1"/>
+          <p:cNvSpPr/>
           <p:nvPr/>
         </p:nvSpPr>
         <p:spPr>
           <a:xfrm>
             <a:off x="504000" y="301320"/>
-            <a:ext cx="9071640" cy="1262160"/>
+            <a:ext cx="9071280" cy="1261800"/>
           </a:xfrm>
           <a:prstGeom prst="rect">
             <a:avLst/>
@@ -2196,10 +3864,20 @@
             <a:noFill/>
           </a:ln>
         </p:spPr>
+        <p:style>
+          <a:lnRef idx="0"/>
+          <a:fillRef idx="0"/>
+          <a:effectRef idx="0"/>
+          <a:fontRef idx="minor"/>
+        </p:style>
         <p:txBody>
           <a:bodyPr lIns="0" rIns="0" tIns="0" bIns="0" anchor="ctr"/>
           <a:p>
-            <a:pPr algn="ctr"/>
+            <a:pPr algn="ctr">
+              <a:lnSpc>
+                <a:spcPct val="100000"/>
+              </a:lnSpc>
+            </a:pPr>
             <a:r>
               <a:rPr b="0" lang="en-US" sz="4400" spc="-1" strike="noStrike">
                 <a:solidFill>
@@ -2214,30 +3892,30 @@
               </a:rPr>
               <a:t>Functions Applied to Functions</a:t>
             </a:r>
-            <a:endParaRPr b="0" lang="en-US" sz="4400" spc="-1" strike="noStrike">
-              <a:solidFill>
-                <a:srgbClr val="000000"/>
-              </a:solidFill>
-              <a:uFill>
-                <a:solidFill>
-                  <a:srgbClr val="ffffff"/>
-                </a:solidFill>
-              </a:uFill>
-              <a:latin typeface="Arial"/>
-            </a:endParaRPr>
-          </a:p>
-        </p:txBody>
-      </p:sp>
-      <p:sp>
-        <p:nvSpPr>
-          <p:cNvPr id="58" name="TextShape 2"/>
-          <p:cNvSpPr txBox="1"/>
+            <a:endParaRPr b="0" lang="en-US" sz="1800" spc="-1" strike="noStrike">
+              <a:solidFill>
+                <a:srgbClr val="000000"/>
+              </a:solidFill>
+              <a:uFill>
+                <a:solidFill>
+                  <a:srgbClr val="ffffff"/>
+                </a:solidFill>
+              </a:uFill>
+              <a:latin typeface="Arial"/>
+            </a:endParaRPr>
+          </a:p>
+        </p:txBody>
+      </p:sp>
+      <p:sp>
+        <p:nvSpPr>
+          <p:cNvPr id="91" name="CustomShape 2"/>
+          <p:cNvSpPr/>
           <p:nvPr/>
         </p:nvSpPr>
         <p:spPr>
           <a:xfrm>
             <a:off x="504000" y="1769040"/>
-            <a:ext cx="9071640" cy="4384440"/>
+            <a:ext cx="9071280" cy="4384080"/>
           </a:xfrm>
           <a:prstGeom prst="rect">
             <a:avLst/>
@@ -2247,10 +3925,19 @@
             <a:noFill/>
           </a:ln>
         </p:spPr>
+        <p:style>
+          <a:lnRef idx="0"/>
+          <a:fillRef idx="0"/>
+          <a:effectRef idx="0"/>
+          <a:fontRef idx="minor"/>
+        </p:style>
         <p:txBody>
           <a:bodyPr lIns="0" rIns="0" tIns="0" bIns="0"/>
           <a:p>
-            <a:pPr marL="432000" indent="-324000">
+            <a:pPr marL="432000" indent="-323640">
+              <a:lnSpc>
+                <a:spcPct val="100000"/>
+              </a:lnSpc>
               <a:buClr>
                 <a:srgbClr val="000000"/>
               </a:buClr>
@@ -2272,20 +3959,23 @@
               </a:rPr>
               <a:t>def mult_by_five(x):</a:t>
             </a:r>
-            <a:endParaRPr b="0" lang="en-US" sz="3200" spc="-1" strike="noStrike">
-              <a:solidFill>
-                <a:srgbClr val="000000"/>
-              </a:solidFill>
-              <a:uFill>
-                <a:solidFill>
-                  <a:srgbClr val="ffffff"/>
-                </a:solidFill>
-              </a:uFill>
-              <a:latin typeface="Arial"/>
-            </a:endParaRPr>
-          </a:p>
-          <a:p>
-            <a:pPr marL="432000" indent="-324000">
+            <a:endParaRPr b="0" lang="en-US" sz="1800" spc="-1" strike="noStrike">
+              <a:solidFill>
+                <a:srgbClr val="000000"/>
+              </a:solidFill>
+              <a:uFill>
+                <a:solidFill>
+                  <a:srgbClr val="ffffff"/>
+                </a:solidFill>
+              </a:uFill>
+              <a:latin typeface="Arial"/>
+            </a:endParaRPr>
+          </a:p>
+          <a:p>
+            <a:pPr marL="432000" indent="-323640">
+              <a:lnSpc>
+                <a:spcPct val="100000"/>
+              </a:lnSpc>
               <a:buClr>
                 <a:srgbClr val="000000"/>
               </a:buClr>
@@ -2321,20 +4011,23 @@
               </a:rPr>
               <a:t>return 5 * x</a:t>
             </a:r>
-            <a:endParaRPr b="0" lang="en-US" sz="3200" spc="-1" strike="noStrike">
-              <a:solidFill>
-                <a:srgbClr val="000000"/>
-              </a:solidFill>
-              <a:uFill>
-                <a:solidFill>
-                  <a:srgbClr val="ffffff"/>
-                </a:solidFill>
-              </a:uFill>
-              <a:latin typeface="Arial"/>
-            </a:endParaRPr>
-          </a:p>
-          <a:p>
-            <a:pPr marL="432000" indent="-324000">
+            <a:endParaRPr b="0" lang="en-US" sz="1800" spc="-1" strike="noStrike">
+              <a:solidFill>
+                <a:srgbClr val="000000"/>
+              </a:solidFill>
+              <a:uFill>
+                <a:solidFill>
+                  <a:srgbClr val="ffffff"/>
+                </a:solidFill>
+              </a:uFill>
+              <a:latin typeface="Arial"/>
+            </a:endParaRPr>
+          </a:p>
+          <a:p>
+            <a:pPr marL="432000" indent="-323640">
+              <a:lnSpc>
+                <a:spcPct val="100000"/>
+              </a:lnSpc>
               <a:buClr>
                 <a:srgbClr val="000000"/>
               </a:buClr>
@@ -2356,20 +4049,23 @@
               </a:rPr>
               <a:t> </a:t>
             </a:r>
-            <a:endParaRPr b="0" lang="en-US" sz="3200" spc="-1" strike="noStrike">
-              <a:solidFill>
-                <a:srgbClr val="000000"/>
-              </a:solidFill>
-              <a:uFill>
-                <a:solidFill>
-                  <a:srgbClr val="ffffff"/>
-                </a:solidFill>
-              </a:uFill>
-              <a:latin typeface="Arial"/>
-            </a:endParaRPr>
-          </a:p>
-          <a:p>
-            <a:pPr marL="432000" indent="-324000">
+            <a:endParaRPr b="0" lang="en-US" sz="1800" spc="-1" strike="noStrike">
+              <a:solidFill>
+                <a:srgbClr val="000000"/>
+              </a:solidFill>
+              <a:uFill>
+                <a:solidFill>
+                  <a:srgbClr val="ffffff"/>
+                </a:solidFill>
+              </a:uFill>
+              <a:latin typeface="Arial"/>
+            </a:endParaRPr>
+          </a:p>
+          <a:p>
+            <a:pPr marL="432000" indent="-323640">
+              <a:lnSpc>
+                <a:spcPct val="100000"/>
+              </a:lnSpc>
               <a:buClr>
                 <a:srgbClr val="000000"/>
               </a:buClr>
@@ -2391,20 +4087,23 @@
               </a:rPr>
               <a:t>def call(fn, arg):</a:t>
             </a:r>
-            <a:endParaRPr b="0" lang="en-US" sz="3200" spc="-1" strike="noStrike">
-              <a:solidFill>
-                <a:srgbClr val="000000"/>
-              </a:solidFill>
-              <a:uFill>
-                <a:solidFill>
-                  <a:srgbClr val="ffffff"/>
-                </a:solidFill>
-              </a:uFill>
-              <a:latin typeface="Arial"/>
-            </a:endParaRPr>
-          </a:p>
-          <a:p>
-            <a:pPr marL="432000" indent="-324000">
+            <a:endParaRPr b="0" lang="en-US" sz="1800" spc="-1" strike="noStrike">
+              <a:solidFill>
+                <a:srgbClr val="000000"/>
+              </a:solidFill>
+              <a:uFill>
+                <a:solidFill>
+                  <a:srgbClr val="ffffff"/>
+                </a:solidFill>
+              </a:uFill>
+              <a:latin typeface="Arial"/>
+            </a:endParaRPr>
+          </a:p>
+          <a:p>
+            <a:pPr marL="432000" indent="-323640">
+              <a:lnSpc>
+                <a:spcPct val="100000"/>
+              </a:lnSpc>
               <a:buClr>
                 <a:srgbClr val="000000"/>
               </a:buClr>
@@ -2440,20 +4139,23 @@
               </a:rPr>
               <a:t>"""Call fn on arg"""</a:t>
             </a:r>
-            <a:endParaRPr b="0" lang="en-US" sz="3200" spc="-1" strike="noStrike">
-              <a:solidFill>
-                <a:srgbClr val="000000"/>
-              </a:solidFill>
-              <a:uFill>
-                <a:solidFill>
-                  <a:srgbClr val="ffffff"/>
-                </a:solidFill>
-              </a:uFill>
-              <a:latin typeface="Arial"/>
-            </a:endParaRPr>
-          </a:p>
-          <a:p>
-            <a:pPr marL="432000" indent="-324000">
+            <a:endParaRPr b="0" lang="en-US" sz="1800" spc="-1" strike="noStrike">
+              <a:solidFill>
+                <a:srgbClr val="000000"/>
+              </a:solidFill>
+              <a:uFill>
+                <a:solidFill>
+                  <a:srgbClr val="ffffff"/>
+                </a:solidFill>
+              </a:uFill>
+              <a:latin typeface="Arial"/>
+            </a:endParaRPr>
+          </a:p>
+          <a:p>
+            <a:pPr marL="432000" indent="-323640">
+              <a:lnSpc>
+                <a:spcPct val="100000"/>
+              </a:lnSpc>
               <a:buClr>
                 <a:srgbClr val="000000"/>
               </a:buClr>
@@ -2489,20 +4191,23 @@
               </a:rPr>
               <a:t>return fn(arg)</a:t>
             </a:r>
-            <a:endParaRPr b="0" lang="en-US" sz="3200" spc="-1" strike="noStrike">
-              <a:solidFill>
-                <a:srgbClr val="000000"/>
-              </a:solidFill>
-              <a:uFill>
-                <a:solidFill>
-                  <a:srgbClr val="ffffff"/>
-                </a:solidFill>
-              </a:uFill>
-              <a:latin typeface="Arial"/>
-            </a:endParaRPr>
-          </a:p>
-          <a:p>
-            <a:pPr marL="432000" indent="-324000">
+            <a:endParaRPr b="0" lang="en-US" sz="1800" spc="-1" strike="noStrike">
+              <a:solidFill>
+                <a:srgbClr val="000000"/>
+              </a:solidFill>
+              <a:uFill>
+                <a:solidFill>
+                  <a:srgbClr val="ffffff"/>
+                </a:solidFill>
+              </a:uFill>
+              <a:latin typeface="Arial"/>
+            </a:endParaRPr>
+          </a:p>
+          <a:p>
+            <a:pPr marL="432000" indent="-323640">
+              <a:lnSpc>
+                <a:spcPct val="100000"/>
+              </a:lnSpc>
               <a:buClr>
                 <a:srgbClr val="000000"/>
               </a:buClr>
@@ -2524,20 +4229,23 @@
               </a:rPr>
               <a:t> </a:t>
             </a:r>
-            <a:endParaRPr b="0" lang="en-US" sz="3200" spc="-1" strike="noStrike">
-              <a:solidFill>
-                <a:srgbClr val="000000"/>
-              </a:solidFill>
-              <a:uFill>
-                <a:solidFill>
-                  <a:srgbClr val="ffffff"/>
-                </a:solidFill>
-              </a:uFill>
-              <a:latin typeface="Arial"/>
-            </a:endParaRPr>
-          </a:p>
-          <a:p>
-            <a:pPr marL="432000" indent="-324000">
+            <a:endParaRPr b="0" lang="en-US" sz="1800" spc="-1" strike="noStrike">
+              <a:solidFill>
+                <a:srgbClr val="000000"/>
+              </a:solidFill>
+              <a:uFill>
+                <a:solidFill>
+                  <a:srgbClr val="ffffff"/>
+                </a:solidFill>
+              </a:uFill>
+              <a:latin typeface="Arial"/>
+            </a:endParaRPr>
+          </a:p>
+          <a:p>
+            <a:pPr marL="432000" indent="-323640">
+              <a:lnSpc>
+                <a:spcPct val="100000"/>
+              </a:lnSpc>
               <a:buClr>
                 <a:srgbClr val="000000"/>
               </a:buClr>
@@ -2559,20 +4267,23 @@
               </a:rPr>
               <a:t>def squared_call(fn, arg):</a:t>
             </a:r>
-            <a:endParaRPr b="0" lang="en-US" sz="3200" spc="-1" strike="noStrike">
-              <a:solidFill>
-                <a:srgbClr val="000000"/>
-              </a:solidFill>
-              <a:uFill>
-                <a:solidFill>
-                  <a:srgbClr val="ffffff"/>
-                </a:solidFill>
-              </a:uFill>
-              <a:latin typeface="Arial"/>
-            </a:endParaRPr>
-          </a:p>
-          <a:p>
-            <a:pPr marL="432000" indent="-324000">
+            <a:endParaRPr b="0" lang="en-US" sz="1800" spc="-1" strike="noStrike">
+              <a:solidFill>
+                <a:srgbClr val="000000"/>
+              </a:solidFill>
+              <a:uFill>
+                <a:solidFill>
+                  <a:srgbClr val="ffffff"/>
+                </a:solidFill>
+              </a:uFill>
+              <a:latin typeface="Arial"/>
+            </a:endParaRPr>
+          </a:p>
+          <a:p>
+            <a:pPr marL="432000" indent="-323640">
+              <a:lnSpc>
+                <a:spcPct val="100000"/>
+              </a:lnSpc>
               <a:buClr>
                 <a:srgbClr val="000000"/>
               </a:buClr>
@@ -2608,20 +4319,23 @@
               </a:rPr>
               <a:t>"""Call fn on the result of calling fn on arg"""</a:t>
             </a:r>
-            <a:endParaRPr b="0" lang="en-US" sz="3200" spc="-1" strike="noStrike">
-              <a:solidFill>
-                <a:srgbClr val="000000"/>
-              </a:solidFill>
-              <a:uFill>
-                <a:solidFill>
-                  <a:srgbClr val="ffffff"/>
-                </a:solidFill>
-              </a:uFill>
-              <a:latin typeface="Arial"/>
-            </a:endParaRPr>
-          </a:p>
-          <a:p>
-            <a:pPr marL="432000" indent="-324000">
+            <a:endParaRPr b="0" lang="en-US" sz="1800" spc="-1" strike="noStrike">
+              <a:solidFill>
+                <a:srgbClr val="000000"/>
+              </a:solidFill>
+              <a:uFill>
+                <a:solidFill>
+                  <a:srgbClr val="ffffff"/>
+                </a:solidFill>
+              </a:uFill>
+              <a:latin typeface="Arial"/>
+            </a:endParaRPr>
+          </a:p>
+          <a:p>
+            <a:pPr marL="432000" indent="-323640">
+              <a:lnSpc>
+                <a:spcPct val="100000"/>
+              </a:lnSpc>
               <a:buClr>
                 <a:srgbClr val="000000"/>
               </a:buClr>
@@ -2657,20 +4371,23 @@
               </a:rPr>
               <a:t>return fn(fn(arg))</a:t>
             </a:r>
-            <a:endParaRPr b="0" lang="en-US" sz="3200" spc="-1" strike="noStrike">
-              <a:solidFill>
-                <a:srgbClr val="000000"/>
-              </a:solidFill>
-              <a:uFill>
-                <a:solidFill>
-                  <a:srgbClr val="ffffff"/>
-                </a:solidFill>
-              </a:uFill>
-              <a:latin typeface="Arial"/>
-            </a:endParaRPr>
-          </a:p>
-          <a:p>
-            <a:pPr marL="432000" indent="-324000">
+            <a:endParaRPr b="0" lang="en-US" sz="1800" spc="-1" strike="noStrike">
+              <a:solidFill>
+                <a:srgbClr val="000000"/>
+              </a:solidFill>
+              <a:uFill>
+                <a:solidFill>
+                  <a:srgbClr val="ffffff"/>
+                </a:solidFill>
+              </a:uFill>
+              <a:latin typeface="Arial"/>
+            </a:endParaRPr>
+          </a:p>
+          <a:p>
+            <a:pPr marL="432000" indent="-323640">
+              <a:lnSpc>
+                <a:spcPct val="100000"/>
+              </a:lnSpc>
               <a:buClr>
                 <a:srgbClr val="000000"/>
               </a:buClr>
@@ -2692,20 +4409,23 @@
               </a:rPr>
               <a:t> </a:t>
             </a:r>
-            <a:endParaRPr b="0" lang="en-US" sz="3200" spc="-1" strike="noStrike">
-              <a:solidFill>
-                <a:srgbClr val="000000"/>
-              </a:solidFill>
-              <a:uFill>
-                <a:solidFill>
-                  <a:srgbClr val="ffffff"/>
-                </a:solidFill>
-              </a:uFill>
-              <a:latin typeface="Arial"/>
-            </a:endParaRPr>
-          </a:p>
-          <a:p>
-            <a:pPr marL="432000" indent="-324000">
+            <a:endParaRPr b="0" lang="en-US" sz="1800" spc="-1" strike="noStrike">
+              <a:solidFill>
+                <a:srgbClr val="000000"/>
+              </a:solidFill>
+              <a:uFill>
+                <a:solidFill>
+                  <a:srgbClr val="ffffff"/>
+                </a:solidFill>
+              </a:uFill>
+              <a:latin typeface="Arial"/>
+            </a:endParaRPr>
+          </a:p>
+          <a:p>
+            <a:pPr marL="432000" indent="-323640">
+              <a:lnSpc>
+                <a:spcPct val="100000"/>
+              </a:lnSpc>
               <a:buClr>
                 <a:srgbClr val="000000"/>
               </a:buClr>
@@ -2727,20 +4447,23 @@
               </a:rPr>
               <a:t>print(</a:t>
             </a:r>
-            <a:endParaRPr b="0" lang="en-US" sz="3200" spc="-1" strike="noStrike">
-              <a:solidFill>
-                <a:srgbClr val="000000"/>
-              </a:solidFill>
-              <a:uFill>
-                <a:solidFill>
-                  <a:srgbClr val="ffffff"/>
-                </a:solidFill>
-              </a:uFill>
-              <a:latin typeface="Arial"/>
-            </a:endParaRPr>
-          </a:p>
-          <a:p>
-            <a:pPr marL="432000" indent="-324000">
+            <a:endParaRPr b="0" lang="en-US" sz="1800" spc="-1" strike="noStrike">
+              <a:solidFill>
+                <a:srgbClr val="000000"/>
+              </a:solidFill>
+              <a:uFill>
+                <a:solidFill>
+                  <a:srgbClr val="ffffff"/>
+                </a:solidFill>
+              </a:uFill>
+              <a:latin typeface="Arial"/>
+            </a:endParaRPr>
+          </a:p>
+          <a:p>
+            <a:pPr marL="432000" indent="-323640">
+              <a:lnSpc>
+                <a:spcPct val="100000"/>
+              </a:lnSpc>
               <a:buClr>
                 <a:srgbClr val="000000"/>
               </a:buClr>
@@ -2776,20 +4499,23 @@
               </a:rPr>
               <a:t>call(mult_by_five, 1),</a:t>
             </a:r>
-            <a:endParaRPr b="0" lang="en-US" sz="3200" spc="-1" strike="noStrike">
-              <a:solidFill>
-                <a:srgbClr val="000000"/>
-              </a:solidFill>
-              <a:uFill>
-                <a:solidFill>
-                  <a:srgbClr val="ffffff"/>
-                </a:solidFill>
-              </a:uFill>
-              <a:latin typeface="Arial"/>
-            </a:endParaRPr>
-          </a:p>
-          <a:p>
-            <a:pPr marL="432000" indent="-324000">
+            <a:endParaRPr b="0" lang="en-US" sz="1800" spc="-1" strike="noStrike">
+              <a:solidFill>
+                <a:srgbClr val="000000"/>
+              </a:solidFill>
+              <a:uFill>
+                <a:solidFill>
+                  <a:srgbClr val="ffffff"/>
+                </a:solidFill>
+              </a:uFill>
+              <a:latin typeface="Arial"/>
+            </a:endParaRPr>
+          </a:p>
+          <a:p>
+            <a:pPr marL="432000" indent="-323640">
+              <a:lnSpc>
+                <a:spcPct val="100000"/>
+              </a:lnSpc>
               <a:buClr>
                 <a:srgbClr val="000000"/>
               </a:buClr>
@@ -2825,20 +4551,23 @@
               </a:rPr>
               <a:t>squared_call(mult_by_five, 1), </a:t>
             </a:r>
-            <a:endParaRPr b="0" lang="en-US" sz="3200" spc="-1" strike="noStrike">
-              <a:solidFill>
-                <a:srgbClr val="000000"/>
-              </a:solidFill>
-              <a:uFill>
-                <a:solidFill>
-                  <a:srgbClr val="ffffff"/>
-                </a:solidFill>
-              </a:uFill>
-              <a:latin typeface="Arial"/>
-            </a:endParaRPr>
-          </a:p>
-          <a:p>
-            <a:pPr marL="432000" indent="-324000">
+            <a:endParaRPr b="0" lang="en-US" sz="1800" spc="-1" strike="noStrike">
+              <a:solidFill>
+                <a:srgbClr val="000000"/>
+              </a:solidFill>
+              <a:uFill>
+                <a:solidFill>
+                  <a:srgbClr val="ffffff"/>
+                </a:solidFill>
+              </a:uFill>
+              <a:latin typeface="Arial"/>
+            </a:endParaRPr>
+          </a:p>
+          <a:p>
+            <a:pPr marL="432000" indent="-323640">
+              <a:lnSpc>
+                <a:spcPct val="100000"/>
+              </a:lnSpc>
               <a:buClr>
                 <a:srgbClr val="000000"/>
               </a:buClr>
@@ -2874,20 +4603,23 @@
               </a:rPr>
               <a:t>sep='\n', # '\n' is the newline character - it starts a new line</a:t>
             </a:r>
-            <a:endParaRPr b="0" lang="en-US" sz="3200" spc="-1" strike="noStrike">
-              <a:solidFill>
-                <a:srgbClr val="000000"/>
-              </a:solidFill>
-              <a:uFill>
-                <a:solidFill>
-                  <a:srgbClr val="ffffff"/>
-                </a:solidFill>
-              </a:uFill>
-              <a:latin typeface="Arial"/>
-            </a:endParaRPr>
-          </a:p>
-          <a:p>
-            <a:pPr marL="432000" indent="-324000">
+            <a:endParaRPr b="0" lang="en-US" sz="1800" spc="-1" strike="noStrike">
+              <a:solidFill>
+                <a:srgbClr val="000000"/>
+              </a:solidFill>
+              <a:uFill>
+                <a:solidFill>
+                  <a:srgbClr val="ffffff"/>
+                </a:solidFill>
+              </a:uFill>
+              <a:latin typeface="Arial"/>
+            </a:endParaRPr>
+          </a:p>
+          <a:p>
+            <a:pPr marL="432000" indent="-323640">
+              <a:lnSpc>
+                <a:spcPct val="100000"/>
+              </a:lnSpc>
               <a:buClr>
                 <a:srgbClr val="000000"/>
               </a:buClr>
@@ -2909,20 +4641,23 @@
               </a:rPr>
               <a:t>)</a:t>
             </a:r>
-            <a:endParaRPr b="0" lang="en-US" sz="3200" spc="-1" strike="noStrike">
-              <a:solidFill>
-                <a:srgbClr val="000000"/>
-              </a:solidFill>
-              <a:uFill>
-                <a:solidFill>
-                  <a:srgbClr val="ffffff"/>
-                </a:solidFill>
-              </a:uFill>
-              <a:latin typeface="Arial"/>
-            </a:endParaRPr>
-          </a:p>
-          <a:p>
-            <a:pPr marL="432000" indent="-324000">
+            <a:endParaRPr b="0" lang="en-US" sz="1800" spc="-1" strike="noStrike">
+              <a:solidFill>
+                <a:srgbClr val="000000"/>
+              </a:solidFill>
+              <a:uFill>
+                <a:solidFill>
+                  <a:srgbClr val="ffffff"/>
+                </a:solidFill>
+              </a:uFill>
+              <a:latin typeface="Arial"/>
+            </a:endParaRPr>
+          </a:p>
+          <a:p>
+            <a:pPr marL="432000" indent="-323640">
+              <a:lnSpc>
+                <a:spcPct val="100000"/>
+              </a:lnSpc>
               <a:buClr>
                 <a:srgbClr val="000000"/>
               </a:buClr>
@@ -2944,20 +4679,23 @@
               </a:rPr>
               <a:t> </a:t>
             </a:r>
-            <a:endParaRPr b="0" lang="en-US" sz="3200" spc="-1" strike="noStrike">
-              <a:solidFill>
-                <a:srgbClr val="000000"/>
-              </a:solidFill>
-              <a:uFill>
-                <a:solidFill>
-                  <a:srgbClr val="ffffff"/>
-                </a:solidFill>
-              </a:uFill>
-              <a:latin typeface="Arial"/>
-            </a:endParaRPr>
-          </a:p>
-          <a:p>
-            <a:pPr marL="432000" indent="-324000">
+            <a:endParaRPr b="0" lang="en-US" sz="1800" spc="-1" strike="noStrike">
+              <a:solidFill>
+                <a:srgbClr val="000000"/>
+              </a:solidFill>
+              <a:uFill>
+                <a:solidFill>
+                  <a:srgbClr val="ffffff"/>
+                </a:solidFill>
+              </a:uFill>
+              <a:latin typeface="Arial"/>
+            </a:endParaRPr>
+          </a:p>
+          <a:p>
+            <a:pPr marL="432000" indent="-323640">
+              <a:lnSpc>
+                <a:spcPct val="100000"/>
+              </a:lnSpc>
               <a:buClr>
                 <a:srgbClr val="000000"/>
               </a:buClr>
@@ -2979,7 +4717,7 @@
               </a:rPr>
               <a:t>Prints 5 and 25</a:t>
             </a:r>
-            <a:endParaRPr b="0" lang="en-US" sz="3200" spc="-1" strike="noStrike">
+            <a:endParaRPr b="0" lang="en-US" sz="1800" spc="-1" strike="noStrike">
               <a:solidFill>
                 <a:srgbClr val="000000"/>
               </a:solidFill>
@@ -3044,14 +4782,14 @@
       </p:grpSpPr>
       <p:sp>
         <p:nvSpPr>
-          <p:cNvPr id="59" name="TextShape 1"/>
-          <p:cNvSpPr txBox="1"/>
+          <p:cNvPr id="92" name="CustomShape 1"/>
+          <p:cNvSpPr/>
           <p:nvPr/>
         </p:nvSpPr>
         <p:spPr>
           <a:xfrm>
             <a:off x="504000" y="301320"/>
-            <a:ext cx="9071640" cy="1262160"/>
+            <a:ext cx="9071280" cy="1261800"/>
           </a:xfrm>
           <a:prstGeom prst="rect">
             <a:avLst/>
@@ -3061,10 +4799,20 @@
             <a:noFill/>
           </a:ln>
         </p:spPr>
+        <p:style>
+          <a:lnRef idx="0"/>
+          <a:fillRef idx="0"/>
+          <a:effectRef idx="0"/>
+          <a:fontRef idx="minor"/>
+        </p:style>
         <p:txBody>
           <a:bodyPr lIns="0" rIns="0" tIns="0" bIns="0" anchor="ctr"/>
           <a:p>
-            <a:pPr algn="ctr"/>
+            <a:pPr algn="ctr">
+              <a:lnSpc>
+                <a:spcPct val="100000"/>
+              </a:lnSpc>
+            </a:pPr>
             <a:r>
               <a:rPr b="0" lang="en-US" sz="4400" spc="-1" strike="noStrike">
                 <a:solidFill>
@@ -3079,30 +4827,30 @@
               </a:rPr>
               <a:t>Higher Order Functions</a:t>
             </a:r>
-            <a:endParaRPr b="0" lang="en-US" sz="4400" spc="-1" strike="noStrike">
-              <a:solidFill>
-                <a:srgbClr val="000000"/>
-              </a:solidFill>
-              <a:uFill>
-                <a:solidFill>
-                  <a:srgbClr val="ffffff"/>
-                </a:solidFill>
-              </a:uFill>
-              <a:latin typeface="Arial"/>
-            </a:endParaRPr>
-          </a:p>
-        </p:txBody>
-      </p:sp>
-      <p:sp>
-        <p:nvSpPr>
-          <p:cNvPr id="60" name="TextShape 2"/>
-          <p:cNvSpPr txBox="1"/>
+            <a:endParaRPr b="0" lang="en-US" sz="1800" spc="-1" strike="noStrike">
+              <a:solidFill>
+                <a:srgbClr val="000000"/>
+              </a:solidFill>
+              <a:uFill>
+                <a:solidFill>
+                  <a:srgbClr val="ffffff"/>
+                </a:solidFill>
+              </a:uFill>
+              <a:latin typeface="Arial"/>
+            </a:endParaRPr>
+          </a:p>
+        </p:txBody>
+      </p:sp>
+      <p:sp>
+        <p:nvSpPr>
+          <p:cNvPr id="93" name="CustomShape 2"/>
+          <p:cNvSpPr/>
           <p:nvPr/>
         </p:nvSpPr>
         <p:spPr>
           <a:xfrm>
             <a:off x="504000" y="1769040"/>
-            <a:ext cx="9071640" cy="4384440"/>
+            <a:ext cx="9071280" cy="4384080"/>
           </a:xfrm>
           <a:prstGeom prst="rect">
             <a:avLst/>
@@ -3112,10 +4860,19 @@
             <a:noFill/>
           </a:ln>
         </p:spPr>
+        <p:style>
+          <a:lnRef idx="0"/>
+          <a:fillRef idx="0"/>
+          <a:effectRef idx="0"/>
+          <a:fontRef idx="minor"/>
+        </p:style>
         <p:txBody>
           <a:bodyPr lIns="0" rIns="0" tIns="0" bIns="0"/>
           <a:p>
-            <a:pPr marL="432000" indent="-324000">
+            <a:pPr marL="432000" indent="-323640">
+              <a:lnSpc>
+                <a:spcPct val="100000"/>
+              </a:lnSpc>
               <a:buClr>
                 <a:srgbClr val="000000"/>
               </a:buClr>
@@ -3137,20 +4894,23 @@
               </a:rPr>
               <a:t>#Functions that operate on other funcitons are called "Higher order functions." You probably won't write your own for a little while. But there are higher order functions built into Python that you might find useful to call.</a:t>
             </a:r>
-            <a:endParaRPr b="0" lang="en-US" sz="3200" spc="-1" strike="noStrike">
-              <a:solidFill>
-                <a:srgbClr val="000000"/>
-              </a:solidFill>
-              <a:uFill>
-                <a:solidFill>
-                  <a:srgbClr val="ffffff"/>
-                </a:solidFill>
-              </a:uFill>
-              <a:latin typeface="Arial"/>
-            </a:endParaRPr>
-          </a:p>
-          <a:p>
-            <a:pPr marL="432000" indent="-324000">
+            <a:endParaRPr b="0" lang="en-US" sz="1800" spc="-1" strike="noStrike">
+              <a:solidFill>
+                <a:srgbClr val="000000"/>
+              </a:solidFill>
+              <a:uFill>
+                <a:solidFill>
+                  <a:srgbClr val="ffffff"/>
+                </a:solidFill>
+              </a:uFill>
+              <a:latin typeface="Arial"/>
+            </a:endParaRPr>
+          </a:p>
+          <a:p>
+            <a:pPr marL="432000" indent="-323640">
+              <a:lnSpc>
+                <a:spcPct val="100000"/>
+              </a:lnSpc>
               <a:buClr>
                 <a:srgbClr val="000000"/>
               </a:buClr>
@@ -3172,20 +4932,23 @@
               </a:rPr>
               <a:t>#Here's an interesting example using the max function.</a:t>
             </a:r>
-            <a:endParaRPr b="0" lang="en-US" sz="3200" spc="-1" strike="noStrike">
-              <a:solidFill>
-                <a:srgbClr val="000000"/>
-              </a:solidFill>
-              <a:uFill>
-                <a:solidFill>
-                  <a:srgbClr val="ffffff"/>
-                </a:solidFill>
-              </a:uFill>
-              <a:latin typeface="Arial"/>
-            </a:endParaRPr>
-          </a:p>
-          <a:p>
-            <a:pPr marL="432000" indent="-324000">
+            <a:endParaRPr b="0" lang="en-US" sz="1800" spc="-1" strike="noStrike">
+              <a:solidFill>
+                <a:srgbClr val="000000"/>
+              </a:solidFill>
+              <a:uFill>
+                <a:solidFill>
+                  <a:srgbClr val="ffffff"/>
+                </a:solidFill>
+              </a:uFill>
+              <a:latin typeface="Arial"/>
+            </a:endParaRPr>
+          </a:p>
+          <a:p>
+            <a:pPr marL="432000" indent="-323640">
+              <a:lnSpc>
+                <a:spcPct val="100000"/>
+              </a:lnSpc>
               <a:buClr>
                 <a:srgbClr val="000000"/>
               </a:buClr>
@@ -3207,20 +4970,23 @@
               </a:rPr>
               <a:t>#By default, max returns the largest of its arguments. But if we pass in a function using the optional key argument, it returns the argument x that maximizes key(x) (aka the 'argmax').</a:t>
             </a:r>
-            <a:endParaRPr b="0" lang="en-US" sz="3200" spc="-1" strike="noStrike">
-              <a:solidFill>
-                <a:srgbClr val="000000"/>
-              </a:solidFill>
-              <a:uFill>
-                <a:solidFill>
-                  <a:srgbClr val="ffffff"/>
-                </a:solidFill>
-              </a:uFill>
-              <a:latin typeface="Arial"/>
-            </a:endParaRPr>
-          </a:p>
-          <a:p>
-            <a:pPr marL="432000" indent="-324000">
+            <a:endParaRPr b="0" lang="en-US" sz="1800" spc="-1" strike="noStrike">
+              <a:solidFill>
+                <a:srgbClr val="000000"/>
+              </a:solidFill>
+              <a:uFill>
+                <a:solidFill>
+                  <a:srgbClr val="ffffff"/>
+                </a:solidFill>
+              </a:uFill>
+              <a:latin typeface="Arial"/>
+            </a:endParaRPr>
+          </a:p>
+          <a:p>
+            <a:pPr marL="432000" indent="-323640">
+              <a:lnSpc>
+                <a:spcPct val="100000"/>
+              </a:lnSpc>
               <a:buClr>
                 <a:srgbClr val="000000"/>
               </a:buClr>
@@ -3242,20 +5008,23 @@
               </a:rPr>
               <a:t>def mod_5(x):</a:t>
             </a:r>
-            <a:endParaRPr b="0" lang="en-US" sz="3200" spc="-1" strike="noStrike">
-              <a:solidFill>
-                <a:srgbClr val="000000"/>
-              </a:solidFill>
-              <a:uFill>
-                <a:solidFill>
-                  <a:srgbClr val="ffffff"/>
-                </a:solidFill>
-              </a:uFill>
-              <a:latin typeface="Arial"/>
-            </a:endParaRPr>
-          </a:p>
-          <a:p>
-            <a:pPr marL="432000" indent="-324000">
+            <a:endParaRPr b="0" lang="en-US" sz="1800" spc="-1" strike="noStrike">
+              <a:solidFill>
+                <a:srgbClr val="000000"/>
+              </a:solidFill>
+              <a:uFill>
+                <a:solidFill>
+                  <a:srgbClr val="ffffff"/>
+                </a:solidFill>
+              </a:uFill>
+              <a:latin typeface="Arial"/>
+            </a:endParaRPr>
+          </a:p>
+          <a:p>
+            <a:pPr marL="432000" indent="-323640">
+              <a:lnSpc>
+                <a:spcPct val="100000"/>
+              </a:lnSpc>
               <a:buClr>
                 <a:srgbClr val="000000"/>
               </a:buClr>
@@ -3291,20 +5060,23 @@
               </a:rPr>
               <a:t>"""Return the remainder of x after dividing by 5"""</a:t>
             </a:r>
-            <a:endParaRPr b="0" lang="en-US" sz="3200" spc="-1" strike="noStrike">
-              <a:solidFill>
-                <a:srgbClr val="000000"/>
-              </a:solidFill>
-              <a:uFill>
-                <a:solidFill>
-                  <a:srgbClr val="ffffff"/>
-                </a:solidFill>
-              </a:uFill>
-              <a:latin typeface="Arial"/>
-            </a:endParaRPr>
-          </a:p>
-          <a:p>
-            <a:pPr marL="432000" indent="-324000">
+            <a:endParaRPr b="0" lang="en-US" sz="1800" spc="-1" strike="noStrike">
+              <a:solidFill>
+                <a:srgbClr val="000000"/>
+              </a:solidFill>
+              <a:uFill>
+                <a:solidFill>
+                  <a:srgbClr val="ffffff"/>
+                </a:solidFill>
+              </a:uFill>
+              <a:latin typeface="Arial"/>
+            </a:endParaRPr>
+          </a:p>
+          <a:p>
+            <a:pPr marL="432000" indent="-323640">
+              <a:lnSpc>
+                <a:spcPct val="100000"/>
+              </a:lnSpc>
               <a:buClr>
                 <a:srgbClr val="000000"/>
               </a:buClr>
@@ -3340,20 +5112,23 @@
               </a:rPr>
               <a:t>return x % 5</a:t>
             </a:r>
-            <a:endParaRPr b="0" lang="en-US" sz="3200" spc="-1" strike="noStrike">
-              <a:solidFill>
-                <a:srgbClr val="000000"/>
-              </a:solidFill>
-              <a:uFill>
-                <a:solidFill>
-                  <a:srgbClr val="ffffff"/>
-                </a:solidFill>
-              </a:uFill>
-              <a:latin typeface="Arial"/>
-            </a:endParaRPr>
-          </a:p>
-          <a:p>
-            <a:pPr marL="432000" indent="-324000">
+            <a:endParaRPr b="0" lang="en-US" sz="1800" spc="-1" strike="noStrike">
+              <a:solidFill>
+                <a:srgbClr val="000000"/>
+              </a:solidFill>
+              <a:uFill>
+                <a:solidFill>
+                  <a:srgbClr val="ffffff"/>
+                </a:solidFill>
+              </a:uFill>
+              <a:latin typeface="Arial"/>
+            </a:endParaRPr>
+          </a:p>
+          <a:p>
+            <a:pPr marL="432000" indent="-323640">
+              <a:lnSpc>
+                <a:spcPct val="100000"/>
+              </a:lnSpc>
               <a:buClr>
                 <a:srgbClr val="000000"/>
               </a:buClr>
@@ -3375,20 +5150,23 @@
               </a:rPr>
               <a:t> </a:t>
             </a:r>
-            <a:endParaRPr b="0" lang="en-US" sz="3200" spc="-1" strike="noStrike">
-              <a:solidFill>
-                <a:srgbClr val="000000"/>
-              </a:solidFill>
-              <a:uFill>
-                <a:solidFill>
-                  <a:srgbClr val="ffffff"/>
-                </a:solidFill>
-              </a:uFill>
-              <a:latin typeface="Arial"/>
-            </a:endParaRPr>
-          </a:p>
-          <a:p>
-            <a:pPr marL="432000" indent="-324000">
+            <a:endParaRPr b="0" lang="en-US" sz="1800" spc="-1" strike="noStrike">
+              <a:solidFill>
+                <a:srgbClr val="000000"/>
+              </a:solidFill>
+              <a:uFill>
+                <a:solidFill>
+                  <a:srgbClr val="ffffff"/>
+                </a:solidFill>
+              </a:uFill>
+              <a:latin typeface="Arial"/>
+            </a:endParaRPr>
+          </a:p>
+          <a:p>
+            <a:pPr marL="432000" indent="-323640">
+              <a:lnSpc>
+                <a:spcPct val="100000"/>
+              </a:lnSpc>
               <a:buClr>
                 <a:srgbClr val="000000"/>
               </a:buClr>
@@ -3410,20 +5188,23 @@
               </a:rPr>
               <a:t>print(</a:t>
             </a:r>
-            <a:endParaRPr b="0" lang="en-US" sz="3200" spc="-1" strike="noStrike">
-              <a:solidFill>
-                <a:srgbClr val="000000"/>
-              </a:solidFill>
-              <a:uFill>
-                <a:solidFill>
-                  <a:srgbClr val="ffffff"/>
-                </a:solidFill>
-              </a:uFill>
-              <a:latin typeface="Arial"/>
-            </a:endParaRPr>
-          </a:p>
-          <a:p>
-            <a:pPr marL="432000" indent="-324000">
+            <a:endParaRPr b="0" lang="en-US" sz="1800" spc="-1" strike="noStrike">
+              <a:solidFill>
+                <a:srgbClr val="000000"/>
+              </a:solidFill>
+              <a:uFill>
+                <a:solidFill>
+                  <a:srgbClr val="ffffff"/>
+                </a:solidFill>
+              </a:uFill>
+              <a:latin typeface="Arial"/>
+            </a:endParaRPr>
+          </a:p>
+          <a:p>
+            <a:pPr marL="432000" indent="-323640">
+              <a:lnSpc>
+                <a:spcPct val="100000"/>
+              </a:lnSpc>
               <a:buClr>
                 <a:srgbClr val="000000"/>
               </a:buClr>
@@ -3459,20 +5240,23 @@
               </a:rPr>
               <a:t>'Which number is biggest?',</a:t>
             </a:r>
-            <a:endParaRPr b="0" lang="en-US" sz="3200" spc="-1" strike="noStrike">
-              <a:solidFill>
-                <a:srgbClr val="000000"/>
-              </a:solidFill>
-              <a:uFill>
-                <a:solidFill>
-                  <a:srgbClr val="ffffff"/>
-                </a:solidFill>
-              </a:uFill>
-              <a:latin typeface="Arial"/>
-            </a:endParaRPr>
-          </a:p>
-          <a:p>
-            <a:pPr marL="432000" indent="-324000">
+            <a:endParaRPr b="0" lang="en-US" sz="1800" spc="-1" strike="noStrike">
+              <a:solidFill>
+                <a:srgbClr val="000000"/>
+              </a:solidFill>
+              <a:uFill>
+                <a:solidFill>
+                  <a:srgbClr val="ffffff"/>
+                </a:solidFill>
+              </a:uFill>
+              <a:latin typeface="Arial"/>
+            </a:endParaRPr>
+          </a:p>
+          <a:p>
+            <a:pPr marL="432000" indent="-323640">
+              <a:lnSpc>
+                <a:spcPct val="100000"/>
+              </a:lnSpc>
               <a:buClr>
                 <a:srgbClr val="000000"/>
               </a:buClr>
@@ -3508,20 +5292,23 @@
               </a:rPr>
               <a:t>max(100, 51, 14),</a:t>
             </a:r>
-            <a:endParaRPr b="0" lang="en-US" sz="3200" spc="-1" strike="noStrike">
-              <a:solidFill>
-                <a:srgbClr val="000000"/>
-              </a:solidFill>
-              <a:uFill>
-                <a:solidFill>
-                  <a:srgbClr val="ffffff"/>
-                </a:solidFill>
-              </a:uFill>
-              <a:latin typeface="Arial"/>
-            </a:endParaRPr>
-          </a:p>
-          <a:p>
-            <a:pPr marL="432000" indent="-324000">
+            <a:endParaRPr b="0" lang="en-US" sz="1800" spc="-1" strike="noStrike">
+              <a:solidFill>
+                <a:srgbClr val="000000"/>
+              </a:solidFill>
+              <a:uFill>
+                <a:solidFill>
+                  <a:srgbClr val="ffffff"/>
+                </a:solidFill>
+              </a:uFill>
+              <a:latin typeface="Arial"/>
+            </a:endParaRPr>
+          </a:p>
+          <a:p>
+            <a:pPr marL="432000" indent="-323640">
+              <a:lnSpc>
+                <a:spcPct val="100000"/>
+              </a:lnSpc>
               <a:buClr>
                 <a:srgbClr val="000000"/>
               </a:buClr>
@@ -3557,20 +5344,23 @@
               </a:rPr>
               <a:t>'Which number is the biggest modulo 5?',</a:t>
             </a:r>
-            <a:endParaRPr b="0" lang="en-US" sz="3200" spc="-1" strike="noStrike">
-              <a:solidFill>
-                <a:srgbClr val="000000"/>
-              </a:solidFill>
-              <a:uFill>
-                <a:solidFill>
-                  <a:srgbClr val="ffffff"/>
-                </a:solidFill>
-              </a:uFill>
-              <a:latin typeface="Arial"/>
-            </a:endParaRPr>
-          </a:p>
-          <a:p>
-            <a:pPr marL="432000" indent="-324000">
+            <a:endParaRPr b="0" lang="en-US" sz="1800" spc="-1" strike="noStrike">
+              <a:solidFill>
+                <a:srgbClr val="000000"/>
+              </a:solidFill>
+              <a:uFill>
+                <a:solidFill>
+                  <a:srgbClr val="ffffff"/>
+                </a:solidFill>
+              </a:uFill>
+              <a:latin typeface="Arial"/>
+            </a:endParaRPr>
+          </a:p>
+          <a:p>
+            <a:pPr marL="432000" indent="-323640">
+              <a:lnSpc>
+                <a:spcPct val="100000"/>
+              </a:lnSpc>
               <a:buClr>
                 <a:srgbClr val="000000"/>
               </a:buClr>
@@ -3606,20 +5396,23 @@
               </a:rPr>
               <a:t>max(100, 51, 14, key=mod_5),</a:t>
             </a:r>
-            <a:endParaRPr b="0" lang="en-US" sz="3200" spc="-1" strike="noStrike">
-              <a:solidFill>
-                <a:srgbClr val="000000"/>
-              </a:solidFill>
-              <a:uFill>
-                <a:solidFill>
-                  <a:srgbClr val="ffffff"/>
-                </a:solidFill>
-              </a:uFill>
-              <a:latin typeface="Arial"/>
-            </a:endParaRPr>
-          </a:p>
-          <a:p>
-            <a:pPr marL="432000" indent="-324000">
+            <a:endParaRPr b="0" lang="en-US" sz="1800" spc="-1" strike="noStrike">
+              <a:solidFill>
+                <a:srgbClr val="000000"/>
+              </a:solidFill>
+              <a:uFill>
+                <a:solidFill>
+                  <a:srgbClr val="ffffff"/>
+                </a:solidFill>
+              </a:uFill>
+              <a:latin typeface="Arial"/>
+            </a:endParaRPr>
+          </a:p>
+          <a:p>
+            <a:pPr marL="432000" indent="-323640">
+              <a:lnSpc>
+                <a:spcPct val="100000"/>
+              </a:lnSpc>
               <a:buClr>
                 <a:srgbClr val="000000"/>
               </a:buClr>
@@ -3655,20 +5448,23 @@
               </a:rPr>
               <a:t>sep='\n',</a:t>
             </a:r>
-            <a:endParaRPr b="0" lang="en-US" sz="3200" spc="-1" strike="noStrike">
-              <a:solidFill>
-                <a:srgbClr val="000000"/>
-              </a:solidFill>
-              <a:uFill>
-                <a:solidFill>
-                  <a:srgbClr val="ffffff"/>
-                </a:solidFill>
-              </a:uFill>
-              <a:latin typeface="Arial"/>
-            </a:endParaRPr>
-          </a:p>
-          <a:p>
-            <a:pPr marL="432000" indent="-324000">
+            <a:endParaRPr b="0" lang="en-US" sz="1800" spc="-1" strike="noStrike">
+              <a:solidFill>
+                <a:srgbClr val="000000"/>
+              </a:solidFill>
+              <a:uFill>
+                <a:solidFill>
+                  <a:srgbClr val="ffffff"/>
+                </a:solidFill>
+              </a:uFill>
+              <a:latin typeface="Arial"/>
+            </a:endParaRPr>
+          </a:p>
+          <a:p>
+            <a:pPr marL="432000" indent="-323640">
+              <a:lnSpc>
+                <a:spcPct val="100000"/>
+              </a:lnSpc>
               <a:buClr>
                 <a:srgbClr val="000000"/>
               </a:buClr>
@@ -3690,20 +5486,23 @@
               </a:rPr>
               <a:t>)</a:t>
             </a:r>
-            <a:endParaRPr b="0" lang="en-US" sz="3200" spc="-1" strike="noStrike">
-              <a:solidFill>
-                <a:srgbClr val="000000"/>
-              </a:solidFill>
-              <a:uFill>
-                <a:solidFill>
-                  <a:srgbClr val="ffffff"/>
-                </a:solidFill>
-              </a:uFill>
-              <a:latin typeface="Arial"/>
-            </a:endParaRPr>
-          </a:p>
-          <a:p>
-            <a:pPr marL="432000" indent="-324000">
+            <a:endParaRPr b="0" lang="en-US" sz="1800" spc="-1" strike="noStrike">
+              <a:solidFill>
+                <a:srgbClr val="000000"/>
+              </a:solidFill>
+              <a:uFill>
+                <a:solidFill>
+                  <a:srgbClr val="ffffff"/>
+                </a:solidFill>
+              </a:uFill>
+              <a:latin typeface="Arial"/>
+            </a:endParaRPr>
+          </a:p>
+          <a:p>
+            <a:pPr marL="432000" indent="-323640">
+              <a:lnSpc>
+                <a:spcPct val="100000"/>
+              </a:lnSpc>
               <a:buClr>
                 <a:srgbClr val="000000"/>
               </a:buClr>
@@ -3725,7 +5524,7 @@
               </a:rPr>
               <a:t>Above code returns 14</a:t>
             </a:r>
-            <a:endParaRPr b="0" lang="en-US" sz="3200" spc="-1" strike="noStrike">
+            <a:endParaRPr b="0" lang="en-US" sz="1800" spc="-1" strike="noStrike">
               <a:solidFill>
                 <a:srgbClr val="000000"/>
               </a:solidFill>
@@ -3790,14 +5589,14 @@
       </p:grpSpPr>
       <p:sp>
         <p:nvSpPr>
-          <p:cNvPr id="61" name="TextShape 1"/>
-          <p:cNvSpPr txBox="1"/>
+          <p:cNvPr id="94" name="CustomShape 1"/>
+          <p:cNvSpPr/>
           <p:nvPr/>
         </p:nvSpPr>
         <p:spPr>
           <a:xfrm>
             <a:off x="504000" y="301320"/>
-            <a:ext cx="9071640" cy="1262160"/>
+            <a:ext cx="9071280" cy="1261800"/>
           </a:xfrm>
           <a:prstGeom prst="rect">
             <a:avLst/>
@@ -3807,10 +5606,20 @@
             <a:noFill/>
           </a:ln>
         </p:spPr>
+        <p:style>
+          <a:lnRef idx="0"/>
+          <a:fillRef idx="0"/>
+          <a:effectRef idx="0"/>
+          <a:fontRef idx="minor"/>
+        </p:style>
         <p:txBody>
           <a:bodyPr lIns="0" rIns="0" tIns="0" bIns="0" anchor="ctr"/>
           <a:p>
-            <a:pPr algn="ctr"/>
+            <a:pPr algn="ctr">
+              <a:lnSpc>
+                <a:spcPct val="100000"/>
+              </a:lnSpc>
+            </a:pPr>
             <a:r>
               <a:rPr b="0" lang="en-US" sz="4400" spc="-1" strike="noStrike">
                 <a:solidFill>
@@ -3825,30 +5634,30 @@
               </a:rPr>
               <a:t>Comparisons are clever but not too much</a:t>
             </a:r>
-            <a:endParaRPr b="0" lang="en-US" sz="4400" spc="-1" strike="noStrike">
-              <a:solidFill>
-                <a:srgbClr val="000000"/>
-              </a:solidFill>
-              <a:uFill>
-                <a:solidFill>
-                  <a:srgbClr val="ffffff"/>
-                </a:solidFill>
-              </a:uFill>
-              <a:latin typeface="Arial"/>
-            </a:endParaRPr>
-          </a:p>
-        </p:txBody>
-      </p:sp>
-      <p:sp>
-        <p:nvSpPr>
-          <p:cNvPr id="62" name="TextShape 2"/>
-          <p:cNvSpPr txBox="1"/>
+            <a:endParaRPr b="0" lang="en-US" sz="1800" spc="-1" strike="noStrike">
+              <a:solidFill>
+                <a:srgbClr val="000000"/>
+              </a:solidFill>
+              <a:uFill>
+                <a:solidFill>
+                  <a:srgbClr val="ffffff"/>
+                </a:solidFill>
+              </a:uFill>
+              <a:latin typeface="Arial"/>
+            </a:endParaRPr>
+          </a:p>
+        </p:txBody>
+      </p:sp>
+      <p:sp>
+        <p:nvSpPr>
+          <p:cNvPr id="95" name="CustomShape 2"/>
+          <p:cNvSpPr/>
           <p:nvPr/>
         </p:nvSpPr>
         <p:spPr>
           <a:xfrm>
             <a:off x="504000" y="1769040"/>
-            <a:ext cx="9071640" cy="4384440"/>
+            <a:ext cx="9071280" cy="4384080"/>
           </a:xfrm>
           <a:prstGeom prst="rect">
             <a:avLst/>
@@ -3858,10 +5667,19 @@
             <a:noFill/>
           </a:ln>
         </p:spPr>
+        <p:style>
+          <a:lnRef idx="0"/>
+          <a:fillRef idx="0"/>
+          <a:effectRef idx="0"/>
+          <a:fontRef idx="minor"/>
+        </p:style>
         <p:txBody>
           <a:bodyPr lIns="0" rIns="0" tIns="0" bIns="0"/>
           <a:p>
-            <a:pPr marL="432000" indent="-324000">
+            <a:pPr marL="432000" indent="-323640">
+              <a:lnSpc>
+                <a:spcPct val="100000"/>
+              </a:lnSpc>
               <a:buClr>
                 <a:srgbClr val="000000"/>
               </a:buClr>
@@ -3883,20 +5701,23 @@
               </a:rPr>
               <a:t> </a:t>
             </a:r>
-            <a:endParaRPr b="0" lang="en-US" sz="3200" spc="-1" strike="noStrike">
-              <a:solidFill>
-                <a:srgbClr val="000000"/>
-              </a:solidFill>
-              <a:uFill>
-                <a:solidFill>
-                  <a:srgbClr val="ffffff"/>
-                </a:solidFill>
-              </a:uFill>
-              <a:latin typeface="Arial"/>
-            </a:endParaRPr>
-          </a:p>
-          <a:p>
-            <a:pPr marL="432000" indent="-324000">
+            <a:endParaRPr b="0" lang="en-US" sz="1800" spc="-1" strike="noStrike">
+              <a:solidFill>
+                <a:srgbClr val="000000"/>
+              </a:solidFill>
+              <a:uFill>
+                <a:solidFill>
+                  <a:srgbClr val="ffffff"/>
+                </a:solidFill>
+              </a:uFill>
+              <a:latin typeface="Arial"/>
+            </a:endParaRPr>
+          </a:p>
+          <a:p>
+            <a:pPr marL="432000" indent="-323640">
+              <a:lnSpc>
+                <a:spcPct val="100000"/>
+              </a:lnSpc>
               <a:buClr>
                 <a:srgbClr val="000000"/>
               </a:buClr>
@@ -3918,20 +5739,23 @@
               </a:rPr>
               <a:t> </a:t>
             </a:r>
-            <a:endParaRPr b="0" lang="en-US" sz="3200" spc="-1" strike="noStrike">
-              <a:solidFill>
-                <a:srgbClr val="000000"/>
-              </a:solidFill>
-              <a:uFill>
-                <a:solidFill>
-                  <a:srgbClr val="ffffff"/>
-                </a:solidFill>
-              </a:uFill>
-              <a:latin typeface="Arial"/>
-            </a:endParaRPr>
-          </a:p>
-          <a:p>
-            <a:pPr marL="432000" indent="-324000">
+            <a:endParaRPr b="0" lang="en-US" sz="1800" spc="-1" strike="noStrike">
+              <a:solidFill>
+                <a:srgbClr val="000000"/>
+              </a:solidFill>
+              <a:uFill>
+                <a:solidFill>
+                  <a:srgbClr val="ffffff"/>
+                </a:solidFill>
+              </a:uFill>
+              <a:latin typeface="Arial"/>
+            </a:endParaRPr>
+          </a:p>
+          <a:p>
+            <a:pPr marL="432000" indent="-323640">
+              <a:lnSpc>
+                <a:spcPct val="100000"/>
+              </a:lnSpc>
               <a:buClr>
                 <a:srgbClr val="000000"/>
               </a:buClr>
@@ -3953,20 +5777,23 @@
               </a:rPr>
               <a:t>Comparisons are a little bit clever...</a:t>
             </a:r>
-            <a:endParaRPr b="0" lang="en-US" sz="3200" spc="-1" strike="noStrike">
-              <a:solidFill>
-                <a:srgbClr val="000000"/>
-              </a:solidFill>
-              <a:uFill>
-                <a:solidFill>
-                  <a:srgbClr val="ffffff"/>
-                </a:solidFill>
-              </a:uFill>
-              <a:latin typeface="Arial"/>
-            </a:endParaRPr>
-          </a:p>
-          <a:p>
-            <a:pPr marL="432000" indent="-324000">
+            <a:endParaRPr b="0" lang="en-US" sz="1800" spc="-1" strike="noStrike">
+              <a:solidFill>
+                <a:srgbClr val="000000"/>
+              </a:solidFill>
+              <a:uFill>
+                <a:solidFill>
+                  <a:srgbClr val="ffffff"/>
+                </a:solidFill>
+              </a:uFill>
+              <a:latin typeface="Arial"/>
+            </a:endParaRPr>
+          </a:p>
+          <a:p>
+            <a:pPr marL="432000" indent="-323640">
+              <a:lnSpc>
+                <a:spcPct val="100000"/>
+              </a:lnSpc>
               <a:buClr>
                 <a:srgbClr val="000000"/>
               </a:buClr>
@@ -3988,20 +5815,23 @@
               </a:rPr>
               <a:t> </a:t>
             </a:r>
-            <a:endParaRPr b="0" lang="en-US" sz="3200" spc="-1" strike="noStrike">
-              <a:solidFill>
-                <a:srgbClr val="000000"/>
-              </a:solidFill>
-              <a:uFill>
-                <a:solidFill>
-                  <a:srgbClr val="ffffff"/>
-                </a:solidFill>
-              </a:uFill>
-              <a:latin typeface="Arial"/>
-            </a:endParaRPr>
-          </a:p>
-          <a:p>
-            <a:pPr marL="432000" indent="-324000">
+            <a:endParaRPr b="0" lang="en-US" sz="1800" spc="-1" strike="noStrike">
+              <a:solidFill>
+                <a:srgbClr val="000000"/>
+              </a:solidFill>
+              <a:uFill>
+                <a:solidFill>
+                  <a:srgbClr val="ffffff"/>
+                </a:solidFill>
+              </a:uFill>
+              <a:latin typeface="Arial"/>
+            </a:endParaRPr>
+          </a:p>
+          <a:p>
+            <a:pPr marL="432000" indent="-323640">
+              <a:lnSpc>
+                <a:spcPct val="100000"/>
+              </a:lnSpc>
               <a:buClr>
                 <a:srgbClr val="000000"/>
               </a:buClr>
@@ -4023,20 +5853,23 @@
               </a:rPr>
               <a:t>3.0 == 3</a:t>
             </a:r>
-            <a:endParaRPr b="0" lang="en-US" sz="3200" spc="-1" strike="noStrike">
-              <a:solidFill>
-                <a:srgbClr val="000000"/>
-              </a:solidFill>
-              <a:uFill>
-                <a:solidFill>
-                  <a:srgbClr val="ffffff"/>
-                </a:solidFill>
-              </a:uFill>
-              <a:latin typeface="Arial"/>
-            </a:endParaRPr>
-          </a:p>
-          <a:p>
-            <a:pPr marL="432000" indent="-324000">
+            <a:endParaRPr b="0" lang="en-US" sz="1800" spc="-1" strike="noStrike">
+              <a:solidFill>
+                <a:srgbClr val="000000"/>
+              </a:solidFill>
+              <a:uFill>
+                <a:solidFill>
+                  <a:srgbClr val="ffffff"/>
+                </a:solidFill>
+              </a:uFill>
+              <a:latin typeface="Arial"/>
+            </a:endParaRPr>
+          </a:p>
+          <a:p>
+            <a:pPr marL="432000" indent="-323640">
+              <a:lnSpc>
+                <a:spcPct val="100000"/>
+              </a:lnSpc>
               <a:buClr>
                 <a:srgbClr val="000000"/>
               </a:buClr>
@@ -4058,20 +5891,23 @@
               </a:rPr>
               <a:t> </a:t>
             </a:r>
-            <a:endParaRPr b="0" lang="en-US" sz="3200" spc="-1" strike="noStrike">
-              <a:solidFill>
-                <a:srgbClr val="000000"/>
-              </a:solidFill>
-              <a:uFill>
-                <a:solidFill>
-                  <a:srgbClr val="ffffff"/>
-                </a:solidFill>
-              </a:uFill>
-              <a:latin typeface="Arial"/>
-            </a:endParaRPr>
-          </a:p>
-          <a:p>
-            <a:pPr marL="432000" indent="-324000">
+            <a:endParaRPr b="0" lang="en-US" sz="1800" spc="-1" strike="noStrike">
+              <a:solidFill>
+                <a:srgbClr val="000000"/>
+              </a:solidFill>
+              <a:uFill>
+                <a:solidFill>
+                  <a:srgbClr val="ffffff"/>
+                </a:solidFill>
+              </a:uFill>
+              <a:latin typeface="Arial"/>
+            </a:endParaRPr>
+          </a:p>
+          <a:p>
+            <a:pPr marL="432000" indent="-323640">
+              <a:lnSpc>
+                <a:spcPct val="100000"/>
+              </a:lnSpc>
               <a:buClr>
                 <a:srgbClr val="000000"/>
               </a:buClr>
@@ -4093,20 +5929,23 @@
               </a:rPr>
               <a:t>True</a:t>
             </a:r>
-            <a:endParaRPr b="0" lang="en-US" sz="3200" spc="-1" strike="noStrike">
-              <a:solidFill>
-                <a:srgbClr val="000000"/>
-              </a:solidFill>
-              <a:uFill>
-                <a:solidFill>
-                  <a:srgbClr val="ffffff"/>
-                </a:solidFill>
-              </a:uFill>
-              <a:latin typeface="Arial"/>
-            </a:endParaRPr>
-          </a:p>
-          <a:p>
-            <a:pPr marL="432000" indent="-324000">
+            <a:endParaRPr b="0" lang="en-US" sz="1800" spc="-1" strike="noStrike">
+              <a:solidFill>
+                <a:srgbClr val="000000"/>
+              </a:solidFill>
+              <a:uFill>
+                <a:solidFill>
+                  <a:srgbClr val="ffffff"/>
+                </a:solidFill>
+              </a:uFill>
+              <a:latin typeface="Arial"/>
+            </a:endParaRPr>
+          </a:p>
+          <a:p>
+            <a:pPr marL="432000" indent="-323640">
+              <a:lnSpc>
+                <a:spcPct val="100000"/>
+              </a:lnSpc>
               <a:buClr>
                 <a:srgbClr val="000000"/>
               </a:buClr>
@@ -4128,20 +5967,23 @@
               </a:rPr>
               <a:t> </a:t>
             </a:r>
-            <a:endParaRPr b="0" lang="en-US" sz="3200" spc="-1" strike="noStrike">
-              <a:solidFill>
-                <a:srgbClr val="000000"/>
-              </a:solidFill>
-              <a:uFill>
-                <a:solidFill>
-                  <a:srgbClr val="ffffff"/>
-                </a:solidFill>
-              </a:uFill>
-              <a:latin typeface="Arial"/>
-            </a:endParaRPr>
-          </a:p>
-          <a:p>
-            <a:pPr marL="432000" indent="-324000">
+            <a:endParaRPr b="0" lang="en-US" sz="1800" spc="-1" strike="noStrike">
+              <a:solidFill>
+                <a:srgbClr val="000000"/>
+              </a:solidFill>
+              <a:uFill>
+                <a:solidFill>
+                  <a:srgbClr val="ffffff"/>
+                </a:solidFill>
+              </a:uFill>
+              <a:latin typeface="Arial"/>
+            </a:endParaRPr>
+          </a:p>
+          <a:p>
+            <a:pPr marL="432000" indent="-323640">
+              <a:lnSpc>
+                <a:spcPct val="100000"/>
+              </a:lnSpc>
               <a:buClr>
                 <a:srgbClr val="000000"/>
               </a:buClr>
@@ -4163,20 +6005,23 @@
               </a:rPr>
               <a:t>But not too clever...</a:t>
             </a:r>
-            <a:endParaRPr b="0" lang="en-US" sz="3200" spc="-1" strike="noStrike">
-              <a:solidFill>
-                <a:srgbClr val="000000"/>
-              </a:solidFill>
-              <a:uFill>
-                <a:solidFill>
-                  <a:srgbClr val="ffffff"/>
-                </a:solidFill>
-              </a:uFill>
-              <a:latin typeface="Arial"/>
-            </a:endParaRPr>
-          </a:p>
-          <a:p>
-            <a:pPr marL="432000" indent="-324000">
+            <a:endParaRPr b="0" lang="en-US" sz="1800" spc="-1" strike="noStrike">
+              <a:solidFill>
+                <a:srgbClr val="000000"/>
+              </a:solidFill>
+              <a:uFill>
+                <a:solidFill>
+                  <a:srgbClr val="ffffff"/>
+                </a:solidFill>
+              </a:uFill>
+              <a:latin typeface="Arial"/>
+            </a:endParaRPr>
+          </a:p>
+          <a:p>
+            <a:pPr marL="432000" indent="-323640">
+              <a:lnSpc>
+                <a:spcPct val="100000"/>
+              </a:lnSpc>
               <a:buClr>
                 <a:srgbClr val="000000"/>
               </a:buClr>
@@ -4198,20 +6043,23 @@
               </a:rPr>
               <a:t> </a:t>
             </a:r>
-            <a:endParaRPr b="0" lang="en-US" sz="3200" spc="-1" strike="noStrike">
-              <a:solidFill>
-                <a:srgbClr val="000000"/>
-              </a:solidFill>
-              <a:uFill>
-                <a:solidFill>
-                  <a:srgbClr val="ffffff"/>
-                </a:solidFill>
-              </a:uFill>
-              <a:latin typeface="Arial"/>
-            </a:endParaRPr>
-          </a:p>
-          <a:p>
-            <a:pPr marL="432000" indent="-324000">
+            <a:endParaRPr b="0" lang="en-US" sz="1800" spc="-1" strike="noStrike">
+              <a:solidFill>
+                <a:srgbClr val="000000"/>
+              </a:solidFill>
+              <a:uFill>
+                <a:solidFill>
+                  <a:srgbClr val="ffffff"/>
+                </a:solidFill>
+              </a:uFill>
+              <a:latin typeface="Arial"/>
+            </a:endParaRPr>
+          </a:p>
+          <a:p>
+            <a:pPr marL="432000" indent="-323640">
+              <a:lnSpc>
+                <a:spcPct val="100000"/>
+              </a:lnSpc>
               <a:buClr>
                 <a:srgbClr val="000000"/>
               </a:buClr>
@@ -4233,20 +6081,23 @@
               </a:rPr>
               <a:t>'3' == 3</a:t>
             </a:r>
-            <a:endParaRPr b="0" lang="en-US" sz="3200" spc="-1" strike="noStrike">
-              <a:solidFill>
-                <a:srgbClr val="000000"/>
-              </a:solidFill>
-              <a:uFill>
-                <a:solidFill>
-                  <a:srgbClr val="ffffff"/>
-                </a:solidFill>
-              </a:uFill>
-              <a:latin typeface="Arial"/>
-            </a:endParaRPr>
-          </a:p>
-          <a:p>
-            <a:pPr marL="432000" indent="-324000">
+            <a:endParaRPr b="0" lang="en-US" sz="1800" spc="-1" strike="noStrike">
+              <a:solidFill>
+                <a:srgbClr val="000000"/>
+              </a:solidFill>
+              <a:uFill>
+                <a:solidFill>
+                  <a:srgbClr val="ffffff"/>
+                </a:solidFill>
+              </a:uFill>
+              <a:latin typeface="Arial"/>
+            </a:endParaRPr>
+          </a:p>
+          <a:p>
+            <a:pPr marL="432000" indent="-323640">
+              <a:lnSpc>
+                <a:spcPct val="100000"/>
+              </a:lnSpc>
               <a:buClr>
                 <a:srgbClr val="000000"/>
               </a:buClr>
@@ -4268,20 +6119,23 @@
               </a:rPr>
               <a:t> </a:t>
             </a:r>
-            <a:endParaRPr b="0" lang="en-US" sz="3200" spc="-1" strike="noStrike">
-              <a:solidFill>
-                <a:srgbClr val="000000"/>
-              </a:solidFill>
-              <a:uFill>
-                <a:solidFill>
-                  <a:srgbClr val="ffffff"/>
-                </a:solidFill>
-              </a:uFill>
-              <a:latin typeface="Arial"/>
-            </a:endParaRPr>
-          </a:p>
-          <a:p>
-            <a:pPr marL="432000" indent="-324000">
+            <a:endParaRPr b="0" lang="en-US" sz="1800" spc="-1" strike="noStrike">
+              <a:solidFill>
+                <a:srgbClr val="000000"/>
+              </a:solidFill>
+              <a:uFill>
+                <a:solidFill>
+                  <a:srgbClr val="ffffff"/>
+                </a:solidFill>
+              </a:uFill>
+              <a:latin typeface="Arial"/>
+            </a:endParaRPr>
+          </a:p>
+          <a:p>
+            <a:pPr marL="432000" indent="-323640">
+              <a:lnSpc>
+                <a:spcPct val="100000"/>
+              </a:lnSpc>
               <a:buClr>
                 <a:srgbClr val="000000"/>
               </a:buClr>
@@ -4303,20 +6157,23 @@
               </a:rPr>
               <a:t>False</a:t>
             </a:r>
-            <a:endParaRPr b="0" lang="en-US" sz="3200" spc="-1" strike="noStrike">
-              <a:solidFill>
-                <a:srgbClr val="000000"/>
-              </a:solidFill>
-              <a:uFill>
-                <a:solidFill>
-                  <a:srgbClr val="ffffff"/>
-                </a:solidFill>
-              </a:uFill>
-              <a:latin typeface="Arial"/>
-            </a:endParaRPr>
-          </a:p>
-          <a:p>
-            <a:pPr marL="432000" indent="-324000">
+            <a:endParaRPr b="0" lang="en-US" sz="1800" spc="-1" strike="noStrike">
+              <a:solidFill>
+                <a:srgbClr val="000000"/>
+              </a:solidFill>
+              <a:uFill>
+                <a:solidFill>
+                  <a:srgbClr val="ffffff"/>
+                </a:solidFill>
+              </a:uFill>
+              <a:latin typeface="Arial"/>
+            </a:endParaRPr>
+          </a:p>
+          <a:p>
+            <a:pPr marL="432000" indent="-323640">
+              <a:lnSpc>
+                <a:spcPct val="100000"/>
+              </a:lnSpc>
               <a:buClr>
                 <a:srgbClr val="000000"/>
               </a:buClr>
@@ -4338,20 +6195,23 @@
               </a:rPr>
               <a:t> </a:t>
             </a:r>
-            <a:endParaRPr b="0" lang="en-US" sz="3200" spc="-1" strike="noStrike">
-              <a:solidFill>
-                <a:srgbClr val="000000"/>
-              </a:solidFill>
-              <a:uFill>
-                <a:solidFill>
-                  <a:srgbClr val="ffffff"/>
-                </a:solidFill>
-              </a:uFill>
-              <a:latin typeface="Arial"/>
-            </a:endParaRPr>
-          </a:p>
-          <a:p>
-            <a:pPr marL="432000" indent="-324000">
+            <a:endParaRPr b="0" lang="en-US" sz="1800" spc="-1" strike="noStrike">
+              <a:solidFill>
+                <a:srgbClr val="000000"/>
+              </a:solidFill>
+              <a:uFill>
+                <a:solidFill>
+                  <a:srgbClr val="ffffff"/>
+                </a:solidFill>
+              </a:uFill>
+              <a:latin typeface="Arial"/>
+            </a:endParaRPr>
+          </a:p>
+          <a:p>
+            <a:pPr marL="432000" indent="-323640">
+              <a:lnSpc>
+                <a:spcPct val="100000"/>
+              </a:lnSpc>
               <a:buClr>
                 <a:srgbClr val="000000"/>
               </a:buClr>
@@ -4373,7 +6233,7 @@
               </a:rPr>
               <a:t> </a:t>
             </a:r>
-            <a:endParaRPr b="0" lang="en-US" sz="3200" spc="-1" strike="noStrike">
+            <a:endParaRPr b="0" lang="en-US" sz="1800" spc="-1" strike="noStrike">
               <a:solidFill>
                 <a:srgbClr val="000000"/>
               </a:solidFill>
@@ -4438,14 +6298,14 @@
       </p:grpSpPr>
       <p:sp>
         <p:nvSpPr>
-          <p:cNvPr id="63" name="TextShape 1"/>
-          <p:cNvSpPr txBox="1"/>
+          <p:cNvPr id="96" name="CustomShape 1"/>
+          <p:cNvSpPr/>
           <p:nvPr/>
         </p:nvSpPr>
         <p:spPr>
           <a:xfrm>
             <a:off x="504000" y="301320"/>
-            <a:ext cx="9071640" cy="1262160"/>
+            <a:ext cx="9071280" cy="1261800"/>
           </a:xfrm>
           <a:prstGeom prst="rect">
             <a:avLst/>
@@ -4455,10 +6315,20 @@
             <a:noFill/>
           </a:ln>
         </p:spPr>
+        <p:style>
+          <a:lnRef idx="0"/>
+          <a:fillRef idx="0"/>
+          <a:effectRef idx="0"/>
+          <a:fontRef idx="minor"/>
+        </p:style>
         <p:txBody>
           <a:bodyPr lIns="0" rIns="0" tIns="0" bIns="0" anchor="ctr"/>
           <a:p>
-            <a:pPr algn="ctr"/>
+            <a:pPr algn="ctr">
+              <a:lnSpc>
+                <a:spcPct val="100000"/>
+              </a:lnSpc>
+            </a:pPr>
             <a:r>
               <a:rPr b="0" lang="en-US" sz="4400" spc="-1" strike="noStrike">
                 <a:solidFill>
@@ -4473,30 +6343,30 @@
               </a:rPr>
               <a:t>Python tertionary operation</a:t>
             </a:r>
-            <a:endParaRPr b="0" lang="en-US" sz="4400" spc="-1" strike="noStrike">
-              <a:solidFill>
-                <a:srgbClr val="000000"/>
-              </a:solidFill>
-              <a:uFill>
-                <a:solidFill>
-                  <a:srgbClr val="ffffff"/>
-                </a:solidFill>
-              </a:uFill>
-              <a:latin typeface="Arial"/>
-            </a:endParaRPr>
-          </a:p>
-        </p:txBody>
-      </p:sp>
-      <p:sp>
-        <p:nvSpPr>
-          <p:cNvPr id="64" name="TextShape 2"/>
-          <p:cNvSpPr txBox="1"/>
+            <a:endParaRPr b="0" lang="en-US" sz="1800" spc="-1" strike="noStrike">
+              <a:solidFill>
+                <a:srgbClr val="000000"/>
+              </a:solidFill>
+              <a:uFill>
+                <a:solidFill>
+                  <a:srgbClr val="ffffff"/>
+                </a:solidFill>
+              </a:uFill>
+              <a:latin typeface="Arial"/>
+            </a:endParaRPr>
+          </a:p>
+        </p:txBody>
+      </p:sp>
+      <p:sp>
+        <p:nvSpPr>
+          <p:cNvPr id="97" name="CustomShape 2"/>
+          <p:cNvSpPr/>
           <p:nvPr/>
         </p:nvSpPr>
         <p:spPr>
           <a:xfrm>
             <a:off x="504000" y="1769040"/>
-            <a:ext cx="9071640" cy="4384440"/>
+            <a:ext cx="9071280" cy="4384080"/>
           </a:xfrm>
           <a:prstGeom prst="rect">
             <a:avLst/>
@@ -4506,10 +6376,19 @@
             <a:noFill/>
           </a:ln>
         </p:spPr>
+        <p:style>
+          <a:lnRef idx="0"/>
+          <a:fillRef idx="0"/>
+          <a:effectRef idx="0"/>
+          <a:fontRef idx="minor"/>
+        </p:style>
         <p:txBody>
           <a:bodyPr lIns="0" rIns="0" tIns="0" bIns="0"/>
           <a:p>
-            <a:pPr marL="432000" indent="-324000">
+            <a:pPr marL="432000" indent="-323640">
+              <a:lnSpc>
+                <a:spcPct val="100000"/>
+              </a:lnSpc>
               <a:buClr>
                 <a:srgbClr val="000000"/>
               </a:buClr>
@@ -4531,20 +6410,23 @@
               </a:rPr>
               <a:t>def quiz_message(grade):</a:t>
             </a:r>
-            <a:endParaRPr b="0" lang="en-US" sz="3200" spc="-1" strike="noStrike">
-              <a:solidFill>
-                <a:srgbClr val="000000"/>
-              </a:solidFill>
-              <a:uFill>
-                <a:solidFill>
-                  <a:srgbClr val="ffffff"/>
-                </a:solidFill>
-              </a:uFill>
-              <a:latin typeface="Arial"/>
-            </a:endParaRPr>
-          </a:p>
-          <a:p>
-            <a:pPr marL="432000" indent="-324000">
+            <a:endParaRPr b="0" lang="en-US" sz="1800" spc="-1" strike="noStrike">
+              <a:solidFill>
+                <a:srgbClr val="000000"/>
+              </a:solidFill>
+              <a:uFill>
+                <a:solidFill>
+                  <a:srgbClr val="ffffff"/>
+                </a:solidFill>
+              </a:uFill>
+              <a:latin typeface="Arial"/>
+            </a:endParaRPr>
+          </a:p>
+          <a:p>
+            <a:pPr marL="432000" indent="-323640">
+              <a:lnSpc>
+                <a:spcPct val="100000"/>
+              </a:lnSpc>
               <a:buClr>
                 <a:srgbClr val="000000"/>
               </a:buClr>
@@ -4580,20 +6462,23 @@
               </a:rPr>
               <a:t>outcome = 'failed' if grade &lt; 50 else 'passed'</a:t>
             </a:r>
-            <a:endParaRPr b="0" lang="en-US" sz="3200" spc="-1" strike="noStrike">
-              <a:solidFill>
-                <a:srgbClr val="000000"/>
-              </a:solidFill>
-              <a:uFill>
-                <a:solidFill>
-                  <a:srgbClr val="ffffff"/>
-                </a:solidFill>
-              </a:uFill>
-              <a:latin typeface="Arial"/>
-            </a:endParaRPr>
-          </a:p>
-          <a:p>
-            <a:pPr marL="432000" indent="-324000">
+            <a:endParaRPr b="0" lang="en-US" sz="1800" spc="-1" strike="noStrike">
+              <a:solidFill>
+                <a:srgbClr val="000000"/>
+              </a:solidFill>
+              <a:uFill>
+                <a:solidFill>
+                  <a:srgbClr val="ffffff"/>
+                </a:solidFill>
+              </a:uFill>
+              <a:latin typeface="Arial"/>
+            </a:endParaRPr>
+          </a:p>
+          <a:p>
+            <a:pPr marL="432000" indent="-323640">
+              <a:lnSpc>
+                <a:spcPct val="100000"/>
+              </a:lnSpc>
               <a:buClr>
                 <a:srgbClr val="000000"/>
               </a:buClr>
@@ -4629,20 +6514,23 @@
               </a:rPr>
               <a:t>print('You', outcome, 'the quiz with a grade of', grade)</a:t>
             </a:r>
-            <a:endParaRPr b="0" lang="en-US" sz="3200" spc="-1" strike="noStrike">
-              <a:solidFill>
-                <a:srgbClr val="000000"/>
-              </a:solidFill>
-              <a:uFill>
-                <a:solidFill>
-                  <a:srgbClr val="ffffff"/>
-                </a:solidFill>
-              </a:uFill>
-              <a:latin typeface="Arial"/>
-            </a:endParaRPr>
-          </a:p>
-          <a:p>
-            <a:pPr marL="432000" indent="-324000">
+            <a:endParaRPr b="0" lang="en-US" sz="1800" spc="-1" strike="noStrike">
+              <a:solidFill>
+                <a:srgbClr val="000000"/>
+              </a:solidFill>
+              <a:uFill>
+                <a:solidFill>
+                  <a:srgbClr val="ffffff"/>
+                </a:solidFill>
+              </a:uFill>
+              <a:latin typeface="Arial"/>
+            </a:endParaRPr>
+          </a:p>
+          <a:p>
+            <a:pPr marL="432000" indent="-323640">
+              <a:lnSpc>
+                <a:spcPct val="100000"/>
+              </a:lnSpc>
               <a:buClr>
                 <a:srgbClr val="000000"/>
               </a:buClr>
@@ -4664,20 +6552,23 @@
               </a:rPr>
               <a:t>    </a:t>
             </a:r>
-            <a:endParaRPr b="0" lang="en-US" sz="3200" spc="-1" strike="noStrike">
-              <a:solidFill>
-                <a:srgbClr val="000000"/>
-              </a:solidFill>
-              <a:uFill>
-                <a:solidFill>
-                  <a:srgbClr val="ffffff"/>
-                </a:solidFill>
-              </a:uFill>
-              <a:latin typeface="Arial"/>
-            </a:endParaRPr>
-          </a:p>
-          <a:p>
-            <a:pPr marL="432000" indent="-324000">
+            <a:endParaRPr b="0" lang="en-US" sz="1800" spc="-1" strike="noStrike">
+              <a:solidFill>
+                <a:srgbClr val="000000"/>
+              </a:solidFill>
+              <a:uFill>
+                <a:solidFill>
+                  <a:srgbClr val="ffffff"/>
+                </a:solidFill>
+              </a:uFill>
+              <a:latin typeface="Arial"/>
+            </a:endParaRPr>
+          </a:p>
+          <a:p>
+            <a:pPr marL="432000" indent="-323640">
+              <a:lnSpc>
+                <a:spcPct val="100000"/>
+              </a:lnSpc>
               <a:buClr>
                 <a:srgbClr val="000000"/>
               </a:buClr>
@@ -4699,7 +6590,7 @@
               </a:rPr>
               <a:t>quiz_message(45)</a:t>
             </a:r>
-            <a:endParaRPr b="0" lang="en-US" sz="3200" spc="-1" strike="noStrike">
+            <a:endParaRPr b="0" lang="en-US" sz="1800" spc="-1" strike="noStrike">
               <a:solidFill>
                 <a:srgbClr val="000000"/>
               </a:solidFill>
@@ -4722,372 +6613,6 @@
           <p:childTnLst>
             <p:seq>
               <p:cTn id="26" nodeType="mainSeq"/>
-              <p:prevCondLst>
-                <p:cond delay="0" evt="onPrev">
-                  <p:tgtEl>
-                    <p:sldTgt/>
-                  </p:tgtEl>
-                </p:cond>
-              </p:prevCondLst>
-              <p:nextCondLst>
-                <p:cond delay="0" evt="onNext">
-                  <p:tgtEl>
-                    <p:sldTgt/>
-                  </p:tgtEl>
-                </p:cond>
-              </p:nextCondLst>
-            </p:seq>
-          </p:childTnLst>
-        </p:cTn>
-      </p:par>
-    </p:tnLst>
-  </p:timing>
-</p:sld>
-</file>
-
-<file path=ppt/slides/slide14.xml><?xml version="1.0" encoding="utf-8"?>
-<p:sld xmlns:a="http://schemas.openxmlformats.org/drawingml/2006/main" xmlns:p="http://schemas.openxmlformats.org/presentationml/2006/main" xmlns:r="http://schemas.openxmlformats.org/officeDocument/2006/relationships" xmlns:p14="http://schemas.microsoft.com/office/powerpoint/2010/main" xmlns:p15="http://schemas.microsoft.com/office/powerpoint/2012/main" xmlns:mc="http://schemas.openxmlformats.org/markup-compatibility/2006">
-  <p:cSld>
-    <p:spTree>
-      <p:nvGrpSpPr>
-        <p:cNvPr id="1" name=""/>
-        <p:cNvGrpSpPr/>
-        <p:nvPr/>
-      </p:nvGrpSpPr>
-      <p:grpSpPr>
-        <a:xfrm>
-          <a:off x="0" y="0"/>
-          <a:ext cx="0" cy="0"/>
-          <a:chOff x="0" y="0"/>
-          <a:chExt cx="0" cy="0"/>
-        </a:xfrm>
-      </p:grpSpPr>
-      <p:sp>
-        <p:nvSpPr>
-          <p:cNvPr id="65" name="TextShape 1"/>
-          <p:cNvSpPr txBox="1"/>
-          <p:nvPr/>
-        </p:nvSpPr>
-        <p:spPr>
-          <a:xfrm>
-            <a:off x="504000" y="301320"/>
-            <a:ext cx="9071640" cy="1262160"/>
-          </a:xfrm>
-          <a:prstGeom prst="rect">
-            <a:avLst/>
-          </a:prstGeom>
-          <a:noFill/>
-          <a:ln>
-            <a:noFill/>
-          </a:ln>
-        </p:spPr>
-        <p:txBody>
-          <a:bodyPr lIns="0" rIns="0" tIns="0" bIns="0" anchor="ctr"/>
-          <a:p>
-            <a:pPr algn="ctr"/>
-            <a:endParaRPr b="0" lang="en-US" sz="4400" spc="-1" strike="noStrike">
-              <a:solidFill>
-                <a:srgbClr val="000000"/>
-              </a:solidFill>
-              <a:uFill>
-                <a:solidFill>
-                  <a:srgbClr val="ffffff"/>
-                </a:solidFill>
-              </a:uFill>
-              <a:latin typeface="Arial"/>
-            </a:endParaRPr>
-          </a:p>
-        </p:txBody>
-      </p:sp>
-      <p:sp>
-        <p:nvSpPr>
-          <p:cNvPr id="66" name="TextShape 2"/>
-          <p:cNvSpPr txBox="1"/>
-          <p:nvPr/>
-        </p:nvSpPr>
-        <p:spPr>
-          <a:xfrm>
-            <a:off x="504000" y="1769040"/>
-            <a:ext cx="9071640" cy="4384440"/>
-          </a:xfrm>
-          <a:prstGeom prst="rect">
-            <a:avLst/>
-          </a:prstGeom>
-          <a:noFill/>
-          <a:ln>
-            <a:noFill/>
-          </a:ln>
-        </p:spPr>
-        <p:txBody>
-          <a:bodyPr lIns="0" rIns="0" tIns="0" bIns="0"/>
-          <a:p>
-            <a:endParaRPr b="0" lang="en-US" sz="3200" spc="-1" strike="noStrike">
-              <a:solidFill>
-                <a:srgbClr val="000000"/>
-              </a:solidFill>
-              <a:uFill>
-                <a:solidFill>
-                  <a:srgbClr val="ffffff"/>
-                </a:solidFill>
-              </a:uFill>
-              <a:latin typeface="Arial"/>
-            </a:endParaRPr>
-          </a:p>
-        </p:txBody>
-      </p:sp>
-    </p:spTree>
-  </p:cSld>
-  <p:timing>
-    <p:tnLst>
-      <p:par>
-        <p:cTn id="27" dur="indefinite" restart="never" nodeType="tmRoot">
-          <p:childTnLst>
-            <p:seq>
-              <p:cTn id="28" nodeType="mainSeq"/>
-              <p:prevCondLst>
-                <p:cond delay="0" evt="onPrev">
-                  <p:tgtEl>
-                    <p:sldTgt/>
-                  </p:tgtEl>
-                </p:cond>
-              </p:prevCondLst>
-              <p:nextCondLst>
-                <p:cond delay="0" evt="onNext">
-                  <p:tgtEl>
-                    <p:sldTgt/>
-                  </p:tgtEl>
-                </p:cond>
-              </p:nextCondLst>
-            </p:seq>
-          </p:childTnLst>
-        </p:cTn>
-      </p:par>
-    </p:tnLst>
-  </p:timing>
-</p:sld>
-</file>
-
-<file path=ppt/slides/slide15.xml><?xml version="1.0" encoding="utf-8"?>
-<p:sld xmlns:a="http://schemas.openxmlformats.org/drawingml/2006/main" xmlns:p="http://schemas.openxmlformats.org/presentationml/2006/main" xmlns:r="http://schemas.openxmlformats.org/officeDocument/2006/relationships" xmlns:p14="http://schemas.microsoft.com/office/powerpoint/2010/main" xmlns:p15="http://schemas.microsoft.com/office/powerpoint/2012/main" xmlns:mc="http://schemas.openxmlformats.org/markup-compatibility/2006">
-  <p:cSld>
-    <p:spTree>
-      <p:nvGrpSpPr>
-        <p:cNvPr id="1" name=""/>
-        <p:cNvGrpSpPr/>
-        <p:nvPr/>
-      </p:nvGrpSpPr>
-      <p:grpSpPr>
-        <a:xfrm>
-          <a:off x="0" y="0"/>
-          <a:ext cx="0" cy="0"/>
-          <a:chOff x="0" y="0"/>
-          <a:chExt cx="0" cy="0"/>
-        </a:xfrm>
-      </p:grpSpPr>
-      <p:sp>
-        <p:nvSpPr>
-          <p:cNvPr id="67" name="TextShape 1"/>
-          <p:cNvSpPr txBox="1"/>
-          <p:nvPr/>
-        </p:nvSpPr>
-        <p:spPr>
-          <a:xfrm>
-            <a:off x="504000" y="301320"/>
-            <a:ext cx="9071640" cy="1262160"/>
-          </a:xfrm>
-          <a:prstGeom prst="rect">
-            <a:avLst/>
-          </a:prstGeom>
-          <a:noFill/>
-          <a:ln>
-            <a:noFill/>
-          </a:ln>
-        </p:spPr>
-        <p:txBody>
-          <a:bodyPr lIns="0" rIns="0" tIns="0" bIns="0" anchor="ctr"/>
-          <a:p>
-            <a:pPr algn="ctr"/>
-            <a:endParaRPr b="0" lang="en-US" sz="4400" spc="-1" strike="noStrike">
-              <a:solidFill>
-                <a:srgbClr val="000000"/>
-              </a:solidFill>
-              <a:uFill>
-                <a:solidFill>
-                  <a:srgbClr val="ffffff"/>
-                </a:solidFill>
-              </a:uFill>
-              <a:latin typeface="Arial"/>
-            </a:endParaRPr>
-          </a:p>
-        </p:txBody>
-      </p:sp>
-      <p:sp>
-        <p:nvSpPr>
-          <p:cNvPr id="68" name="TextShape 2"/>
-          <p:cNvSpPr txBox="1"/>
-          <p:nvPr/>
-        </p:nvSpPr>
-        <p:spPr>
-          <a:xfrm>
-            <a:off x="504000" y="1769040"/>
-            <a:ext cx="9071640" cy="4384440"/>
-          </a:xfrm>
-          <a:prstGeom prst="rect">
-            <a:avLst/>
-          </a:prstGeom>
-          <a:noFill/>
-          <a:ln>
-            <a:noFill/>
-          </a:ln>
-        </p:spPr>
-        <p:txBody>
-          <a:bodyPr lIns="0" rIns="0" tIns="0" bIns="0"/>
-          <a:p>
-            <a:endParaRPr b="0" lang="en-US" sz="3200" spc="-1" strike="noStrike">
-              <a:solidFill>
-                <a:srgbClr val="000000"/>
-              </a:solidFill>
-              <a:uFill>
-                <a:solidFill>
-                  <a:srgbClr val="ffffff"/>
-                </a:solidFill>
-              </a:uFill>
-              <a:latin typeface="Arial"/>
-            </a:endParaRPr>
-          </a:p>
-        </p:txBody>
-      </p:sp>
-    </p:spTree>
-  </p:cSld>
-  <p:timing>
-    <p:tnLst>
-      <p:par>
-        <p:cTn id="29" dur="indefinite" restart="never" nodeType="tmRoot">
-          <p:childTnLst>
-            <p:seq>
-              <p:cTn id="30" nodeType="mainSeq"/>
-              <p:prevCondLst>
-                <p:cond delay="0" evt="onPrev">
-                  <p:tgtEl>
-                    <p:sldTgt/>
-                  </p:tgtEl>
-                </p:cond>
-              </p:prevCondLst>
-              <p:nextCondLst>
-                <p:cond delay="0" evt="onNext">
-                  <p:tgtEl>
-                    <p:sldTgt/>
-                  </p:tgtEl>
-                </p:cond>
-              </p:nextCondLst>
-            </p:seq>
-          </p:childTnLst>
-        </p:cTn>
-      </p:par>
-    </p:tnLst>
-  </p:timing>
-</p:sld>
-</file>
-
-<file path=ppt/slides/slide16.xml><?xml version="1.0" encoding="utf-8"?>
-<p:sld xmlns:a="http://schemas.openxmlformats.org/drawingml/2006/main" xmlns:p="http://schemas.openxmlformats.org/presentationml/2006/main" xmlns:r="http://schemas.openxmlformats.org/officeDocument/2006/relationships" xmlns:p14="http://schemas.microsoft.com/office/powerpoint/2010/main" xmlns:p15="http://schemas.microsoft.com/office/powerpoint/2012/main" xmlns:mc="http://schemas.openxmlformats.org/markup-compatibility/2006">
-  <p:cSld>
-    <p:spTree>
-      <p:nvGrpSpPr>
-        <p:cNvPr id="1" name=""/>
-        <p:cNvGrpSpPr/>
-        <p:nvPr/>
-      </p:nvGrpSpPr>
-      <p:grpSpPr>
-        <a:xfrm>
-          <a:off x="0" y="0"/>
-          <a:ext cx="0" cy="0"/>
-          <a:chOff x="0" y="0"/>
-          <a:chExt cx="0" cy="0"/>
-        </a:xfrm>
-      </p:grpSpPr>
-      <p:sp>
-        <p:nvSpPr>
-          <p:cNvPr id="69" name="TextShape 1"/>
-          <p:cNvSpPr txBox="1"/>
-          <p:nvPr/>
-        </p:nvSpPr>
-        <p:spPr>
-          <a:xfrm>
-            <a:off x="504000" y="301320"/>
-            <a:ext cx="9071640" cy="1262160"/>
-          </a:xfrm>
-          <a:prstGeom prst="rect">
-            <a:avLst/>
-          </a:prstGeom>
-          <a:noFill/>
-          <a:ln>
-            <a:noFill/>
-          </a:ln>
-        </p:spPr>
-        <p:txBody>
-          <a:bodyPr lIns="0" rIns="0" tIns="0" bIns="0" anchor="ctr"/>
-          <a:p>
-            <a:pPr algn="ctr"/>
-            <a:endParaRPr b="0" lang="en-US" sz="4400" spc="-1" strike="noStrike">
-              <a:solidFill>
-                <a:srgbClr val="000000"/>
-              </a:solidFill>
-              <a:uFill>
-                <a:solidFill>
-                  <a:srgbClr val="ffffff"/>
-                </a:solidFill>
-              </a:uFill>
-              <a:latin typeface="Arial"/>
-            </a:endParaRPr>
-          </a:p>
-        </p:txBody>
-      </p:sp>
-      <p:sp>
-        <p:nvSpPr>
-          <p:cNvPr id="70" name="TextShape 2"/>
-          <p:cNvSpPr txBox="1"/>
-          <p:nvPr/>
-        </p:nvSpPr>
-        <p:spPr>
-          <a:xfrm>
-            <a:off x="504000" y="1769040"/>
-            <a:ext cx="9071640" cy="4384440"/>
-          </a:xfrm>
-          <a:prstGeom prst="rect">
-            <a:avLst/>
-          </a:prstGeom>
-          <a:noFill/>
-          <a:ln>
-            <a:noFill/>
-          </a:ln>
-        </p:spPr>
-        <p:txBody>
-          <a:bodyPr lIns="0" rIns="0" tIns="0" bIns="0"/>
-          <a:p>
-            <a:endParaRPr b="0" lang="en-US" sz="3200" spc="-1" strike="noStrike">
-              <a:solidFill>
-                <a:srgbClr val="000000"/>
-              </a:solidFill>
-              <a:uFill>
-                <a:solidFill>
-                  <a:srgbClr val="ffffff"/>
-                </a:solidFill>
-              </a:uFill>
-              <a:latin typeface="Arial"/>
-            </a:endParaRPr>
-          </a:p>
-        </p:txBody>
-      </p:sp>
-    </p:spTree>
-  </p:cSld>
-  <p:timing>
-    <p:tnLst>
-      <p:par>
-        <p:cTn id="31" dur="indefinite" restart="never" nodeType="tmRoot">
-          <p:childTnLst>
-            <p:seq>
-              <p:cTn id="32" nodeType="mainSeq"/>
               <p:prevCondLst>
                 <p:cond delay="0" evt="onPrev">
                   <p:tgtEl>
@@ -5130,14 +6655,14 @@
       </p:grpSpPr>
       <p:sp>
         <p:nvSpPr>
-          <p:cNvPr id="41" name="TextShape 1"/>
-          <p:cNvSpPr txBox="1"/>
+          <p:cNvPr id="74" name="CustomShape 1"/>
+          <p:cNvSpPr/>
           <p:nvPr/>
         </p:nvSpPr>
         <p:spPr>
           <a:xfrm>
             <a:off x="504000" y="301320"/>
-            <a:ext cx="9071640" cy="1262160"/>
+            <a:ext cx="9071280" cy="1261800"/>
           </a:xfrm>
           <a:prstGeom prst="rect">
             <a:avLst/>
@@ -5147,10 +6672,20 @@
             <a:noFill/>
           </a:ln>
         </p:spPr>
+        <p:style>
+          <a:lnRef idx="0"/>
+          <a:fillRef idx="0"/>
+          <a:effectRef idx="0"/>
+          <a:fontRef idx="minor"/>
+        </p:style>
         <p:txBody>
           <a:bodyPr lIns="0" rIns="0" tIns="0" bIns="0" anchor="ctr"/>
           <a:p>
-            <a:pPr algn="ctr"/>
+            <a:pPr algn="ctr">
+              <a:lnSpc>
+                <a:spcPct val="100000"/>
+              </a:lnSpc>
+            </a:pPr>
             <a:r>
               <a:rPr b="0" lang="en-US" sz="4400" spc="-1" strike="noStrike">
                 <a:solidFill>
@@ -5165,30 +6700,30 @@
               </a:rPr>
               <a:t>Kernels</a:t>
             </a:r>
-            <a:endParaRPr b="0" lang="en-US" sz="4400" spc="-1" strike="noStrike">
-              <a:solidFill>
-                <a:srgbClr val="000000"/>
-              </a:solidFill>
-              <a:uFill>
-                <a:solidFill>
-                  <a:srgbClr val="ffffff"/>
-                </a:solidFill>
-              </a:uFill>
-              <a:latin typeface="Arial"/>
-            </a:endParaRPr>
-          </a:p>
-        </p:txBody>
-      </p:sp>
-      <p:sp>
-        <p:nvSpPr>
-          <p:cNvPr id="42" name="TextShape 2"/>
-          <p:cNvSpPr txBox="1"/>
+            <a:endParaRPr b="0" lang="en-US" sz="1800" spc="-1" strike="noStrike">
+              <a:solidFill>
+                <a:srgbClr val="000000"/>
+              </a:solidFill>
+              <a:uFill>
+                <a:solidFill>
+                  <a:srgbClr val="ffffff"/>
+                </a:solidFill>
+              </a:uFill>
+              <a:latin typeface="Arial"/>
+            </a:endParaRPr>
+          </a:p>
+        </p:txBody>
+      </p:sp>
+      <p:sp>
+        <p:nvSpPr>
+          <p:cNvPr id="75" name="CustomShape 2"/>
+          <p:cNvSpPr/>
           <p:nvPr/>
         </p:nvSpPr>
         <p:spPr>
           <a:xfrm>
             <a:off x="504000" y="1769040"/>
-            <a:ext cx="9071640" cy="4384440"/>
+            <a:ext cx="9071280" cy="4384080"/>
           </a:xfrm>
           <a:prstGeom prst="rect">
             <a:avLst/>
@@ -5198,10 +6733,19 @@
             <a:noFill/>
           </a:ln>
         </p:spPr>
+        <p:style>
+          <a:lnRef idx="0"/>
+          <a:fillRef idx="0"/>
+          <a:effectRef idx="0"/>
+          <a:fontRef idx="minor"/>
+        </p:style>
         <p:txBody>
           <a:bodyPr lIns="0" rIns="0" tIns="0" bIns="0"/>
           <a:p>
-            <a:pPr marL="432000" indent="-324000">
+            <a:pPr marL="432000" indent="-323640">
+              <a:lnSpc>
+                <a:spcPct val="100000"/>
+              </a:lnSpc>
               <a:buClr>
                 <a:srgbClr val="000000"/>
               </a:buClr>
@@ -5223,20 +6767,23 @@
               </a:rPr>
               <a:t>Kernels (also known as notebooks) are composed of blocks (called "cells") of text and code. Each of these is editable, though you'll mainly be editing the code cells to answer some questions.</a:t>
             </a:r>
-            <a:endParaRPr b="0" lang="en-US" sz="3200" spc="-1" strike="noStrike">
-              <a:solidFill>
-                <a:srgbClr val="000000"/>
-              </a:solidFill>
-              <a:uFill>
-                <a:solidFill>
-                  <a:srgbClr val="ffffff"/>
-                </a:solidFill>
-              </a:uFill>
-              <a:latin typeface="Arial"/>
-            </a:endParaRPr>
-          </a:p>
-          <a:p>
-            <a:pPr marL="432000" indent="-324000">
+            <a:endParaRPr b="0" lang="en-US" sz="1800" spc="-1" strike="noStrike">
+              <a:solidFill>
+                <a:srgbClr val="000000"/>
+              </a:solidFill>
+              <a:uFill>
+                <a:solidFill>
+                  <a:srgbClr val="ffffff"/>
+                </a:solidFill>
+              </a:uFill>
+              <a:latin typeface="Arial"/>
+            </a:endParaRPr>
+          </a:p>
+          <a:p>
+            <a:pPr marL="432000" indent="-323640">
+              <a:lnSpc>
+                <a:spcPct val="100000"/>
+              </a:lnSpc>
               <a:buClr>
                 <a:srgbClr val="000000"/>
               </a:buClr>
@@ -5258,7 +6805,7 @@
               </a:rPr>
               <a:t>In my understanding of kernels so far they are very similar to jupyter notebooks, they provide a basic interaction with the program challenge and can verify the solutions in a spepwise fashion</a:t>
             </a:r>
-            <a:endParaRPr b="0" lang="en-US" sz="3200" spc="-1" strike="noStrike">
+            <a:endParaRPr b="0" lang="en-US" sz="1800" spc="-1" strike="noStrike">
               <a:solidFill>
                 <a:srgbClr val="000000"/>
               </a:solidFill>
@@ -5323,14 +6870,14 @@
       </p:grpSpPr>
       <p:sp>
         <p:nvSpPr>
-          <p:cNvPr id="43" name="TextShape 1"/>
-          <p:cNvSpPr txBox="1"/>
+          <p:cNvPr id="76" name="CustomShape 1"/>
+          <p:cNvSpPr/>
           <p:nvPr/>
         </p:nvSpPr>
         <p:spPr>
           <a:xfrm>
             <a:off x="504000" y="301320"/>
-            <a:ext cx="9071640" cy="1262160"/>
+            <a:ext cx="9071280" cy="1261800"/>
           </a:xfrm>
           <a:prstGeom prst="rect">
             <a:avLst/>
@@ -5340,10 +6887,20 @@
             <a:noFill/>
           </a:ln>
         </p:spPr>
+        <p:style>
+          <a:lnRef idx="0"/>
+          <a:fillRef idx="0"/>
+          <a:effectRef idx="0"/>
+          <a:fontRef idx="minor"/>
+        </p:style>
         <p:txBody>
           <a:bodyPr lIns="0" rIns="0" tIns="0" bIns="0" anchor="ctr"/>
           <a:p>
-            <a:pPr algn="ctr"/>
+            <a:pPr algn="ctr">
+              <a:lnSpc>
+                <a:spcPct val="100000"/>
+              </a:lnSpc>
+            </a:pPr>
             <a:r>
               <a:rPr b="0" lang="en-US" sz="4400" spc="-1" strike="noStrike">
                 <a:solidFill>
@@ -5358,30 +6915,30 @@
               </a:rPr>
               <a:t>Creating cells inside kernels</a:t>
             </a:r>
-            <a:endParaRPr b="0" lang="en-US" sz="4400" spc="-1" strike="noStrike">
-              <a:solidFill>
-                <a:srgbClr val="000000"/>
-              </a:solidFill>
-              <a:uFill>
-                <a:solidFill>
-                  <a:srgbClr val="ffffff"/>
-                </a:solidFill>
-              </a:uFill>
-              <a:latin typeface="Arial"/>
-            </a:endParaRPr>
-          </a:p>
-        </p:txBody>
-      </p:sp>
-      <p:sp>
-        <p:nvSpPr>
-          <p:cNvPr id="44" name="TextShape 2"/>
-          <p:cNvSpPr txBox="1"/>
+            <a:endParaRPr b="0" lang="en-US" sz="1800" spc="-1" strike="noStrike">
+              <a:solidFill>
+                <a:srgbClr val="000000"/>
+              </a:solidFill>
+              <a:uFill>
+                <a:solidFill>
+                  <a:srgbClr val="ffffff"/>
+                </a:solidFill>
+              </a:uFill>
+              <a:latin typeface="Arial"/>
+            </a:endParaRPr>
+          </a:p>
+        </p:txBody>
+      </p:sp>
+      <p:sp>
+        <p:nvSpPr>
+          <p:cNvPr id="77" name="CustomShape 2"/>
+          <p:cNvSpPr/>
           <p:nvPr/>
         </p:nvSpPr>
         <p:spPr>
           <a:xfrm>
             <a:off x="504000" y="1769040"/>
-            <a:ext cx="9071640" cy="4384440"/>
+            <a:ext cx="9071280" cy="4384080"/>
           </a:xfrm>
           <a:prstGeom prst="rect">
             <a:avLst/>
@@ -5391,10 +6948,19 @@
             <a:noFill/>
           </a:ln>
         </p:spPr>
+        <p:style>
+          <a:lnRef idx="0"/>
+          <a:fillRef idx="0"/>
+          <a:effectRef idx="0"/>
+          <a:fontRef idx="minor"/>
+        </p:style>
         <p:txBody>
           <a:bodyPr lIns="0" rIns="0" tIns="0" bIns="0"/>
           <a:p>
-            <a:pPr marL="432000" indent="-324000">
+            <a:pPr marL="432000" indent="-323640">
+              <a:lnSpc>
+                <a:spcPct val="100000"/>
+              </a:lnSpc>
               <a:buClr>
                 <a:srgbClr val="000000"/>
               </a:buClr>
@@ -5416,20 +6982,23 @@
               </a:rPr>
               <a:t>Add a new code cell by clicking on an existing code cell, hitting the escape key, and then hitting the `a` or `b` key.  The `a` key will add a cell above the current cell, and `b` adds a cell below.</a:t>
             </a:r>
-            <a:endParaRPr b="0" lang="en-US" sz="3200" spc="-1" strike="noStrike">
-              <a:solidFill>
-                <a:srgbClr val="000000"/>
-              </a:solidFill>
-              <a:uFill>
-                <a:solidFill>
-                  <a:srgbClr val="ffffff"/>
-                </a:solidFill>
-              </a:uFill>
-              <a:latin typeface="Arial"/>
-            </a:endParaRPr>
-          </a:p>
-          <a:p>
-            <a:pPr marL="432000" indent="-324000">
+            <a:endParaRPr b="0" lang="en-US" sz="1800" spc="-1" strike="noStrike">
+              <a:solidFill>
+                <a:srgbClr val="000000"/>
+              </a:solidFill>
+              <a:uFill>
+                <a:solidFill>
+                  <a:srgbClr val="ffffff"/>
+                </a:solidFill>
+              </a:uFill>
+              <a:latin typeface="Arial"/>
+            </a:endParaRPr>
+          </a:p>
+          <a:p>
+            <a:pPr marL="432000" indent="-323640">
+              <a:lnSpc>
+                <a:spcPct val="100000"/>
+              </a:lnSpc>
               <a:buClr>
                 <a:srgbClr val="000000"/>
               </a:buClr>
@@ -5451,7 +7020,7 @@
               </a:rPr>
               <a:t>Another way is to use gui</a:t>
             </a:r>
-            <a:endParaRPr b="0" lang="en-US" sz="3200" spc="-1" strike="noStrike">
+            <a:endParaRPr b="0" lang="en-US" sz="1800" spc="-1" strike="noStrike">
               <a:solidFill>
                 <a:srgbClr val="000000"/>
               </a:solidFill>
@@ -5516,14 +7085,14 @@
       </p:grpSpPr>
       <p:sp>
         <p:nvSpPr>
-          <p:cNvPr id="45" name="TextShape 1"/>
-          <p:cNvSpPr txBox="1"/>
+          <p:cNvPr id="78" name="CustomShape 1"/>
+          <p:cNvSpPr/>
           <p:nvPr/>
         </p:nvSpPr>
         <p:spPr>
           <a:xfrm>
             <a:off x="504000" y="301320"/>
-            <a:ext cx="9071640" cy="1262160"/>
+            <a:ext cx="9071280" cy="1261800"/>
           </a:xfrm>
           <a:prstGeom prst="rect">
             <a:avLst/>
@@ -5533,10 +7102,20 @@
             <a:noFill/>
           </a:ln>
         </p:spPr>
+        <p:style>
+          <a:lnRef idx="0"/>
+          <a:fillRef idx="0"/>
+          <a:effectRef idx="0"/>
+          <a:fontRef idx="minor"/>
+        </p:style>
         <p:txBody>
           <a:bodyPr lIns="0" rIns="0" tIns="0" bIns="0" anchor="ctr"/>
           <a:p>
-            <a:pPr algn="ctr"/>
+            <a:pPr algn="ctr">
+              <a:lnSpc>
+                <a:spcPct val="100000"/>
+              </a:lnSpc>
+            </a:pPr>
             <a:r>
               <a:rPr b="0" lang="en-US" sz="4400" spc="-1" strike="noStrike">
                 <a:solidFill>
@@ -5551,30 +7130,30 @@
               </a:rPr>
               <a:t>Setting up the testing environment</a:t>
             </a:r>
-            <a:endParaRPr b="0" lang="en-US" sz="4400" spc="-1" strike="noStrike">
-              <a:solidFill>
-                <a:srgbClr val="000000"/>
-              </a:solidFill>
-              <a:uFill>
-                <a:solidFill>
-                  <a:srgbClr val="ffffff"/>
-                </a:solidFill>
-              </a:uFill>
-              <a:latin typeface="Arial"/>
-            </a:endParaRPr>
-          </a:p>
-        </p:txBody>
-      </p:sp>
-      <p:sp>
-        <p:nvSpPr>
-          <p:cNvPr id="46" name="TextShape 2"/>
-          <p:cNvSpPr txBox="1"/>
+            <a:endParaRPr b="0" lang="en-US" sz="1800" spc="-1" strike="noStrike">
+              <a:solidFill>
+                <a:srgbClr val="000000"/>
+              </a:solidFill>
+              <a:uFill>
+                <a:solidFill>
+                  <a:srgbClr val="ffffff"/>
+                </a:solidFill>
+              </a:uFill>
+              <a:latin typeface="Arial"/>
+            </a:endParaRPr>
+          </a:p>
+        </p:txBody>
+      </p:sp>
+      <p:sp>
+        <p:nvSpPr>
+          <p:cNvPr id="79" name="CustomShape 2"/>
+          <p:cNvSpPr/>
           <p:nvPr/>
         </p:nvSpPr>
         <p:spPr>
           <a:xfrm>
             <a:off x="504000" y="1769040"/>
-            <a:ext cx="9071640" cy="4384440"/>
+            <a:ext cx="9071280" cy="4384080"/>
           </a:xfrm>
           <a:prstGeom prst="rect">
             <a:avLst/>
@@ -5584,10 +7163,19 @@
             <a:noFill/>
           </a:ln>
         </p:spPr>
+        <p:style>
+          <a:lnRef idx="0"/>
+          <a:fillRef idx="0"/>
+          <a:effectRef idx="0"/>
+          <a:fontRef idx="minor"/>
+        </p:style>
         <p:txBody>
           <a:bodyPr lIns="0" rIns="0" tIns="0" bIns="0"/>
           <a:p>
-            <a:pPr marL="432000" indent="-324000">
+            <a:pPr marL="432000" indent="-323640">
+              <a:lnSpc>
+                <a:spcPct val="100000"/>
+              </a:lnSpc>
               <a:buClr>
                 <a:srgbClr val="000000"/>
               </a:buClr>
@@ -5609,20 +7197,23 @@
               </a:rPr>
               <a:t>Each hands-on exercise starts by setting up our feedback and code checking mechanism. Run the code cell below to do that. Then you'll be ready to move on to question 0. Put the following lines in the kernel cell</a:t>
             </a:r>
-            <a:endParaRPr b="0" lang="en-US" sz="3200" spc="-1" strike="noStrike">
-              <a:solidFill>
-                <a:srgbClr val="000000"/>
-              </a:solidFill>
-              <a:uFill>
-                <a:solidFill>
-                  <a:srgbClr val="ffffff"/>
-                </a:solidFill>
-              </a:uFill>
-              <a:latin typeface="Arial"/>
-            </a:endParaRPr>
-          </a:p>
-          <a:p>
-            <a:pPr marL="432000" indent="-324000">
+            <a:endParaRPr b="0" lang="en-US" sz="1800" spc="-1" strike="noStrike">
+              <a:solidFill>
+                <a:srgbClr val="000000"/>
+              </a:solidFill>
+              <a:uFill>
+                <a:solidFill>
+                  <a:srgbClr val="ffffff"/>
+                </a:solidFill>
+              </a:uFill>
+              <a:latin typeface="Arial"/>
+            </a:endParaRPr>
+          </a:p>
+          <a:p>
+            <a:pPr marL="432000" indent="-323640">
+              <a:lnSpc>
+                <a:spcPct val="100000"/>
+              </a:lnSpc>
               <a:buClr>
                 <a:srgbClr val="000000"/>
               </a:buClr>
@@ -5644,20 +7235,23 @@
               </a:rPr>
               <a:t>from learntools.core import binder; binder.bind(globals())</a:t>
             </a:r>
-            <a:endParaRPr b="0" lang="en-US" sz="3200" spc="-1" strike="noStrike">
-              <a:solidFill>
-                <a:srgbClr val="000000"/>
-              </a:solidFill>
-              <a:uFill>
-                <a:solidFill>
-                  <a:srgbClr val="ffffff"/>
-                </a:solidFill>
-              </a:uFill>
-              <a:latin typeface="Arial"/>
-            </a:endParaRPr>
-          </a:p>
-          <a:p>
-            <a:pPr marL="432000" indent="-324000">
+            <a:endParaRPr b="0" lang="en-US" sz="1800" spc="-1" strike="noStrike">
+              <a:solidFill>
+                <a:srgbClr val="000000"/>
+              </a:solidFill>
+              <a:uFill>
+                <a:solidFill>
+                  <a:srgbClr val="ffffff"/>
+                </a:solidFill>
+              </a:uFill>
+              <a:latin typeface="Arial"/>
+            </a:endParaRPr>
+          </a:p>
+          <a:p>
+            <a:pPr marL="432000" indent="-323640">
+              <a:lnSpc>
+                <a:spcPct val="100000"/>
+              </a:lnSpc>
               <a:buClr>
                 <a:srgbClr val="000000"/>
               </a:buClr>
@@ -5679,20 +7273,23 @@
               </a:rPr>
               <a:t>from learntools.python.ex1 import *</a:t>
             </a:r>
-            <a:endParaRPr b="0" lang="en-US" sz="3200" spc="-1" strike="noStrike">
-              <a:solidFill>
-                <a:srgbClr val="000000"/>
-              </a:solidFill>
-              <a:uFill>
-                <a:solidFill>
-                  <a:srgbClr val="ffffff"/>
-                </a:solidFill>
-              </a:uFill>
-              <a:latin typeface="Arial"/>
-            </a:endParaRPr>
-          </a:p>
-          <a:p>
-            <a:pPr marL="432000" indent="-324000">
+            <a:endParaRPr b="0" lang="en-US" sz="1800" spc="-1" strike="noStrike">
+              <a:solidFill>
+                <a:srgbClr val="000000"/>
+              </a:solidFill>
+              <a:uFill>
+                <a:solidFill>
+                  <a:srgbClr val="ffffff"/>
+                </a:solidFill>
+              </a:uFill>
+              <a:latin typeface="Arial"/>
+            </a:endParaRPr>
+          </a:p>
+          <a:p>
+            <a:pPr marL="432000" indent="-323640">
+              <a:lnSpc>
+                <a:spcPct val="100000"/>
+              </a:lnSpc>
               <a:buClr>
                 <a:srgbClr val="000000"/>
               </a:buClr>
@@ -5714,7 +7311,7 @@
               </a:rPr>
               <a:t>print("Setup complete! You're ready to start question 0.")</a:t>
             </a:r>
-            <a:endParaRPr b="0" lang="en-US" sz="3200" spc="-1" strike="noStrike">
+            <a:endParaRPr b="0" lang="en-US" sz="1800" spc="-1" strike="noStrike">
               <a:solidFill>
                 <a:srgbClr val="000000"/>
               </a:solidFill>
@@ -5779,14 +7376,14 @@
       </p:grpSpPr>
       <p:sp>
         <p:nvSpPr>
-          <p:cNvPr id="47" name="TextShape 1"/>
-          <p:cNvSpPr txBox="1"/>
+          <p:cNvPr id="80" name="CustomShape 1"/>
+          <p:cNvSpPr/>
           <p:nvPr/>
         </p:nvSpPr>
         <p:spPr>
           <a:xfrm>
             <a:off x="504000" y="301320"/>
-            <a:ext cx="9071640" cy="1262160"/>
+            <a:ext cx="9071280" cy="1261800"/>
           </a:xfrm>
           <a:prstGeom prst="rect">
             <a:avLst/>
@@ -5796,10 +7393,20 @@
             <a:noFill/>
           </a:ln>
         </p:spPr>
+        <p:style>
+          <a:lnRef idx="0"/>
+          <a:fillRef idx="0"/>
+          <a:effectRef idx="0"/>
+          <a:fontRef idx="minor"/>
+        </p:style>
         <p:txBody>
           <a:bodyPr lIns="0" rIns="0" tIns="0" bIns="0" anchor="ctr"/>
           <a:p>
-            <a:pPr algn="ctr"/>
+            <a:pPr algn="ctr">
+              <a:lnSpc>
+                <a:spcPct val="100000"/>
+              </a:lnSpc>
+            </a:pPr>
             <a:r>
               <a:rPr b="0" lang="en-US" sz="4400" spc="-1" strike="noStrike">
                 <a:solidFill>
@@ -5814,30 +7421,30 @@
               </a:rPr>
               <a:t>Setting up for next exercise looks like</a:t>
             </a:r>
-            <a:endParaRPr b="0" lang="en-US" sz="4400" spc="-1" strike="noStrike">
-              <a:solidFill>
-                <a:srgbClr val="000000"/>
-              </a:solidFill>
-              <a:uFill>
-                <a:solidFill>
-                  <a:srgbClr val="ffffff"/>
-                </a:solidFill>
-              </a:uFill>
-              <a:latin typeface="Arial"/>
-            </a:endParaRPr>
-          </a:p>
-        </p:txBody>
-      </p:sp>
-      <p:sp>
-        <p:nvSpPr>
-          <p:cNvPr id="48" name="TextShape 2"/>
-          <p:cNvSpPr txBox="1"/>
+            <a:endParaRPr b="0" lang="en-US" sz="1800" spc="-1" strike="noStrike">
+              <a:solidFill>
+                <a:srgbClr val="000000"/>
+              </a:solidFill>
+              <a:uFill>
+                <a:solidFill>
+                  <a:srgbClr val="ffffff"/>
+                </a:solidFill>
+              </a:uFill>
+              <a:latin typeface="Arial"/>
+            </a:endParaRPr>
+          </a:p>
+        </p:txBody>
+      </p:sp>
+      <p:sp>
+        <p:nvSpPr>
+          <p:cNvPr id="81" name="CustomShape 2"/>
+          <p:cNvSpPr/>
           <p:nvPr/>
         </p:nvSpPr>
         <p:spPr>
           <a:xfrm>
             <a:off x="504000" y="1769040"/>
-            <a:ext cx="9071640" cy="4384440"/>
+            <a:ext cx="9071280" cy="4384080"/>
           </a:xfrm>
           <a:prstGeom prst="rect">
             <a:avLst/>
@@ -5847,10 +7454,19 @@
             <a:noFill/>
           </a:ln>
         </p:spPr>
+        <p:style>
+          <a:lnRef idx="0"/>
+          <a:fillRef idx="0"/>
+          <a:effectRef idx="0"/>
+          <a:fontRef idx="minor"/>
+        </p:style>
         <p:txBody>
           <a:bodyPr lIns="0" rIns="0" tIns="0" bIns="0"/>
           <a:p>
-            <a:pPr marL="432000" indent="-324000">
+            <a:pPr marL="432000" indent="-323640">
+              <a:lnSpc>
+                <a:spcPct val="100000"/>
+              </a:lnSpc>
               <a:buClr>
                 <a:srgbClr val="000000"/>
               </a:buClr>
@@ -5872,20 +7488,23 @@
               </a:rPr>
               <a:t># SETUP. You don't need to worry for now about what this code does or how it works.</a:t>
             </a:r>
-            <a:endParaRPr b="0" lang="en-US" sz="3200" spc="-1" strike="noStrike">
-              <a:solidFill>
-                <a:srgbClr val="000000"/>
-              </a:solidFill>
-              <a:uFill>
-                <a:solidFill>
-                  <a:srgbClr val="ffffff"/>
-                </a:solidFill>
-              </a:uFill>
-              <a:latin typeface="Arial"/>
-            </a:endParaRPr>
-          </a:p>
-          <a:p>
-            <a:pPr marL="432000" indent="-324000">
+            <a:endParaRPr b="0" lang="en-US" sz="1800" spc="-1" strike="noStrike">
+              <a:solidFill>
+                <a:srgbClr val="000000"/>
+              </a:solidFill>
+              <a:uFill>
+                <a:solidFill>
+                  <a:srgbClr val="ffffff"/>
+                </a:solidFill>
+              </a:uFill>
+              <a:latin typeface="Arial"/>
+            </a:endParaRPr>
+          </a:p>
+          <a:p>
+            <a:pPr marL="432000" indent="-323640">
+              <a:lnSpc>
+                <a:spcPct val="100000"/>
+              </a:lnSpc>
               <a:buClr>
                 <a:srgbClr val="000000"/>
               </a:buClr>
@@ -5907,20 +7526,23 @@
               </a:rPr>
               <a:t>from learntools.core import binder; binder.bind(globals())</a:t>
             </a:r>
-            <a:endParaRPr b="0" lang="en-US" sz="3200" spc="-1" strike="noStrike">
-              <a:solidFill>
-                <a:srgbClr val="000000"/>
-              </a:solidFill>
-              <a:uFill>
-                <a:solidFill>
-                  <a:srgbClr val="ffffff"/>
-                </a:solidFill>
-              </a:uFill>
-              <a:latin typeface="Arial"/>
-            </a:endParaRPr>
-          </a:p>
-          <a:p>
-            <a:pPr marL="432000" indent="-324000">
+            <a:endParaRPr b="0" lang="en-US" sz="1800" spc="-1" strike="noStrike">
+              <a:solidFill>
+                <a:srgbClr val="000000"/>
+              </a:solidFill>
+              <a:uFill>
+                <a:solidFill>
+                  <a:srgbClr val="ffffff"/>
+                </a:solidFill>
+              </a:uFill>
+              <a:latin typeface="Arial"/>
+            </a:endParaRPr>
+          </a:p>
+          <a:p>
+            <a:pPr marL="432000" indent="-323640">
+              <a:lnSpc>
+                <a:spcPct val="100000"/>
+              </a:lnSpc>
               <a:buClr>
                 <a:srgbClr val="000000"/>
               </a:buClr>
@@ -5942,20 +7564,23 @@
               </a:rPr>
               <a:t>from learntools.python.ex2 import *</a:t>
             </a:r>
-            <a:endParaRPr b="0" lang="en-US" sz="3200" spc="-1" strike="noStrike">
-              <a:solidFill>
-                <a:srgbClr val="000000"/>
-              </a:solidFill>
-              <a:uFill>
-                <a:solidFill>
-                  <a:srgbClr val="ffffff"/>
-                </a:solidFill>
-              </a:uFill>
-              <a:latin typeface="Arial"/>
-            </a:endParaRPr>
-          </a:p>
-          <a:p>
-            <a:pPr marL="432000" indent="-324000">
+            <a:endParaRPr b="0" lang="en-US" sz="1800" spc="-1" strike="noStrike">
+              <a:solidFill>
+                <a:srgbClr val="000000"/>
+              </a:solidFill>
+              <a:uFill>
+                <a:solidFill>
+                  <a:srgbClr val="ffffff"/>
+                </a:solidFill>
+              </a:uFill>
+              <a:latin typeface="Arial"/>
+            </a:endParaRPr>
+          </a:p>
+          <a:p>
+            <a:pPr marL="432000" indent="-323640">
+              <a:lnSpc>
+                <a:spcPct val="100000"/>
+              </a:lnSpc>
               <a:buClr>
                 <a:srgbClr val="000000"/>
               </a:buClr>
@@ -5977,7 +7602,7 @@
               </a:rPr>
               <a:t>print('Setup complete.')</a:t>
             </a:r>
-            <a:endParaRPr b="0" lang="en-US" sz="3200" spc="-1" strike="noStrike">
+            <a:endParaRPr b="0" lang="en-US" sz="1800" spc="-1" strike="noStrike">
               <a:solidFill>
                 <a:srgbClr val="000000"/>
               </a:solidFill>
@@ -6042,14 +7667,14 @@
       </p:grpSpPr>
       <p:sp>
         <p:nvSpPr>
-          <p:cNvPr id="49" name="TextShape 1"/>
-          <p:cNvSpPr txBox="1"/>
+          <p:cNvPr id="82" name="CustomShape 1"/>
+          <p:cNvSpPr/>
           <p:nvPr/>
         </p:nvSpPr>
         <p:spPr>
           <a:xfrm>
             <a:off x="504000" y="301320"/>
-            <a:ext cx="9071640" cy="1262160"/>
+            <a:ext cx="9071280" cy="1261800"/>
           </a:xfrm>
           <a:prstGeom prst="rect">
             <a:avLst/>
@@ -6059,10 +7684,20 @@
             <a:noFill/>
           </a:ln>
         </p:spPr>
+        <p:style>
+          <a:lnRef idx="0"/>
+          <a:fillRef idx="0"/>
+          <a:effectRef idx="0"/>
+          <a:fontRef idx="minor"/>
+        </p:style>
         <p:txBody>
           <a:bodyPr lIns="0" rIns="0" tIns="0" bIns="0" anchor="ctr"/>
           <a:p>
-            <a:pPr algn="ctr"/>
+            <a:pPr algn="ctr">
+              <a:lnSpc>
+                <a:spcPct val="100000"/>
+              </a:lnSpc>
+            </a:pPr>
             <a:r>
               <a:rPr b="0" lang="en-US" sz="4400" spc="-1" strike="noStrike">
                 <a:solidFill>
@@ -6077,30 +7712,30 @@
               </a:rPr>
               <a:t>Interacting with the kernel testing environment</a:t>
             </a:r>
-            <a:endParaRPr b="0" lang="en-US" sz="4400" spc="-1" strike="noStrike">
-              <a:solidFill>
-                <a:srgbClr val="000000"/>
-              </a:solidFill>
-              <a:uFill>
-                <a:solidFill>
-                  <a:srgbClr val="ffffff"/>
-                </a:solidFill>
-              </a:uFill>
-              <a:latin typeface="Arial"/>
-            </a:endParaRPr>
-          </a:p>
-        </p:txBody>
-      </p:sp>
-      <p:sp>
-        <p:nvSpPr>
-          <p:cNvPr id="50" name="TextShape 2"/>
-          <p:cNvSpPr txBox="1"/>
+            <a:endParaRPr b="0" lang="en-US" sz="1800" spc="-1" strike="noStrike">
+              <a:solidFill>
+                <a:srgbClr val="000000"/>
+              </a:solidFill>
+              <a:uFill>
+                <a:solidFill>
+                  <a:srgbClr val="ffffff"/>
+                </a:solidFill>
+              </a:uFill>
+              <a:latin typeface="Arial"/>
+            </a:endParaRPr>
+          </a:p>
+        </p:txBody>
+      </p:sp>
+      <p:sp>
+        <p:nvSpPr>
+          <p:cNvPr id="83" name="CustomShape 2"/>
+          <p:cNvSpPr/>
           <p:nvPr/>
         </p:nvSpPr>
         <p:spPr>
           <a:xfrm>
             <a:off x="504000" y="1769040"/>
-            <a:ext cx="9071640" cy="4384440"/>
+            <a:ext cx="9071280" cy="4384080"/>
           </a:xfrm>
           <a:prstGeom prst="rect">
             <a:avLst/>
@@ -6110,10 +7745,19 @@
             <a:noFill/>
           </a:ln>
         </p:spPr>
+        <p:style>
+          <a:lnRef idx="0"/>
+          <a:fillRef idx="0"/>
+          <a:effectRef idx="0"/>
+          <a:fontRef idx="minor"/>
+        </p:style>
         <p:txBody>
           <a:bodyPr lIns="0" rIns="0" tIns="0" bIns="0"/>
           <a:p>
-            <a:pPr marL="432000" indent="-324000">
+            <a:pPr marL="432000" indent="-323640">
+              <a:lnSpc>
+                <a:spcPct val="100000"/>
+              </a:lnSpc>
               <a:buClr>
                 <a:srgbClr val="000000"/>
               </a:buClr>
@@ -6135,20 +7779,23 @@
               </a:rPr>
               <a:t>q0.check()</a:t>
             </a:r>
-            <a:endParaRPr b="0" lang="en-US" sz="3200" spc="-1" strike="noStrike">
-              <a:solidFill>
-                <a:srgbClr val="000000"/>
-              </a:solidFill>
-              <a:uFill>
-                <a:solidFill>
-                  <a:srgbClr val="ffffff"/>
-                </a:solidFill>
-              </a:uFill>
-              <a:latin typeface="Arial"/>
-            </a:endParaRPr>
-          </a:p>
-          <a:p>
-            <a:pPr marL="432000" indent="-324000">
+            <a:endParaRPr b="0" lang="en-US" sz="1800" spc="-1" strike="noStrike">
+              <a:solidFill>
+                <a:srgbClr val="000000"/>
+              </a:solidFill>
+              <a:uFill>
+                <a:solidFill>
+                  <a:srgbClr val="ffffff"/>
+                </a:solidFill>
+              </a:uFill>
+              <a:latin typeface="Arial"/>
+            </a:endParaRPr>
+          </a:p>
+          <a:p>
+            <a:pPr marL="432000" indent="-323640">
+              <a:lnSpc>
+                <a:spcPct val="100000"/>
+              </a:lnSpc>
               <a:buClr>
                 <a:srgbClr val="000000"/>
               </a:buClr>
@@ -6170,20 +7817,23 @@
               </a:rPr>
               <a:t>q0.hint()</a:t>
             </a:r>
-            <a:endParaRPr b="0" lang="en-US" sz="3200" spc="-1" strike="noStrike">
-              <a:solidFill>
-                <a:srgbClr val="000000"/>
-              </a:solidFill>
-              <a:uFill>
-                <a:solidFill>
-                  <a:srgbClr val="ffffff"/>
-                </a:solidFill>
-              </a:uFill>
-              <a:latin typeface="Arial"/>
-            </a:endParaRPr>
-          </a:p>
-          <a:p>
-            <a:pPr marL="432000" indent="-324000">
+            <a:endParaRPr b="0" lang="en-US" sz="1800" spc="-1" strike="noStrike">
+              <a:solidFill>
+                <a:srgbClr val="000000"/>
+              </a:solidFill>
+              <a:uFill>
+                <a:solidFill>
+                  <a:srgbClr val="ffffff"/>
+                </a:solidFill>
+              </a:uFill>
+              <a:latin typeface="Arial"/>
+            </a:endParaRPr>
+          </a:p>
+          <a:p>
+            <a:pPr marL="432000" indent="-323640">
+              <a:lnSpc>
+                <a:spcPct val="100000"/>
+              </a:lnSpc>
               <a:buClr>
                 <a:srgbClr val="000000"/>
               </a:buClr>
@@ -6205,20 +7855,23 @@
               </a:rPr>
               <a:t>q0.solution()</a:t>
             </a:r>
-            <a:endParaRPr b="0" lang="en-US" sz="3200" spc="-1" strike="noStrike">
-              <a:solidFill>
-                <a:srgbClr val="000000"/>
-              </a:solidFill>
-              <a:uFill>
-                <a:solidFill>
-                  <a:srgbClr val="ffffff"/>
-                </a:solidFill>
-              </a:uFill>
-              <a:latin typeface="Arial"/>
-            </a:endParaRPr>
-          </a:p>
-          <a:p>
-            <a:pPr marL="432000" indent="-324000">
+            <a:endParaRPr b="0" lang="en-US" sz="1800" spc="-1" strike="noStrike">
+              <a:solidFill>
+                <a:srgbClr val="000000"/>
+              </a:solidFill>
+              <a:uFill>
+                <a:solidFill>
+                  <a:srgbClr val="ffffff"/>
+                </a:solidFill>
+              </a:uFill>
+              <a:latin typeface="Arial"/>
+            </a:endParaRPr>
+          </a:p>
+          <a:p>
+            <a:pPr marL="432000" indent="-323640">
+              <a:lnSpc>
+                <a:spcPct val="100000"/>
+              </a:lnSpc>
               <a:buClr>
                 <a:srgbClr val="000000"/>
               </a:buClr>
@@ -6240,20 +7893,23 @@
               </a:rPr>
               <a:t>q7.simulate_one_game() # not always used</a:t>
             </a:r>
-            <a:endParaRPr b="0" lang="en-US" sz="3200" spc="-1" strike="noStrike">
-              <a:solidFill>
-                <a:srgbClr val="000000"/>
-              </a:solidFill>
-              <a:uFill>
-                <a:solidFill>
-                  <a:srgbClr val="ffffff"/>
-                </a:solidFill>
-              </a:uFill>
-              <a:latin typeface="Arial"/>
-            </a:endParaRPr>
-          </a:p>
-          <a:p>
-            <a:pPr marL="432000" indent="-324000">
+            <a:endParaRPr b="0" lang="en-US" sz="1800" spc="-1" strike="noStrike">
+              <a:solidFill>
+                <a:srgbClr val="000000"/>
+              </a:solidFill>
+              <a:uFill>
+                <a:solidFill>
+                  <a:srgbClr val="ffffff"/>
+                </a:solidFill>
+              </a:uFill>
+              <a:latin typeface="Arial"/>
+            </a:endParaRPr>
+          </a:p>
+          <a:p>
+            <a:pPr marL="432000" indent="-323640">
+              <a:lnSpc>
+                <a:spcPct val="100000"/>
+              </a:lnSpc>
               <a:buClr>
                 <a:srgbClr val="000000"/>
               </a:buClr>
@@ -6275,20 +7931,23 @@
               </a:rPr>
               <a:t>q7.simulate(n_games=50000)</a:t>
             </a:r>
-            <a:endParaRPr b="0" lang="en-US" sz="3200" spc="-1" strike="noStrike">
-              <a:solidFill>
-                <a:srgbClr val="000000"/>
-              </a:solidFill>
-              <a:uFill>
-                <a:solidFill>
-                  <a:srgbClr val="ffffff"/>
-                </a:solidFill>
-              </a:uFill>
-              <a:latin typeface="Arial"/>
-            </a:endParaRPr>
-          </a:p>
-          <a:p>
-            <a:pPr marL="432000" indent="-324000">
+            <a:endParaRPr b="0" lang="en-US" sz="1800" spc="-1" strike="noStrike">
+              <a:solidFill>
+                <a:srgbClr val="000000"/>
+              </a:solidFill>
+              <a:uFill>
+                <a:solidFill>
+                  <a:srgbClr val="ffffff"/>
+                </a:solidFill>
+              </a:uFill>
+              <a:latin typeface="Arial"/>
+            </a:endParaRPr>
+          </a:p>
+          <a:p>
+            <a:pPr marL="432000" indent="-323640">
+              <a:lnSpc>
+                <a:spcPct val="100000"/>
+              </a:lnSpc>
               <a:buClr>
                 <a:srgbClr val="000000"/>
               </a:buClr>
@@ -6308,37 +7967,9 @@
                 </a:uFill>
                 <a:latin typeface="Arial"/>
               </a:rPr>
-              <a:t>For the next question, you'll call `q1.check()`, </a:t>
-            </a:r>
-            <a:r>
-              <a:rPr b="0" lang="en-US" sz="3200" spc="-1" strike="noStrike">
-                <a:solidFill>
-                  <a:srgbClr val="000000"/>
-                </a:solidFill>
-                <a:uFill>
-                  <a:solidFill>
-                    <a:srgbClr val="ffffff"/>
-                  </a:solidFill>
-                </a:uFill>
-                <a:latin typeface="Arial"/>
-              </a:rPr>
-              <a:t>`q1.hint()`, `q1.solution()`, for question 5, you'll </a:t>
-            </a:r>
-            <a:r>
-              <a:rPr b="0" lang="en-US" sz="3200" spc="-1" strike="noStrike">
-                <a:solidFill>
-                  <a:srgbClr val="000000"/>
-                </a:solidFill>
-                <a:uFill>
-                  <a:solidFill>
-                    <a:srgbClr val="ffffff"/>
-                  </a:solidFill>
-                </a:uFill>
-                <a:latin typeface="Arial"/>
-              </a:rPr>
-              <a:t>call `q5.check()`, and so on.</a:t>
-            </a:r>
-            <a:endParaRPr b="0" lang="en-US" sz="3200" spc="-1" strike="noStrike">
+              <a:t>For the next question, you'll call `q1.check()`, `q1.hint()`, `q1.solution()`, for question 5, you'll call `q5.check()`, and so on.</a:t>
+            </a:r>
+            <a:endParaRPr b="0" lang="en-US" sz="1800" spc="-1" strike="noStrike">
               <a:solidFill>
                 <a:srgbClr val="000000"/>
               </a:solidFill>
@@ -6403,14 +8034,14 @@
       </p:grpSpPr>
       <p:sp>
         <p:nvSpPr>
-          <p:cNvPr id="51" name="TextShape 1"/>
-          <p:cNvSpPr txBox="1"/>
+          <p:cNvPr id="84" name="CustomShape 1"/>
+          <p:cNvSpPr/>
           <p:nvPr/>
         </p:nvSpPr>
         <p:spPr>
           <a:xfrm>
             <a:off x="504000" y="301320"/>
-            <a:ext cx="9071640" cy="1262160"/>
+            <a:ext cx="9071280" cy="1261800"/>
           </a:xfrm>
           <a:prstGeom prst="rect">
             <a:avLst/>
@@ -6420,10 +8051,20 @@
             <a:noFill/>
           </a:ln>
         </p:spPr>
+        <p:style>
+          <a:lnRef idx="0"/>
+          <a:fillRef idx="0"/>
+          <a:effectRef idx="0"/>
+          <a:fontRef idx="minor"/>
+        </p:style>
         <p:txBody>
           <a:bodyPr lIns="0" rIns="0" tIns="0" bIns="0" anchor="ctr"/>
           <a:p>
-            <a:pPr algn="ctr"/>
+            <a:pPr algn="ctr">
+              <a:lnSpc>
+                <a:spcPct val="100000"/>
+              </a:lnSpc>
+            </a:pPr>
             <a:r>
               <a:rPr b="0" lang="en-US" sz="4400" spc="-1" strike="noStrike">
                 <a:solidFill>
@@ -6438,30 +8079,30 @@
               </a:rPr>
               <a:t>Swapping two lists</a:t>
             </a:r>
-            <a:endParaRPr b="0" lang="en-US" sz="4400" spc="-1" strike="noStrike">
-              <a:solidFill>
-                <a:srgbClr val="000000"/>
-              </a:solidFill>
-              <a:uFill>
-                <a:solidFill>
-                  <a:srgbClr val="ffffff"/>
-                </a:solidFill>
-              </a:uFill>
-              <a:latin typeface="Arial"/>
-            </a:endParaRPr>
-          </a:p>
-        </p:txBody>
-      </p:sp>
-      <p:sp>
-        <p:nvSpPr>
-          <p:cNvPr id="52" name="TextShape 2"/>
-          <p:cNvSpPr txBox="1"/>
+            <a:endParaRPr b="0" lang="en-US" sz="1800" spc="-1" strike="noStrike">
+              <a:solidFill>
+                <a:srgbClr val="000000"/>
+              </a:solidFill>
+              <a:uFill>
+                <a:solidFill>
+                  <a:srgbClr val="ffffff"/>
+                </a:solidFill>
+              </a:uFill>
+              <a:latin typeface="Arial"/>
+            </a:endParaRPr>
+          </a:p>
+        </p:txBody>
+      </p:sp>
+      <p:sp>
+        <p:nvSpPr>
+          <p:cNvPr id="85" name="CustomShape 2"/>
+          <p:cNvSpPr/>
           <p:nvPr/>
         </p:nvSpPr>
         <p:spPr>
           <a:xfrm>
             <a:off x="504000" y="1769040"/>
-            <a:ext cx="9071640" cy="4384440"/>
+            <a:ext cx="9071280" cy="4384080"/>
           </a:xfrm>
           <a:prstGeom prst="rect">
             <a:avLst/>
@@ -6471,10 +8112,19 @@
             <a:noFill/>
           </a:ln>
         </p:spPr>
+        <p:style>
+          <a:lnRef idx="0"/>
+          <a:fillRef idx="0"/>
+          <a:effectRef idx="0"/>
+          <a:fontRef idx="minor"/>
+        </p:style>
         <p:txBody>
           <a:bodyPr lIns="0" rIns="0" tIns="0" bIns="0"/>
           <a:p>
-            <a:pPr marL="432000" indent="-324000">
+            <a:pPr marL="432000" indent="-323640">
+              <a:lnSpc>
+                <a:spcPct val="100000"/>
+              </a:lnSpc>
               <a:buClr>
                 <a:srgbClr val="000000"/>
               </a:buClr>
@@ -6496,7 +8146,7 @@
               </a:rPr>
               <a:t>a, b = b, a</a:t>
             </a:r>
-            <a:endParaRPr b="0" lang="en-US" sz="3200" spc="-1" strike="noStrike">
+            <a:endParaRPr b="0" lang="en-US" sz="1800" spc="-1" strike="noStrike">
               <a:solidFill>
                 <a:srgbClr val="000000"/>
               </a:solidFill>
@@ -6561,14 +8211,14 @@
       </p:grpSpPr>
       <p:sp>
         <p:nvSpPr>
-          <p:cNvPr id="53" name="TextShape 1"/>
-          <p:cNvSpPr txBox="1"/>
+          <p:cNvPr id="86" name="CustomShape 1"/>
+          <p:cNvSpPr/>
           <p:nvPr/>
         </p:nvSpPr>
         <p:spPr>
           <a:xfrm>
             <a:off x="504000" y="301320"/>
-            <a:ext cx="9071640" cy="1262160"/>
+            <a:ext cx="9071280" cy="1261800"/>
           </a:xfrm>
           <a:prstGeom prst="rect">
             <a:avLst/>
@@ -6578,10 +8228,20 @@
             <a:noFill/>
           </a:ln>
         </p:spPr>
+        <p:style>
+          <a:lnRef idx="0"/>
+          <a:fillRef idx="0"/>
+          <a:effectRef idx="0"/>
+          <a:fontRef idx="minor"/>
+        </p:style>
         <p:txBody>
           <a:bodyPr lIns="0" rIns="0" tIns="0" bIns="0" anchor="ctr"/>
           <a:p>
-            <a:pPr algn="ctr"/>
+            <a:pPr algn="ctr">
+              <a:lnSpc>
+                <a:spcPct val="100000"/>
+              </a:lnSpc>
+            </a:pPr>
             <a:r>
               <a:rPr b="0" lang="en-US" sz="4400" spc="-1" strike="noStrike">
                 <a:solidFill>
@@ -6596,30 +8256,30 @@
               </a:rPr>
               <a:t>Side Effects</a:t>
             </a:r>
-            <a:endParaRPr b="0" lang="en-US" sz="4400" spc="-1" strike="noStrike">
-              <a:solidFill>
-                <a:srgbClr val="000000"/>
-              </a:solidFill>
-              <a:uFill>
-                <a:solidFill>
-                  <a:srgbClr val="ffffff"/>
-                </a:solidFill>
-              </a:uFill>
-              <a:latin typeface="Arial"/>
-            </a:endParaRPr>
-          </a:p>
-        </p:txBody>
-      </p:sp>
-      <p:sp>
-        <p:nvSpPr>
-          <p:cNvPr id="54" name="TextShape 2"/>
-          <p:cNvSpPr txBox="1"/>
+            <a:endParaRPr b="0" lang="en-US" sz="1800" spc="-1" strike="noStrike">
+              <a:solidFill>
+                <a:srgbClr val="000000"/>
+              </a:solidFill>
+              <a:uFill>
+                <a:solidFill>
+                  <a:srgbClr val="ffffff"/>
+                </a:solidFill>
+              </a:uFill>
+              <a:latin typeface="Arial"/>
+            </a:endParaRPr>
+          </a:p>
+        </p:txBody>
+      </p:sp>
+      <p:sp>
+        <p:nvSpPr>
+          <p:cNvPr id="87" name="CustomShape 2"/>
+          <p:cNvSpPr/>
           <p:nvPr/>
         </p:nvSpPr>
         <p:spPr>
           <a:xfrm>
             <a:off x="504000" y="1769040"/>
-            <a:ext cx="9071640" cy="4384440"/>
+            <a:ext cx="9071280" cy="4384080"/>
           </a:xfrm>
           <a:prstGeom prst="rect">
             <a:avLst/>
@@ -6629,10 +8289,19 @@
             <a:noFill/>
           </a:ln>
         </p:spPr>
+        <p:style>
+          <a:lnRef idx="0"/>
+          <a:fillRef idx="0"/>
+          <a:effectRef idx="0"/>
+          <a:fontRef idx="minor"/>
+        </p:style>
         <p:txBody>
           <a:bodyPr lIns="0" rIns="0" tIns="0" bIns="0"/>
           <a:p>
-            <a:pPr marL="432000" indent="-324000">
+            <a:pPr marL="432000" indent="-323640">
+              <a:lnSpc>
+                <a:spcPct val="100000"/>
+              </a:lnSpc>
               <a:buClr>
                 <a:srgbClr val="000000"/>
               </a:buClr>
@@ -6654,7 +8323,7 @@
               </a:rPr>
               <a:t>Without a return statement, least_difference is completely pointless, but a function with side effects may do something useful without returning anything. We've already seen two examples of this: print() and help() don't return anything. We only call them for their side effects (putting some text on the screen). Other examples of useful side effects include writing to a file, or modifying an input.</a:t>
             </a:r>
-            <a:endParaRPr b="0" lang="en-US" sz="3200" spc="-1" strike="noStrike">
+            <a:endParaRPr b="0" lang="en-US" sz="1800" spc="-1" strike="noStrike">
               <a:solidFill>
                 <a:srgbClr val="000000"/>
               </a:solidFill>
@@ -6719,14 +8388,14 @@
       </p:grpSpPr>
       <p:sp>
         <p:nvSpPr>
-          <p:cNvPr id="55" name="TextShape 1"/>
-          <p:cNvSpPr txBox="1"/>
+          <p:cNvPr id="88" name="CustomShape 1"/>
+          <p:cNvSpPr/>
           <p:nvPr/>
         </p:nvSpPr>
         <p:spPr>
           <a:xfrm>
             <a:off x="504000" y="301320"/>
-            <a:ext cx="9071640" cy="1262160"/>
+            <a:ext cx="9071280" cy="1261800"/>
           </a:xfrm>
           <a:prstGeom prst="rect">
             <a:avLst/>
@@ -6736,10 +8405,20 @@
             <a:noFill/>
           </a:ln>
         </p:spPr>
+        <p:style>
+          <a:lnRef idx="0"/>
+          <a:fillRef idx="0"/>
+          <a:effectRef idx="0"/>
+          <a:fontRef idx="minor"/>
+        </p:style>
         <p:txBody>
           <a:bodyPr lIns="0" rIns="0" tIns="0" bIns="0" anchor="ctr"/>
           <a:p>
-            <a:pPr algn="ctr"/>
+            <a:pPr algn="ctr">
+              <a:lnSpc>
+                <a:spcPct val="100000"/>
+              </a:lnSpc>
+            </a:pPr>
             <a:r>
               <a:rPr b="0" lang="en-US" sz="4400" spc="-1" strike="noStrike">
                 <a:solidFill>
@@ -6754,30 +8433,30 @@
               </a:rPr>
               <a:t>Specifying name of the argument</a:t>
             </a:r>
-            <a:endParaRPr b="0" lang="en-US" sz="4400" spc="-1" strike="noStrike">
-              <a:solidFill>
-                <a:srgbClr val="000000"/>
-              </a:solidFill>
-              <a:uFill>
-                <a:solidFill>
-                  <a:srgbClr val="ffffff"/>
-                </a:solidFill>
-              </a:uFill>
-              <a:latin typeface="Arial"/>
-            </a:endParaRPr>
-          </a:p>
-        </p:txBody>
-      </p:sp>
-      <p:sp>
-        <p:nvSpPr>
-          <p:cNvPr id="56" name="TextShape 2"/>
-          <p:cNvSpPr txBox="1"/>
+            <a:endParaRPr b="0" lang="en-US" sz="1800" spc="-1" strike="noStrike">
+              <a:solidFill>
+                <a:srgbClr val="000000"/>
+              </a:solidFill>
+              <a:uFill>
+                <a:solidFill>
+                  <a:srgbClr val="ffffff"/>
+                </a:solidFill>
+              </a:uFill>
+              <a:latin typeface="Arial"/>
+            </a:endParaRPr>
+          </a:p>
+        </p:txBody>
+      </p:sp>
+      <p:sp>
+        <p:nvSpPr>
+          <p:cNvPr id="89" name="CustomShape 2"/>
+          <p:cNvSpPr/>
           <p:nvPr/>
         </p:nvSpPr>
         <p:spPr>
           <a:xfrm>
             <a:off x="504000" y="1769040"/>
-            <a:ext cx="9071640" cy="4384440"/>
+            <a:ext cx="9071280" cy="4384080"/>
           </a:xfrm>
           <a:prstGeom prst="rect">
             <a:avLst/>
@@ -6787,10 +8466,19 @@
             <a:noFill/>
           </a:ln>
         </p:spPr>
+        <p:style>
+          <a:lnRef idx="0"/>
+          <a:fillRef idx="0"/>
+          <a:effectRef idx="0"/>
+          <a:fontRef idx="minor"/>
+        </p:style>
         <p:txBody>
           <a:bodyPr lIns="0" rIns="0" tIns="0" bIns="0"/>
           <a:p>
-            <a:pPr marL="432000" indent="-324000">
+            <a:pPr marL="432000" indent="-323640">
+              <a:lnSpc>
+                <a:spcPct val="100000"/>
+              </a:lnSpc>
               <a:buClr>
                 <a:srgbClr val="000000"/>
               </a:buClr>
@@ -6812,20 +8500,23 @@
               </a:rPr>
               <a:t>def greet(who="Colin"):</a:t>
             </a:r>
-            <a:endParaRPr b="0" lang="en-US" sz="3200" spc="-1" strike="noStrike">
-              <a:solidFill>
-                <a:srgbClr val="000000"/>
-              </a:solidFill>
-              <a:uFill>
-                <a:solidFill>
-                  <a:srgbClr val="ffffff"/>
-                </a:solidFill>
-              </a:uFill>
-              <a:latin typeface="Arial"/>
-            </a:endParaRPr>
-          </a:p>
-          <a:p>
-            <a:pPr marL="432000" indent="-324000">
+            <a:endParaRPr b="0" lang="en-US" sz="1800" spc="-1" strike="noStrike">
+              <a:solidFill>
+                <a:srgbClr val="000000"/>
+              </a:solidFill>
+              <a:uFill>
+                <a:solidFill>
+                  <a:srgbClr val="ffffff"/>
+                </a:solidFill>
+              </a:uFill>
+              <a:latin typeface="Arial"/>
+            </a:endParaRPr>
+          </a:p>
+          <a:p>
+            <a:pPr marL="432000" indent="-323640">
+              <a:lnSpc>
+                <a:spcPct val="100000"/>
+              </a:lnSpc>
               <a:buClr>
                 <a:srgbClr val="000000"/>
               </a:buClr>
@@ -6861,20 +8552,23 @@
               </a:rPr>
               <a:t>print("Hello,", who)</a:t>
             </a:r>
-            <a:endParaRPr b="0" lang="en-US" sz="3200" spc="-1" strike="noStrike">
-              <a:solidFill>
-                <a:srgbClr val="000000"/>
-              </a:solidFill>
-              <a:uFill>
-                <a:solidFill>
-                  <a:srgbClr val="ffffff"/>
-                </a:solidFill>
-              </a:uFill>
-              <a:latin typeface="Arial"/>
-            </a:endParaRPr>
-          </a:p>
-          <a:p>
-            <a:pPr marL="432000" indent="-324000">
+            <a:endParaRPr b="0" lang="en-US" sz="1800" spc="-1" strike="noStrike">
+              <a:solidFill>
+                <a:srgbClr val="000000"/>
+              </a:solidFill>
+              <a:uFill>
+                <a:solidFill>
+                  <a:srgbClr val="ffffff"/>
+                </a:solidFill>
+              </a:uFill>
+              <a:latin typeface="Arial"/>
+            </a:endParaRPr>
+          </a:p>
+          <a:p>
+            <a:pPr marL="432000" indent="-323640">
+              <a:lnSpc>
+                <a:spcPct val="100000"/>
+              </a:lnSpc>
               <a:buClr>
                 <a:srgbClr val="000000"/>
               </a:buClr>
@@ -6896,20 +8590,23 @@
               </a:rPr>
               <a:t>    </a:t>
             </a:r>
-            <a:endParaRPr b="0" lang="en-US" sz="3200" spc="-1" strike="noStrike">
-              <a:solidFill>
-                <a:srgbClr val="000000"/>
-              </a:solidFill>
-              <a:uFill>
-                <a:solidFill>
-                  <a:srgbClr val="ffffff"/>
-                </a:solidFill>
-              </a:uFill>
-              <a:latin typeface="Arial"/>
-            </a:endParaRPr>
-          </a:p>
-          <a:p>
-            <a:pPr marL="432000" indent="-324000">
+            <a:endParaRPr b="0" lang="en-US" sz="1800" spc="-1" strike="noStrike">
+              <a:solidFill>
+                <a:srgbClr val="000000"/>
+              </a:solidFill>
+              <a:uFill>
+                <a:solidFill>
+                  <a:srgbClr val="ffffff"/>
+                </a:solidFill>
+              </a:uFill>
+              <a:latin typeface="Arial"/>
+            </a:endParaRPr>
+          </a:p>
+          <a:p>
+            <a:pPr marL="432000" indent="-323640">
+              <a:lnSpc>
+                <a:spcPct val="100000"/>
+              </a:lnSpc>
               <a:buClr>
                 <a:srgbClr val="000000"/>
               </a:buClr>
@@ -6931,20 +8628,23 @@
               </a:rPr>
               <a:t>greet()</a:t>
             </a:r>
-            <a:endParaRPr b="0" lang="en-US" sz="3200" spc="-1" strike="noStrike">
-              <a:solidFill>
-                <a:srgbClr val="000000"/>
-              </a:solidFill>
-              <a:uFill>
-                <a:solidFill>
-                  <a:srgbClr val="ffffff"/>
-                </a:solidFill>
-              </a:uFill>
-              <a:latin typeface="Arial"/>
-            </a:endParaRPr>
-          </a:p>
-          <a:p>
-            <a:pPr marL="432000" indent="-324000">
+            <a:endParaRPr b="0" lang="en-US" sz="1800" spc="-1" strike="noStrike">
+              <a:solidFill>
+                <a:srgbClr val="000000"/>
+              </a:solidFill>
+              <a:uFill>
+                <a:solidFill>
+                  <a:srgbClr val="ffffff"/>
+                </a:solidFill>
+              </a:uFill>
+              <a:latin typeface="Arial"/>
+            </a:endParaRPr>
+          </a:p>
+          <a:p>
+            <a:pPr marL="432000" indent="-323640">
+              <a:lnSpc>
+                <a:spcPct val="100000"/>
+              </a:lnSpc>
               <a:buClr>
                 <a:srgbClr val="000000"/>
               </a:buClr>
@@ -6966,20 +8666,23 @@
               </a:rPr>
               <a:t>greet(who="Kaggle")</a:t>
             </a:r>
-            <a:endParaRPr b="0" lang="en-US" sz="3200" spc="-1" strike="noStrike">
-              <a:solidFill>
-                <a:srgbClr val="000000"/>
-              </a:solidFill>
-              <a:uFill>
-                <a:solidFill>
-                  <a:srgbClr val="ffffff"/>
-                </a:solidFill>
-              </a:uFill>
-              <a:latin typeface="Arial"/>
-            </a:endParaRPr>
-          </a:p>
-          <a:p>
-            <a:pPr marL="432000" indent="-324000">
+            <a:endParaRPr b="0" lang="en-US" sz="1800" spc="-1" strike="noStrike">
+              <a:solidFill>
+                <a:srgbClr val="000000"/>
+              </a:solidFill>
+              <a:uFill>
+                <a:solidFill>
+                  <a:srgbClr val="ffffff"/>
+                </a:solidFill>
+              </a:uFill>
+              <a:latin typeface="Arial"/>
+            </a:endParaRPr>
+          </a:p>
+          <a:p>
+            <a:pPr marL="432000" indent="-323640">
+              <a:lnSpc>
+                <a:spcPct val="100000"/>
+              </a:lnSpc>
               <a:buClr>
                 <a:srgbClr val="000000"/>
               </a:buClr>
@@ -7001,20 +8704,23 @@
               </a:rPr>
               <a:t># (In this case, we don't need to specify the name of the argument, because it's unambiguous.)</a:t>
             </a:r>
-            <a:endParaRPr b="0" lang="en-US" sz="3200" spc="-1" strike="noStrike">
-              <a:solidFill>
-                <a:srgbClr val="000000"/>
-              </a:solidFill>
-              <a:uFill>
-                <a:solidFill>
-                  <a:srgbClr val="ffffff"/>
-                </a:solidFill>
-              </a:uFill>
-              <a:latin typeface="Arial"/>
-            </a:endParaRPr>
-          </a:p>
-          <a:p>
-            <a:pPr marL="432000" indent="-324000">
+            <a:endParaRPr b="0" lang="en-US" sz="1800" spc="-1" strike="noStrike">
+              <a:solidFill>
+                <a:srgbClr val="000000"/>
+              </a:solidFill>
+              <a:uFill>
+                <a:solidFill>
+                  <a:srgbClr val="ffffff"/>
+                </a:solidFill>
+              </a:uFill>
+              <a:latin typeface="Arial"/>
+            </a:endParaRPr>
+          </a:p>
+          <a:p>
+            <a:pPr marL="432000" indent="-323640">
+              <a:lnSpc>
+                <a:spcPct val="100000"/>
+              </a:lnSpc>
               <a:buClr>
                 <a:srgbClr val="000000"/>
               </a:buClr>
@@ -7036,7 +8742,7 @@
               </a:rPr>
               <a:t>greet("world")</a:t>
             </a:r>
-            <a:endParaRPr b="0" lang="en-US" sz="3200" spc="-1" strike="noStrike">
+            <a:endParaRPr b="0" lang="en-US" sz="1800" spc="-1" strike="noStrike">
               <a:solidFill>
                 <a:srgbClr val="000000"/>
               </a:solidFill>
@@ -7303,4 +9009,227 @@
     </a:fmtScheme>
   </a:themeElements>
 </a:theme>
+</file>
+
+<file path=ppt/theme/theme2.xml><?xml version="1.0" encoding="utf-8"?>
+<a:theme xmlns:a="http://schemas.openxmlformats.org/drawingml/2006/main" name="Office Theme">
+  <a:themeElements>
+    <a:clrScheme name="Office">
+      <a:dk1>
+        <a:sysClr val="windowText" lastClr="000000"/>
+      </a:dk1>
+      <a:lt1>
+        <a:sysClr val="window" lastClr="FFFFFF"/>
+      </a:lt1>
+      <a:dk2>
+        <a:srgbClr val="1F497D"/>
+      </a:dk2>
+      <a:lt2>
+        <a:srgbClr val="EEECE1"/>
+      </a:lt2>
+      <a:accent1>
+        <a:srgbClr val="4F81BD"/>
+      </a:accent1>
+      <a:accent2>
+        <a:srgbClr val="C0504D"/>
+      </a:accent2>
+      <a:accent3>
+        <a:srgbClr val="9BBB59"/>
+      </a:accent3>
+      <a:accent4>
+        <a:srgbClr val="8064A2"/>
+      </a:accent4>
+      <a:accent5>
+        <a:srgbClr val="4BACC6"/>
+      </a:accent5>
+      <a:accent6>
+        <a:srgbClr val="F79646"/>
+      </a:accent6>
+      <a:hlink>
+        <a:srgbClr val="0000FF"/>
+      </a:hlink>
+      <a:folHlink>
+        <a:srgbClr val="800080"/>
+      </a:folHlink>
+    </a:clrScheme>
+    <a:fontScheme name="Office">
+      <a:majorFont>
+        <a:latin typeface="Arial"/>
+        <a:ea typeface="DejaVu Sans"/>
+        <a:cs typeface="DejaVu Sans"/>
+      </a:majorFont>
+      <a:minorFont>
+        <a:latin typeface="Arial"/>
+        <a:ea typeface="DejaVu Sans"/>
+        <a:cs typeface="DejaVu Sans"/>
+      </a:minorFont>
+    </a:fontScheme>
+    <a:fmtScheme name="Office">
+      <a:fillStyleLst>
+        <a:solidFill>
+          <a:schemeClr val="phClr"/>
+        </a:solidFill>
+        <a:gradFill rotWithShape="1">
+          <a:gsLst>
+            <a:gs pos="0">
+              <a:schemeClr val="phClr">
+                <a:tint val="50000"/>
+                <a:satMod val="300000"/>
+              </a:schemeClr>
+            </a:gs>
+            <a:gs pos="35000">
+              <a:schemeClr val="phClr">
+                <a:tint val="37000"/>
+                <a:satMod val="300000"/>
+              </a:schemeClr>
+            </a:gs>
+            <a:gs pos="100000">
+              <a:schemeClr val="phClr">
+                <a:tint val="15000"/>
+                <a:satMod val="350000"/>
+              </a:schemeClr>
+            </a:gs>
+          </a:gsLst>
+          <a:lin ang="16200000" scaled="1"/>
+        </a:gradFill>
+        <a:gradFill rotWithShape="1">
+          <a:gsLst>
+            <a:gs pos="0">
+              <a:schemeClr val="phClr">
+                <a:shade val="51000"/>
+                <a:satMod val="130000"/>
+              </a:schemeClr>
+            </a:gs>
+            <a:gs pos="80000">
+              <a:schemeClr val="phClr">
+                <a:shade val="93000"/>
+                <a:satMod val="130000"/>
+              </a:schemeClr>
+            </a:gs>
+            <a:gs pos="100000">
+              <a:schemeClr val="phClr">
+                <a:shade val="94000"/>
+                <a:satMod val="135000"/>
+              </a:schemeClr>
+            </a:gs>
+          </a:gsLst>
+          <a:lin ang="16200000" scaled="0"/>
+        </a:gradFill>
+      </a:fillStyleLst>
+      <a:lnStyleLst>
+        <a:ln w="9525" cap="flat" cmpd="sng" algn="ctr">
+          <a:solidFill>
+            <a:schemeClr val="phClr">
+              <a:shade val="95000"/>
+              <a:satMod val="105000"/>
+            </a:schemeClr>
+          </a:solidFill>
+          <a:prstDash val="solid"/>
+        </a:ln>
+        <a:ln w="25400" cap="flat" cmpd="sng" algn="ctr">
+          <a:solidFill>
+            <a:schemeClr val="phClr"/>
+          </a:solidFill>
+          <a:prstDash val="solid"/>
+        </a:ln>
+        <a:ln w="38100" cap="flat" cmpd="sng" algn="ctr">
+          <a:solidFill>
+            <a:schemeClr val="phClr"/>
+          </a:solidFill>
+          <a:prstDash val="solid"/>
+        </a:ln>
+      </a:lnStyleLst>
+      <a:effectStyleLst>
+        <a:effectStyle>
+          <a:effectLst>
+            <a:outerShdw blurRad="40000" dist="20000" dir="5400000" rotWithShape="0">
+              <a:srgbClr val="000000">
+                <a:alpha val="38000"/>
+              </a:srgbClr>
+            </a:outerShdw>
+          </a:effectLst>
+        </a:effectStyle>
+        <a:effectStyle>
+          <a:effectLst>
+            <a:outerShdw blurRad="40000" dist="23000" dir="5400000" rotWithShape="0">
+              <a:srgbClr val="000000">
+                <a:alpha val="35000"/>
+              </a:srgbClr>
+            </a:outerShdw>
+          </a:effectLst>
+        </a:effectStyle>
+        <a:effectStyle>
+          <a:effectLst>
+            <a:outerShdw blurRad="40000" dist="23000" dir="5400000" rotWithShape="0">
+              <a:srgbClr val="000000">
+                <a:alpha val="35000"/>
+              </a:srgbClr>
+            </a:outerShdw>
+          </a:effectLst>
+          <a:scene3d>
+            <a:camera prst="orthographicFront">
+              <a:rot lat="0" lon="0" rev="0"/>
+            </a:camera>
+            <a:lightRig rig="threePt" dir="t">
+              <a:rot lat="0" lon="0" rev="1200000"/>
+            </a:lightRig>
+          </a:scene3d>
+          <a:sp3d>
+            <a:bevelT w="63500" h="25400"/>
+          </a:sp3d>
+        </a:effectStyle>
+      </a:effectStyleLst>
+      <a:bgFillStyleLst>
+        <a:solidFill>
+          <a:schemeClr val="phClr"/>
+        </a:solidFill>
+        <a:gradFill rotWithShape="1">
+          <a:gsLst>
+            <a:gs pos="0">
+              <a:schemeClr val="phClr">
+                <a:tint val="40000"/>
+                <a:satMod val="350000"/>
+              </a:schemeClr>
+            </a:gs>
+            <a:gs pos="40000">
+              <a:schemeClr val="phClr">
+                <a:tint val="45000"/>
+                <a:shade val="99000"/>
+                <a:satMod val="350000"/>
+              </a:schemeClr>
+            </a:gs>
+            <a:gs pos="100000">
+              <a:schemeClr val="phClr">
+                <a:shade val="20000"/>
+                <a:satMod val="255000"/>
+              </a:schemeClr>
+            </a:gs>
+          </a:gsLst>
+          <a:path path="circle">
+            <a:fillToRect l="50000" t="-80000" r="50000" b="180000"/>
+          </a:path>
+        </a:gradFill>
+        <a:gradFill rotWithShape="1">
+          <a:gsLst>
+            <a:gs pos="0">
+              <a:schemeClr val="phClr">
+                <a:tint val="80000"/>
+                <a:satMod val="300000"/>
+              </a:schemeClr>
+            </a:gs>
+            <a:gs pos="100000">
+              <a:schemeClr val="phClr">
+                <a:shade val="30000"/>
+                <a:satMod val="200000"/>
+              </a:schemeClr>
+            </a:gs>
+          </a:gsLst>
+          <a:path path="circle">
+            <a:fillToRect l="50000" t="50000" r="50000" b="50000"/>
+          </a:path>
+        </a:gradFill>
+      </a:bgFillStyleLst>
+    </a:fmtScheme>
+  </a:themeElements>
+</a:theme>
 </file>